--- a/01 Classes/Aula5 - CLP - Programação - Ling LADER Aplicações e Prática.pptx
+++ b/01 Classes/Aula5 - CLP - Programação - Ling LADER Aplicações e Prática.pptx
@@ -5,17 +5,21 @@
     <p:sldMasterId id="2147483648" r:id="rId1"/>
   </p:sldMasterIdLst>
   <p:notesMasterIdLst>
-    <p:notesMasterId r:id="rId10"/>
+    <p:notesMasterId r:id="rId14"/>
   </p:notesMasterIdLst>
   <p:sldIdLst>
     <p:sldId id="256" r:id="rId2"/>
     <p:sldId id="291" r:id="rId3"/>
     <p:sldId id="354" r:id="rId4"/>
-    <p:sldId id="333" r:id="rId5"/>
-    <p:sldId id="323" r:id="rId6"/>
-    <p:sldId id="360" r:id="rId7"/>
-    <p:sldId id="337" r:id="rId8"/>
-    <p:sldId id="309" r:id="rId9"/>
+    <p:sldId id="361" r:id="rId5"/>
+    <p:sldId id="362" r:id="rId6"/>
+    <p:sldId id="363" r:id="rId7"/>
+    <p:sldId id="364" r:id="rId8"/>
+    <p:sldId id="333" r:id="rId9"/>
+    <p:sldId id="323" r:id="rId10"/>
+    <p:sldId id="360" r:id="rId11"/>
+    <p:sldId id="337" r:id="rId12"/>
+    <p:sldId id="309" r:id="rId13"/>
   </p:sldIdLst>
   <p:sldSz cx="9144000" cy="5143500" type="screen16x9"/>
   <p:notesSz cx="6858000" cy="9144000"/>
@@ -562,6 +566,72 @@
 </p:notes>
 </file>
 
+<file path=ppt/notesSlides/notesSlide10.xml><?xml version="1.0" encoding="utf-8"?>
+<p:notes xmlns:a="http://schemas.openxmlformats.org/drawingml/2006/main" xmlns:r="http://schemas.openxmlformats.org/officeDocument/2006/relationships" xmlns:p="http://schemas.openxmlformats.org/presentationml/2006/main">
+  <p:cSld>
+    <p:spTree>
+      <p:nvGrpSpPr>
+        <p:cNvPr id="1" name=""/>
+        <p:cNvGrpSpPr/>
+        <p:nvPr/>
+      </p:nvGrpSpPr>
+      <p:grpSpPr>
+        <a:xfrm>
+          <a:off x="0" y="0"/>
+          <a:ext cx="0" cy="0"/>
+          <a:chOff x="0" y="0"/>
+          <a:chExt cx="0" cy="0"/>
+        </a:xfrm>
+      </p:grpSpPr>
+      <p:sp>
+        <p:nvSpPr>
+          <p:cNvPr id="2" name="Espaço Reservado para Imagem de Slide 1"/>
+          <p:cNvSpPr>
+            <a:spLocks noGrp="1" noRot="1" noChangeAspect="1"/>
+          </p:cNvSpPr>
+          <p:nvPr>
+            <p:ph type="sldImg"/>
+          </p:nvPr>
+        </p:nvSpPr>
+        <p:spPr>
+          <a:xfrm>
+            <a:off x="381000" y="685800"/>
+            <a:ext cx="6096000" cy="3429000"/>
+          </a:xfrm>
+        </p:spPr>
+      </p:sp>
+      <p:sp>
+        <p:nvSpPr>
+          <p:cNvPr id="3" name="Espaço Reservado para Anotações 2"/>
+          <p:cNvSpPr>
+            <a:spLocks noGrp="1"/>
+          </p:cNvSpPr>
+          <p:nvPr>
+            <p:ph type="body" idx="1"/>
+          </p:nvPr>
+        </p:nvSpPr>
+        <p:spPr/>
+        <p:txBody>
+          <a:bodyPr/>
+          <a:lstStyle/>
+          <a:p>
+            <a:endParaRPr lang="pt-BR" dirty="0"/>
+          </a:p>
+        </p:txBody>
+      </p:sp>
+    </p:spTree>
+    <p:extLst>
+      <p:ext uri="{BB962C8B-B14F-4D97-AF65-F5344CB8AC3E}">
+        <p14:creationId xmlns:p14="http://schemas.microsoft.com/office/powerpoint/2010/main" val="4290351292"/>
+      </p:ext>
+    </p:extLst>
+  </p:cSld>
+  <p:clrMapOvr>
+    <a:masterClrMapping/>
+  </p:clrMapOvr>
+</p:notes>
+</file>
+
 <file path=ppt/notesSlides/notesSlide2.xml><?xml version="1.0" encoding="utf-8"?>
 <p:notes xmlns:a="http://schemas.openxmlformats.org/drawingml/2006/main" xmlns:r="http://schemas.openxmlformats.org/officeDocument/2006/relationships" xmlns:p="http://schemas.openxmlformats.org/presentationml/2006/main">
   <p:cSld>
@@ -651,7 +721,13 @@
   <p:cSld>
     <p:spTree>
       <p:nvGrpSpPr>
-        <p:cNvPr id="1" name=""/>
+        <p:cNvPr id="1" name="">
+          <a:extLst>
+            <a:ext uri="{FF2B5EF4-FFF2-40B4-BE49-F238E27FC236}">
+              <a16:creationId xmlns:a16="http://schemas.microsoft.com/office/drawing/2014/main" id="{CC6A7545-2C92-EF28-4F62-D83BF466A81E}"/>
+            </a:ext>
+          </a:extLst>
+        </p:cNvPr>
         <p:cNvGrpSpPr/>
         <p:nvPr/>
       </p:nvGrpSpPr>
@@ -665,7 +741,13 @@
       </p:grpSpPr>
       <p:sp>
         <p:nvSpPr>
-          <p:cNvPr id="2" name="Espaço Reservado para Imagem de Slide 1"/>
+          <p:cNvPr id="2" name="Espaço Reservado para Imagem de Slide 1">
+            <a:extLst>
+              <a:ext uri="{FF2B5EF4-FFF2-40B4-BE49-F238E27FC236}">
+                <a16:creationId xmlns:a16="http://schemas.microsoft.com/office/drawing/2014/main" id="{2668CB67-7CC5-66EA-645C-B863C4D09591}"/>
+              </a:ext>
+            </a:extLst>
+          </p:cNvPr>
           <p:cNvSpPr>
             <a:spLocks noGrp="1" noRot="1" noChangeAspect="1"/>
           </p:cNvSpPr>
@@ -682,7 +764,13 @@
       </p:sp>
       <p:sp>
         <p:nvSpPr>
-          <p:cNvPr id="3" name="Espaço Reservado para Anotações 2"/>
+          <p:cNvPr id="3" name="Espaço Reservado para Anotações 2">
+            <a:extLst>
+              <a:ext uri="{FF2B5EF4-FFF2-40B4-BE49-F238E27FC236}">
+                <a16:creationId xmlns:a16="http://schemas.microsoft.com/office/drawing/2014/main" id="{E62BEF94-022E-9A09-911C-58DDD01FA521}"/>
+              </a:ext>
+            </a:extLst>
+          </p:cNvPr>
           <p:cNvSpPr>
             <a:spLocks noGrp="1"/>
           </p:cNvSpPr>
@@ -702,7 +790,7 @@
     </p:spTree>
     <p:extLst>
       <p:ext uri="{BB962C8B-B14F-4D97-AF65-F5344CB8AC3E}">
-        <p14:creationId xmlns:p14="http://schemas.microsoft.com/office/powerpoint/2010/main" val="585304384"/>
+        <p14:creationId xmlns:p14="http://schemas.microsoft.com/office/powerpoint/2010/main" val="2623812541"/>
       </p:ext>
     </p:extLst>
   </p:cSld>
@@ -713,6 +801,258 @@
 </file>
 
 <file path=ppt/notesSlides/notesSlide4.xml><?xml version="1.0" encoding="utf-8"?>
+<p:notes xmlns:a="http://schemas.openxmlformats.org/drawingml/2006/main" xmlns:r="http://schemas.openxmlformats.org/officeDocument/2006/relationships" xmlns:p="http://schemas.openxmlformats.org/presentationml/2006/main">
+  <p:cSld>
+    <p:spTree>
+      <p:nvGrpSpPr>
+        <p:cNvPr id="1" name="">
+          <a:extLst>
+            <a:ext uri="{FF2B5EF4-FFF2-40B4-BE49-F238E27FC236}">
+              <a16:creationId xmlns:a16="http://schemas.microsoft.com/office/drawing/2014/main" id="{8CC0477B-14E0-31CA-DB6E-75906CB97C51}"/>
+            </a:ext>
+          </a:extLst>
+        </p:cNvPr>
+        <p:cNvGrpSpPr/>
+        <p:nvPr/>
+      </p:nvGrpSpPr>
+      <p:grpSpPr>
+        <a:xfrm>
+          <a:off x="0" y="0"/>
+          <a:ext cx="0" cy="0"/>
+          <a:chOff x="0" y="0"/>
+          <a:chExt cx="0" cy="0"/>
+        </a:xfrm>
+      </p:grpSpPr>
+      <p:sp>
+        <p:nvSpPr>
+          <p:cNvPr id="2" name="Espaço Reservado para Imagem de Slide 1">
+            <a:extLst>
+              <a:ext uri="{FF2B5EF4-FFF2-40B4-BE49-F238E27FC236}">
+                <a16:creationId xmlns:a16="http://schemas.microsoft.com/office/drawing/2014/main" id="{97FAF4A1-6FEF-83F2-156F-C8A7716B98CA}"/>
+              </a:ext>
+            </a:extLst>
+          </p:cNvPr>
+          <p:cNvSpPr>
+            <a:spLocks noGrp="1" noRot="1" noChangeAspect="1"/>
+          </p:cNvSpPr>
+          <p:nvPr>
+            <p:ph type="sldImg"/>
+          </p:nvPr>
+        </p:nvSpPr>
+        <p:spPr>
+          <a:xfrm>
+            <a:off x="381000" y="685800"/>
+            <a:ext cx="6096000" cy="3429000"/>
+          </a:xfrm>
+        </p:spPr>
+      </p:sp>
+      <p:sp>
+        <p:nvSpPr>
+          <p:cNvPr id="3" name="Espaço Reservado para Anotações 2">
+            <a:extLst>
+              <a:ext uri="{FF2B5EF4-FFF2-40B4-BE49-F238E27FC236}">
+                <a16:creationId xmlns:a16="http://schemas.microsoft.com/office/drawing/2014/main" id="{647B5429-8018-D2FB-21B7-D11AD7041BF3}"/>
+              </a:ext>
+            </a:extLst>
+          </p:cNvPr>
+          <p:cNvSpPr>
+            <a:spLocks noGrp="1"/>
+          </p:cNvSpPr>
+          <p:nvPr>
+            <p:ph type="body" idx="1"/>
+          </p:nvPr>
+        </p:nvSpPr>
+        <p:spPr/>
+        <p:txBody>
+          <a:bodyPr/>
+          <a:lstStyle/>
+          <a:p>
+            <a:endParaRPr lang="pt-BR" dirty="0"/>
+          </a:p>
+        </p:txBody>
+      </p:sp>
+    </p:spTree>
+    <p:extLst>
+      <p:ext uri="{BB962C8B-B14F-4D97-AF65-F5344CB8AC3E}">
+        <p14:creationId xmlns:p14="http://schemas.microsoft.com/office/powerpoint/2010/main" val="3275923315"/>
+      </p:ext>
+    </p:extLst>
+  </p:cSld>
+  <p:clrMapOvr>
+    <a:masterClrMapping/>
+  </p:clrMapOvr>
+</p:notes>
+</file>
+
+<file path=ppt/notesSlides/notesSlide5.xml><?xml version="1.0" encoding="utf-8"?>
+<p:notes xmlns:a="http://schemas.openxmlformats.org/drawingml/2006/main" xmlns:r="http://schemas.openxmlformats.org/officeDocument/2006/relationships" xmlns:p="http://schemas.openxmlformats.org/presentationml/2006/main">
+  <p:cSld>
+    <p:spTree>
+      <p:nvGrpSpPr>
+        <p:cNvPr id="1" name="">
+          <a:extLst>
+            <a:ext uri="{FF2B5EF4-FFF2-40B4-BE49-F238E27FC236}">
+              <a16:creationId xmlns:a16="http://schemas.microsoft.com/office/drawing/2014/main" id="{BB770183-D47A-A582-8934-7086BA9ADB20}"/>
+            </a:ext>
+          </a:extLst>
+        </p:cNvPr>
+        <p:cNvGrpSpPr/>
+        <p:nvPr/>
+      </p:nvGrpSpPr>
+      <p:grpSpPr>
+        <a:xfrm>
+          <a:off x="0" y="0"/>
+          <a:ext cx="0" cy="0"/>
+          <a:chOff x="0" y="0"/>
+          <a:chExt cx="0" cy="0"/>
+        </a:xfrm>
+      </p:grpSpPr>
+      <p:sp>
+        <p:nvSpPr>
+          <p:cNvPr id="2" name="Espaço Reservado para Imagem de Slide 1">
+            <a:extLst>
+              <a:ext uri="{FF2B5EF4-FFF2-40B4-BE49-F238E27FC236}">
+                <a16:creationId xmlns:a16="http://schemas.microsoft.com/office/drawing/2014/main" id="{CAA7E925-6BEA-7967-8CB7-091B4D990DE2}"/>
+              </a:ext>
+            </a:extLst>
+          </p:cNvPr>
+          <p:cNvSpPr>
+            <a:spLocks noGrp="1" noRot="1" noChangeAspect="1"/>
+          </p:cNvSpPr>
+          <p:nvPr>
+            <p:ph type="sldImg"/>
+          </p:nvPr>
+        </p:nvSpPr>
+        <p:spPr>
+          <a:xfrm>
+            <a:off x="381000" y="685800"/>
+            <a:ext cx="6096000" cy="3429000"/>
+          </a:xfrm>
+        </p:spPr>
+      </p:sp>
+      <p:sp>
+        <p:nvSpPr>
+          <p:cNvPr id="3" name="Espaço Reservado para Anotações 2">
+            <a:extLst>
+              <a:ext uri="{FF2B5EF4-FFF2-40B4-BE49-F238E27FC236}">
+                <a16:creationId xmlns:a16="http://schemas.microsoft.com/office/drawing/2014/main" id="{B2422D1E-86CF-57F2-6641-A323406DB06A}"/>
+              </a:ext>
+            </a:extLst>
+          </p:cNvPr>
+          <p:cNvSpPr>
+            <a:spLocks noGrp="1"/>
+          </p:cNvSpPr>
+          <p:nvPr>
+            <p:ph type="body" idx="1"/>
+          </p:nvPr>
+        </p:nvSpPr>
+        <p:spPr/>
+        <p:txBody>
+          <a:bodyPr/>
+          <a:lstStyle/>
+          <a:p>
+            <a:endParaRPr lang="pt-BR" dirty="0"/>
+          </a:p>
+        </p:txBody>
+      </p:sp>
+    </p:spTree>
+    <p:extLst>
+      <p:ext uri="{BB962C8B-B14F-4D97-AF65-F5344CB8AC3E}">
+        <p14:creationId xmlns:p14="http://schemas.microsoft.com/office/powerpoint/2010/main" val="3492640017"/>
+      </p:ext>
+    </p:extLst>
+  </p:cSld>
+  <p:clrMapOvr>
+    <a:masterClrMapping/>
+  </p:clrMapOvr>
+</p:notes>
+</file>
+
+<file path=ppt/notesSlides/notesSlide6.xml><?xml version="1.0" encoding="utf-8"?>
+<p:notes xmlns:a="http://schemas.openxmlformats.org/drawingml/2006/main" xmlns:r="http://schemas.openxmlformats.org/officeDocument/2006/relationships" xmlns:p="http://schemas.openxmlformats.org/presentationml/2006/main">
+  <p:cSld>
+    <p:spTree>
+      <p:nvGrpSpPr>
+        <p:cNvPr id="1" name="">
+          <a:extLst>
+            <a:ext uri="{FF2B5EF4-FFF2-40B4-BE49-F238E27FC236}">
+              <a16:creationId xmlns:a16="http://schemas.microsoft.com/office/drawing/2014/main" id="{44C2E7E7-24E9-8F71-E644-36E0FC21FAD2}"/>
+            </a:ext>
+          </a:extLst>
+        </p:cNvPr>
+        <p:cNvGrpSpPr/>
+        <p:nvPr/>
+      </p:nvGrpSpPr>
+      <p:grpSpPr>
+        <a:xfrm>
+          <a:off x="0" y="0"/>
+          <a:ext cx="0" cy="0"/>
+          <a:chOff x="0" y="0"/>
+          <a:chExt cx="0" cy="0"/>
+        </a:xfrm>
+      </p:grpSpPr>
+      <p:sp>
+        <p:nvSpPr>
+          <p:cNvPr id="2" name="Espaço Reservado para Imagem de Slide 1">
+            <a:extLst>
+              <a:ext uri="{FF2B5EF4-FFF2-40B4-BE49-F238E27FC236}">
+                <a16:creationId xmlns:a16="http://schemas.microsoft.com/office/drawing/2014/main" id="{3976CC9C-D900-F307-41A3-4B176DBA7A65}"/>
+              </a:ext>
+            </a:extLst>
+          </p:cNvPr>
+          <p:cNvSpPr>
+            <a:spLocks noGrp="1" noRot="1" noChangeAspect="1"/>
+          </p:cNvSpPr>
+          <p:nvPr>
+            <p:ph type="sldImg"/>
+          </p:nvPr>
+        </p:nvSpPr>
+        <p:spPr>
+          <a:xfrm>
+            <a:off x="381000" y="685800"/>
+            <a:ext cx="6096000" cy="3429000"/>
+          </a:xfrm>
+        </p:spPr>
+      </p:sp>
+      <p:sp>
+        <p:nvSpPr>
+          <p:cNvPr id="3" name="Espaço Reservado para Anotações 2">
+            <a:extLst>
+              <a:ext uri="{FF2B5EF4-FFF2-40B4-BE49-F238E27FC236}">
+                <a16:creationId xmlns:a16="http://schemas.microsoft.com/office/drawing/2014/main" id="{C10DE68C-5260-07A1-73E4-CD0835BCADC5}"/>
+              </a:ext>
+            </a:extLst>
+          </p:cNvPr>
+          <p:cNvSpPr>
+            <a:spLocks noGrp="1"/>
+          </p:cNvSpPr>
+          <p:nvPr>
+            <p:ph type="body" idx="1"/>
+          </p:nvPr>
+        </p:nvSpPr>
+        <p:spPr/>
+        <p:txBody>
+          <a:bodyPr/>
+          <a:lstStyle/>
+          <a:p>
+            <a:endParaRPr lang="pt-BR" dirty="0"/>
+          </a:p>
+        </p:txBody>
+      </p:sp>
+    </p:spTree>
+    <p:extLst>
+      <p:ext uri="{BB962C8B-B14F-4D97-AF65-F5344CB8AC3E}">
+        <p14:creationId xmlns:p14="http://schemas.microsoft.com/office/powerpoint/2010/main" val="1877735889"/>
+      </p:ext>
+    </p:extLst>
+  </p:cSld>
+  <p:clrMapOvr>
+    <a:masterClrMapping/>
+  </p:clrMapOvr>
+</p:notes>
+</file>
+
+<file path=ppt/notesSlides/notesSlide7.xml><?xml version="1.0" encoding="utf-8"?>
 <p:notes xmlns:a="http://schemas.openxmlformats.org/drawingml/2006/main" xmlns:r="http://schemas.openxmlformats.org/officeDocument/2006/relationships" xmlns:p="http://schemas.openxmlformats.org/presentationml/2006/main">
   <p:cSld>
     <p:spTree>
@@ -768,6 +1108,72 @@
     </p:spTree>
     <p:extLst>
       <p:ext uri="{BB962C8B-B14F-4D97-AF65-F5344CB8AC3E}">
+        <p14:creationId xmlns:p14="http://schemas.microsoft.com/office/powerpoint/2010/main" val="585304384"/>
+      </p:ext>
+    </p:extLst>
+  </p:cSld>
+  <p:clrMapOvr>
+    <a:masterClrMapping/>
+  </p:clrMapOvr>
+</p:notes>
+</file>
+
+<file path=ppt/notesSlides/notesSlide8.xml><?xml version="1.0" encoding="utf-8"?>
+<p:notes xmlns:a="http://schemas.openxmlformats.org/drawingml/2006/main" xmlns:r="http://schemas.openxmlformats.org/officeDocument/2006/relationships" xmlns:p="http://schemas.openxmlformats.org/presentationml/2006/main">
+  <p:cSld>
+    <p:spTree>
+      <p:nvGrpSpPr>
+        <p:cNvPr id="1" name=""/>
+        <p:cNvGrpSpPr/>
+        <p:nvPr/>
+      </p:nvGrpSpPr>
+      <p:grpSpPr>
+        <a:xfrm>
+          <a:off x="0" y="0"/>
+          <a:ext cx="0" cy="0"/>
+          <a:chOff x="0" y="0"/>
+          <a:chExt cx="0" cy="0"/>
+        </a:xfrm>
+      </p:grpSpPr>
+      <p:sp>
+        <p:nvSpPr>
+          <p:cNvPr id="2" name="Espaço Reservado para Imagem de Slide 1"/>
+          <p:cNvSpPr>
+            <a:spLocks noGrp="1" noRot="1" noChangeAspect="1"/>
+          </p:cNvSpPr>
+          <p:nvPr>
+            <p:ph type="sldImg"/>
+          </p:nvPr>
+        </p:nvSpPr>
+        <p:spPr>
+          <a:xfrm>
+            <a:off x="381000" y="685800"/>
+            <a:ext cx="6096000" cy="3429000"/>
+          </a:xfrm>
+        </p:spPr>
+      </p:sp>
+      <p:sp>
+        <p:nvSpPr>
+          <p:cNvPr id="3" name="Espaço Reservado para Anotações 2"/>
+          <p:cNvSpPr>
+            <a:spLocks noGrp="1"/>
+          </p:cNvSpPr>
+          <p:nvPr>
+            <p:ph type="body" idx="1"/>
+          </p:nvPr>
+        </p:nvSpPr>
+        <p:spPr/>
+        <p:txBody>
+          <a:bodyPr/>
+          <a:lstStyle/>
+          <a:p>
+            <a:endParaRPr lang="pt-BR" dirty="0"/>
+          </a:p>
+        </p:txBody>
+      </p:sp>
+    </p:spTree>
+    <p:extLst>
+      <p:ext uri="{BB962C8B-B14F-4D97-AF65-F5344CB8AC3E}">
         <p14:creationId xmlns:p14="http://schemas.microsoft.com/office/powerpoint/2010/main" val="2709569597"/>
       </p:ext>
     </p:extLst>
@@ -778,7 +1184,7 @@
 </p:notes>
 </file>
 
-<file path=ppt/notesSlides/notesSlide5.xml><?xml version="1.0" encoding="utf-8"?>
+<file path=ppt/notesSlides/notesSlide9.xml><?xml version="1.0" encoding="utf-8"?>
 <p:notes xmlns:a="http://schemas.openxmlformats.org/drawingml/2006/main" xmlns:r="http://schemas.openxmlformats.org/officeDocument/2006/relationships" xmlns:p="http://schemas.openxmlformats.org/presentationml/2006/main">
   <p:cSld>
     <p:spTree>
@@ -853,72 +1259,6 @@
     <p:extLst>
       <p:ext uri="{BB962C8B-B14F-4D97-AF65-F5344CB8AC3E}">
         <p14:creationId xmlns:p14="http://schemas.microsoft.com/office/powerpoint/2010/main" val="3656069206"/>
-      </p:ext>
-    </p:extLst>
-  </p:cSld>
-  <p:clrMapOvr>
-    <a:masterClrMapping/>
-  </p:clrMapOvr>
-</p:notes>
-</file>
-
-<file path=ppt/notesSlides/notesSlide6.xml><?xml version="1.0" encoding="utf-8"?>
-<p:notes xmlns:a="http://schemas.openxmlformats.org/drawingml/2006/main" xmlns:r="http://schemas.openxmlformats.org/officeDocument/2006/relationships" xmlns:p="http://schemas.openxmlformats.org/presentationml/2006/main">
-  <p:cSld>
-    <p:spTree>
-      <p:nvGrpSpPr>
-        <p:cNvPr id="1" name=""/>
-        <p:cNvGrpSpPr/>
-        <p:nvPr/>
-      </p:nvGrpSpPr>
-      <p:grpSpPr>
-        <a:xfrm>
-          <a:off x="0" y="0"/>
-          <a:ext cx="0" cy="0"/>
-          <a:chOff x="0" y="0"/>
-          <a:chExt cx="0" cy="0"/>
-        </a:xfrm>
-      </p:grpSpPr>
-      <p:sp>
-        <p:nvSpPr>
-          <p:cNvPr id="2" name="Espaço Reservado para Imagem de Slide 1"/>
-          <p:cNvSpPr>
-            <a:spLocks noGrp="1" noRot="1" noChangeAspect="1"/>
-          </p:cNvSpPr>
-          <p:nvPr>
-            <p:ph type="sldImg"/>
-          </p:nvPr>
-        </p:nvSpPr>
-        <p:spPr>
-          <a:xfrm>
-            <a:off x="381000" y="685800"/>
-            <a:ext cx="6096000" cy="3429000"/>
-          </a:xfrm>
-        </p:spPr>
-      </p:sp>
-      <p:sp>
-        <p:nvSpPr>
-          <p:cNvPr id="3" name="Espaço Reservado para Anotações 2"/>
-          <p:cNvSpPr>
-            <a:spLocks noGrp="1"/>
-          </p:cNvSpPr>
-          <p:nvPr>
-            <p:ph type="body" idx="1"/>
-          </p:nvPr>
-        </p:nvSpPr>
-        <p:spPr/>
-        <p:txBody>
-          <a:bodyPr/>
-          <a:lstStyle/>
-          <a:p>
-            <a:endParaRPr lang="pt-BR" dirty="0"/>
-          </a:p>
-        </p:txBody>
-      </p:sp>
-    </p:spTree>
-    <p:extLst>
-      <p:ext uri="{BB962C8B-B14F-4D97-AF65-F5344CB8AC3E}">
-        <p14:creationId xmlns:p14="http://schemas.microsoft.com/office/powerpoint/2010/main" val="4290351292"/>
       </p:ext>
     </p:extLst>
   </p:cSld>
@@ -3865,6 +4205,893 @@
 </p:sld>
 </file>
 
+<file path=ppt/slides/slide10.xml><?xml version="1.0" encoding="utf-8"?>
+<p:sld xmlns:a="http://schemas.openxmlformats.org/drawingml/2006/main" xmlns:r="http://schemas.openxmlformats.org/officeDocument/2006/relationships" xmlns:p="http://schemas.openxmlformats.org/presentationml/2006/main">
+  <p:cSld>
+    <p:spTree>
+      <p:nvGrpSpPr>
+        <p:cNvPr id="1" name="">
+          <a:extLst>
+            <a:ext uri="{FF2B5EF4-FFF2-40B4-BE49-F238E27FC236}">
+              <a16:creationId xmlns:a16="http://schemas.microsoft.com/office/drawing/2014/main" id="{2953AC7D-8CF9-A63F-57A2-D983DEB50039}"/>
+            </a:ext>
+          </a:extLst>
+        </p:cNvPr>
+        <p:cNvGrpSpPr/>
+        <p:nvPr/>
+      </p:nvGrpSpPr>
+      <p:grpSpPr>
+        <a:xfrm>
+          <a:off x="0" y="0"/>
+          <a:ext cx="0" cy="0"/>
+          <a:chOff x="0" y="0"/>
+          <a:chExt cx="0" cy="0"/>
+        </a:xfrm>
+      </p:grpSpPr>
+      <p:sp>
+        <p:nvSpPr>
+          <p:cNvPr id="6" name="Title 1">
+            <a:extLst>
+              <a:ext uri="{FF2B5EF4-FFF2-40B4-BE49-F238E27FC236}">
+                <a16:creationId xmlns:a16="http://schemas.microsoft.com/office/drawing/2014/main" id="{CC4C3A19-ED0C-1CE0-1512-03DBBA8E622A}"/>
+              </a:ext>
+            </a:extLst>
+          </p:cNvPr>
+          <p:cNvSpPr>
+            <a:spLocks noGrp="1"/>
+          </p:cNvSpPr>
+          <p:nvPr>
+            <p:ph type="title"/>
+          </p:nvPr>
+        </p:nvSpPr>
+        <p:spPr>
+          <a:xfrm>
+            <a:off x="457200" y="205980"/>
+            <a:ext cx="8229600" cy="857251"/>
+          </a:xfrm>
+        </p:spPr>
+        <p:txBody>
+          <a:bodyPr>
+            <a:normAutofit/>
+          </a:bodyPr>
+          <a:lstStyle/>
+          <a:p>
+            <a:r>
+              <a:rPr lang="en-US" b="1" dirty="0" err="1">
+                <a:solidFill>
+                  <a:srgbClr val="0070C0"/>
+                </a:solidFill>
+              </a:rPr>
+              <a:t>Dinâmica</a:t>
+            </a:r>
+            <a:r>
+              <a:rPr lang="en-US" b="1" dirty="0">
+                <a:solidFill>
+                  <a:srgbClr val="0070C0"/>
+                </a:solidFill>
+              </a:rPr>
+              <a:t>/</a:t>
+            </a:r>
+            <a:r>
+              <a:rPr lang="en-US" b="1" dirty="0" err="1">
+                <a:solidFill>
+                  <a:srgbClr val="0070C0"/>
+                </a:solidFill>
+              </a:rPr>
+              <a:t>Atividades</a:t>
+            </a:r>
+            <a:endParaRPr lang="en-US" b="1" dirty="0">
+              <a:solidFill>
+                <a:srgbClr val="0070C0"/>
+              </a:solidFill>
+            </a:endParaRPr>
+          </a:p>
+        </p:txBody>
+      </p:sp>
+      <p:sp>
+        <p:nvSpPr>
+          <p:cNvPr id="8" name="Text Placeholder 2">
+            <a:extLst>
+              <a:ext uri="{FF2B5EF4-FFF2-40B4-BE49-F238E27FC236}">
+                <a16:creationId xmlns:a16="http://schemas.microsoft.com/office/drawing/2014/main" id="{B45119E1-EF11-7248-2ADA-8776A0D7E7E3}"/>
+              </a:ext>
+            </a:extLst>
+          </p:cNvPr>
+          <p:cNvSpPr>
+            <a:spLocks noGrp="1"/>
+          </p:cNvSpPr>
+          <p:nvPr>
+            <p:ph type="body" sz="half" idx="1"/>
+          </p:nvPr>
+        </p:nvSpPr>
+        <p:spPr>
+          <a:xfrm>
+            <a:off x="142865" y="1035050"/>
+            <a:ext cx="8865056" cy="3994150"/>
+          </a:xfrm>
+        </p:spPr>
+        <p:txBody>
+          <a:bodyPr>
+            <a:noAutofit/>
+          </a:bodyPr>
+          <a:lstStyle/>
+          <a:p>
+            <a:pPr marL="0" indent="0" algn="just">
+              <a:buNone/>
+            </a:pPr>
+            <a:endParaRPr lang="pt-BR" sz="2200" dirty="0">
+              <a:solidFill>
+                <a:schemeClr val="tx1"/>
+              </a:solidFill>
+              <a:latin typeface="Times New Roman" panose="02020603050405020304" pitchFamily="18" charset="0"/>
+              <a:cs typeface="Times New Roman" panose="02020603050405020304" pitchFamily="18" charset="0"/>
+            </a:endParaRPr>
+          </a:p>
+          <a:p>
+            <a:pPr marL="0" indent="0" algn="just">
+              <a:buNone/>
+            </a:pPr>
+            <a:endParaRPr lang="pt-BR" sz="2200" dirty="0">
+              <a:solidFill>
+                <a:schemeClr val="tx1"/>
+              </a:solidFill>
+              <a:latin typeface="Times New Roman" panose="02020603050405020304" pitchFamily="18" charset="0"/>
+              <a:cs typeface="Times New Roman" panose="02020603050405020304" pitchFamily="18" charset="0"/>
+            </a:endParaRPr>
+          </a:p>
+          <a:p>
+            <a:pPr marL="0" indent="0" algn="just">
+              <a:buNone/>
+            </a:pPr>
+            <a:endParaRPr lang="pt-BR" sz="2200" dirty="0">
+              <a:solidFill>
+                <a:schemeClr val="tx1"/>
+              </a:solidFill>
+              <a:latin typeface="Times New Roman" panose="02020603050405020304" pitchFamily="18" charset="0"/>
+              <a:cs typeface="Times New Roman" panose="02020603050405020304" pitchFamily="18" charset="0"/>
+            </a:endParaRPr>
+          </a:p>
+          <a:p>
+            <a:pPr marL="0" indent="0" algn="just">
+              <a:buNone/>
+            </a:pPr>
+            <a:r>
+              <a:rPr lang="pt-BR" sz="2200" dirty="0">
+                <a:solidFill>
+                  <a:schemeClr val="tx1"/>
+                </a:solidFill>
+                <a:latin typeface="Times New Roman" panose="02020603050405020304" pitchFamily="18" charset="0"/>
+                <a:cs typeface="Times New Roman" panose="02020603050405020304" pitchFamily="18" charset="0"/>
+              </a:rPr>
+              <a:t>Os alunos deverão pesquisar e montar um roteiro de prática com LADDER para ser aplicado no Laboratório de Circuitos Elétricos.</a:t>
+            </a:r>
+          </a:p>
+        </p:txBody>
+      </p:sp>
+    </p:spTree>
+    <p:extLst>
+      <p:ext uri="{BB962C8B-B14F-4D97-AF65-F5344CB8AC3E}">
+        <p14:creationId xmlns:p14="http://schemas.microsoft.com/office/powerpoint/2010/main" val="2976682751"/>
+      </p:ext>
+    </p:extLst>
+  </p:cSld>
+  <p:clrMapOvr>
+    <a:masterClrMapping/>
+  </p:clrMapOvr>
+  <p:transition spd="med"/>
+</p:sld>
+</file>
+
+<file path=ppt/slides/slide11.xml><?xml version="1.0" encoding="utf-8"?>
+<p:sld xmlns:a="http://schemas.openxmlformats.org/drawingml/2006/main" xmlns:r="http://schemas.openxmlformats.org/officeDocument/2006/relationships" xmlns:p="http://schemas.openxmlformats.org/presentationml/2006/main">
+  <p:cSld>
+    <p:spTree>
+      <p:nvGrpSpPr>
+        <p:cNvPr id="1" name=""/>
+        <p:cNvGrpSpPr/>
+        <p:nvPr/>
+      </p:nvGrpSpPr>
+      <p:grpSpPr>
+        <a:xfrm>
+          <a:off x="0" y="0"/>
+          <a:ext cx="0" cy="0"/>
+          <a:chOff x="0" y="0"/>
+          <a:chExt cx="0" cy="0"/>
+        </a:xfrm>
+      </p:grpSpPr>
+      <p:sp>
+        <p:nvSpPr>
+          <p:cNvPr id="6" name="Title 1"/>
+          <p:cNvSpPr>
+            <a:spLocks noGrp="1"/>
+          </p:cNvSpPr>
+          <p:nvPr>
+            <p:ph type="title"/>
+          </p:nvPr>
+        </p:nvSpPr>
+        <p:spPr>
+          <a:xfrm>
+            <a:off x="457200" y="205980"/>
+            <a:ext cx="8229600" cy="857251"/>
+          </a:xfrm>
+        </p:spPr>
+        <p:txBody>
+          <a:bodyPr>
+            <a:normAutofit/>
+          </a:bodyPr>
+          <a:lstStyle/>
+          <a:p>
+            <a:r>
+              <a:rPr lang="en-US" b="1" dirty="0" err="1">
+                <a:solidFill>
+                  <a:srgbClr val="0070C0"/>
+                </a:solidFill>
+              </a:rPr>
+              <a:t>Referências</a:t>
+            </a:r>
+            <a:r>
+              <a:rPr lang="en-US" b="1" dirty="0">
+                <a:solidFill>
+                  <a:srgbClr val="0070C0"/>
+                </a:solidFill>
+              </a:rPr>
+              <a:t> </a:t>
+            </a:r>
+            <a:r>
+              <a:rPr lang="en-US" b="1" dirty="0" err="1">
+                <a:solidFill>
+                  <a:srgbClr val="0070C0"/>
+                </a:solidFill>
+              </a:rPr>
+              <a:t>Bibliográficas</a:t>
+            </a:r>
+            <a:endParaRPr lang="en-US" b="1" dirty="0">
+              <a:solidFill>
+                <a:srgbClr val="0070C0"/>
+              </a:solidFill>
+            </a:endParaRPr>
+          </a:p>
+        </p:txBody>
+      </p:sp>
+      <p:sp>
+        <p:nvSpPr>
+          <p:cNvPr id="8" name="Text Placeholder 2"/>
+          <p:cNvSpPr>
+            <a:spLocks noGrp="1"/>
+          </p:cNvSpPr>
+          <p:nvPr>
+            <p:ph type="body" sz="half" idx="1"/>
+          </p:nvPr>
+        </p:nvSpPr>
+        <p:spPr>
+          <a:xfrm>
+            <a:off x="139472" y="1063231"/>
+            <a:ext cx="8865056" cy="3874289"/>
+          </a:xfrm>
+        </p:spPr>
+        <p:txBody>
+          <a:bodyPr>
+            <a:noAutofit/>
+          </a:bodyPr>
+          <a:lstStyle/>
+          <a:p>
+            <a:pPr marL="0" indent="0" algn="just">
+              <a:buNone/>
+            </a:pPr>
+            <a:r>
+              <a:rPr lang="pt-BR" sz="2000" dirty="0">
+                <a:latin typeface="Times New Roman" panose="02020603050405020304" pitchFamily="18" charset="0"/>
+                <a:cs typeface="Times New Roman" panose="02020603050405020304" pitchFamily="18" charset="0"/>
+              </a:rPr>
+              <a:t>[1] </a:t>
+            </a:r>
+            <a:r>
+              <a:rPr lang="pt-BR" sz="2000" b="1" dirty="0">
+                <a:solidFill>
+                  <a:srgbClr val="FF0000"/>
+                </a:solidFill>
+                <a:latin typeface="Times New Roman" panose="02020603050405020304" pitchFamily="18" charset="0"/>
+                <a:cs typeface="Times New Roman" panose="02020603050405020304" pitchFamily="18" charset="0"/>
+              </a:rPr>
+              <a:t>DA SILVA, </a:t>
+            </a:r>
+            <a:r>
+              <a:rPr lang="pt-BR" sz="2000" b="1" dirty="0" err="1">
+                <a:solidFill>
+                  <a:srgbClr val="FF0000"/>
+                </a:solidFill>
+                <a:latin typeface="Times New Roman" panose="02020603050405020304" pitchFamily="18" charset="0"/>
+                <a:cs typeface="Times New Roman" panose="02020603050405020304" pitchFamily="18" charset="0"/>
+              </a:rPr>
+              <a:t>Msc</a:t>
+            </a:r>
+            <a:r>
+              <a:rPr lang="pt-BR" sz="2000" b="1" dirty="0">
+                <a:solidFill>
+                  <a:srgbClr val="FF0000"/>
+                </a:solidFill>
+                <a:latin typeface="Times New Roman" panose="02020603050405020304" pitchFamily="18" charset="0"/>
+                <a:cs typeface="Times New Roman" panose="02020603050405020304" pitchFamily="18" charset="0"/>
+              </a:rPr>
+              <a:t> Marcelo Eurípedes</a:t>
+            </a:r>
+            <a:r>
+              <a:rPr lang="pt-BR" sz="2000" dirty="0">
+                <a:latin typeface="Times New Roman" panose="02020603050405020304" pitchFamily="18" charset="0"/>
+                <a:cs typeface="Times New Roman" panose="02020603050405020304" pitchFamily="18" charset="0"/>
+              </a:rPr>
+              <a:t>. Controladores Lógico Programáveis-</a:t>
+            </a:r>
+            <a:r>
+              <a:rPr lang="pt-BR" sz="2000" dirty="0" err="1">
+                <a:latin typeface="Times New Roman" panose="02020603050405020304" pitchFamily="18" charset="0"/>
+                <a:cs typeface="Times New Roman" panose="02020603050405020304" pitchFamily="18" charset="0"/>
+              </a:rPr>
+              <a:t>Ladder</a:t>
+            </a:r>
+            <a:r>
+              <a:rPr lang="pt-BR" sz="2000" dirty="0">
+                <a:latin typeface="Times New Roman" panose="02020603050405020304" pitchFamily="18" charset="0"/>
+                <a:cs typeface="Times New Roman" panose="02020603050405020304" pitchFamily="18" charset="0"/>
+              </a:rPr>
+              <a:t>. 2007.</a:t>
+            </a:r>
+            <a:endParaRPr lang="pt-BR" sz="2000" b="1" dirty="0">
+              <a:latin typeface="Times New Roman" panose="02020603050405020304" pitchFamily="18" charset="0"/>
+              <a:cs typeface="Times New Roman" panose="02020603050405020304" pitchFamily="18" charset="0"/>
+            </a:endParaRPr>
+          </a:p>
+          <a:p>
+            <a:pPr marL="0" indent="0" algn="just">
+              <a:buNone/>
+            </a:pPr>
+            <a:endParaRPr lang="en-US" sz="2000" dirty="0">
+              <a:latin typeface="Times New Roman" panose="02020603050405020304" pitchFamily="18" charset="0"/>
+              <a:cs typeface="Times New Roman" panose="02020603050405020304" pitchFamily="18" charset="0"/>
+            </a:endParaRPr>
+          </a:p>
+          <a:p>
+            <a:pPr marL="0" indent="0" algn="just">
+              <a:buNone/>
+            </a:pPr>
+            <a:endParaRPr lang="en-US" sz="2000" dirty="0">
+              <a:latin typeface="Times New Roman" panose="02020603050405020304" pitchFamily="18" charset="0"/>
+              <a:cs typeface="Times New Roman" panose="02020603050405020304" pitchFamily="18" charset="0"/>
+            </a:endParaRPr>
+          </a:p>
+          <a:p>
+            <a:pPr marL="0" indent="0" algn="just">
+              <a:buNone/>
+            </a:pPr>
+            <a:endParaRPr lang="en-US" sz="2000" dirty="0">
+              <a:latin typeface="Times New Roman" panose="02020603050405020304" pitchFamily="18" charset="0"/>
+              <a:cs typeface="Times New Roman" panose="02020603050405020304" pitchFamily="18" charset="0"/>
+            </a:endParaRPr>
+          </a:p>
+          <a:p>
+            <a:pPr marL="0" indent="0" algn="just">
+              <a:buNone/>
+            </a:pPr>
+            <a:r>
+              <a:rPr lang="pt-BR" sz="2000" dirty="0">
+                <a:latin typeface="Times New Roman" panose="02020603050405020304" pitchFamily="18" charset="0"/>
+                <a:cs typeface="Times New Roman" panose="02020603050405020304" pitchFamily="18" charset="0"/>
+              </a:rPr>
+              <a:t>[2] </a:t>
+            </a:r>
+            <a:r>
+              <a:rPr lang="pt-BR" sz="2000" b="1" dirty="0">
+                <a:solidFill>
+                  <a:srgbClr val="FF0000"/>
+                </a:solidFill>
+                <a:latin typeface="Times New Roman" panose="02020603050405020304" pitchFamily="18" charset="0"/>
+                <a:cs typeface="Times New Roman" panose="02020603050405020304" pitchFamily="18" charset="0"/>
+              </a:rPr>
+              <a:t>SANTOS, </a:t>
+            </a:r>
+            <a:r>
+              <a:rPr lang="pt-BR" sz="2000" b="1" dirty="0" err="1">
+                <a:solidFill>
+                  <a:srgbClr val="FF0000"/>
+                </a:solidFill>
+                <a:latin typeface="Times New Roman" panose="02020603050405020304" pitchFamily="18" charset="0"/>
+                <a:cs typeface="Times New Roman" panose="02020603050405020304" pitchFamily="18" charset="0"/>
+              </a:rPr>
+              <a:t>Alane</a:t>
+            </a:r>
+            <a:r>
+              <a:rPr lang="pt-BR" sz="2000" b="1" dirty="0">
+                <a:solidFill>
+                  <a:srgbClr val="FF0000"/>
+                </a:solidFill>
+                <a:latin typeface="Times New Roman" panose="02020603050405020304" pitchFamily="18" charset="0"/>
+                <a:cs typeface="Times New Roman" panose="02020603050405020304" pitchFamily="18" charset="0"/>
+              </a:rPr>
+              <a:t> Cássia Silva Santana; SACRAMENTO, Cauã Will Quadros Silva do</a:t>
+            </a:r>
+            <a:r>
+              <a:rPr lang="pt-BR" sz="2000" dirty="0">
+                <a:latin typeface="Times New Roman" panose="02020603050405020304" pitchFamily="18" charset="0"/>
+                <a:cs typeface="Times New Roman" panose="02020603050405020304" pitchFamily="18" charset="0"/>
+              </a:rPr>
+              <a:t>. Aplicação de CLP em um sistema de tratamento de água, oriundo de coleta de água de chuva. 2024.</a:t>
+            </a:r>
+            <a:endParaRPr lang="pt-BR" sz="2000" b="1" dirty="0">
+              <a:latin typeface="Times New Roman" panose="02020603050405020304" pitchFamily="18" charset="0"/>
+              <a:cs typeface="Times New Roman" panose="02020603050405020304" pitchFamily="18" charset="0"/>
+            </a:endParaRPr>
+          </a:p>
+        </p:txBody>
+      </p:sp>
+    </p:spTree>
+    <p:extLst>
+      <p:ext uri="{BB962C8B-B14F-4D97-AF65-F5344CB8AC3E}">
+        <p14:creationId xmlns:p14="http://schemas.microsoft.com/office/powerpoint/2010/main" val="1115311843"/>
+      </p:ext>
+    </p:extLst>
+  </p:cSld>
+  <p:clrMapOvr>
+    <a:masterClrMapping/>
+  </p:clrMapOvr>
+  <p:transition spd="med"/>
+</p:sld>
+</file>
+
+<file path=ppt/slides/slide12.xml><?xml version="1.0" encoding="utf-8"?>
+<p:sld xmlns:a="http://schemas.openxmlformats.org/drawingml/2006/main" xmlns:r="http://schemas.openxmlformats.org/officeDocument/2006/relationships" xmlns:p="http://schemas.openxmlformats.org/presentationml/2006/main">
+  <p:cSld>
+    <p:spTree>
+      <p:nvGrpSpPr>
+        <p:cNvPr id="1" name=""/>
+        <p:cNvGrpSpPr/>
+        <p:nvPr/>
+      </p:nvGrpSpPr>
+      <p:grpSpPr>
+        <a:xfrm>
+          <a:off x="0" y="0"/>
+          <a:ext cx="0" cy="0"/>
+          <a:chOff x="0" y="0"/>
+          <a:chExt cx="0" cy="0"/>
+        </a:xfrm>
+      </p:grpSpPr>
+      <p:pic>
+        <p:nvPicPr>
+          <p:cNvPr id="112" name="Picture 6" descr="Picture 6"/>
+          <p:cNvPicPr>
+            <a:picLocks noChangeAspect="1"/>
+          </p:cNvPicPr>
+          <p:nvPr/>
+        </p:nvPicPr>
+        <p:blipFill>
+          <a:blip r:embed="rId2"/>
+          <a:stretch>
+            <a:fillRect/>
+          </a:stretch>
+        </p:blipFill>
+        <p:spPr>
+          <a:xfrm>
+            <a:off x="0" y="0"/>
+            <a:ext cx="9144000" cy="5143500"/>
+          </a:xfrm>
+          <a:prstGeom prst="rect">
+            <a:avLst/>
+          </a:prstGeom>
+          <a:ln w="12700">
+            <a:miter lim="400000"/>
+            <a:headEnd/>
+            <a:tailEnd/>
+          </a:ln>
+        </p:spPr>
+      </p:pic>
+      <p:pic>
+        <p:nvPicPr>
+          <p:cNvPr id="114" name="Picture 5" descr="Picture 5"/>
+          <p:cNvPicPr>
+            <a:picLocks noChangeAspect="1"/>
+          </p:cNvPicPr>
+          <p:nvPr/>
+        </p:nvPicPr>
+        <p:blipFill>
+          <a:blip r:embed="rId3"/>
+          <a:stretch>
+            <a:fillRect/>
+          </a:stretch>
+        </p:blipFill>
+        <p:spPr>
+          <a:xfrm>
+            <a:off x="469900" y="0"/>
+            <a:ext cx="4391984" cy="171450"/>
+          </a:xfrm>
+          <a:prstGeom prst="rect">
+            <a:avLst/>
+          </a:prstGeom>
+          <a:ln w="12700">
+            <a:miter lim="400000"/>
+            <a:headEnd/>
+            <a:tailEnd/>
+          </a:ln>
+        </p:spPr>
+      </p:pic>
+      <p:sp>
+        <p:nvSpPr>
+          <p:cNvPr id="3" name="Título 2"/>
+          <p:cNvSpPr>
+            <a:spLocks noGrp="1"/>
+          </p:cNvSpPr>
+          <p:nvPr>
+            <p:ph type="title"/>
+          </p:nvPr>
+        </p:nvSpPr>
+        <p:spPr>
+          <a:xfrm>
+            <a:off x="285751" y="2386770"/>
+            <a:ext cx="8615364" cy="1102519"/>
+          </a:xfrm>
+        </p:spPr>
+        <p:txBody>
+          <a:bodyPr>
+            <a:noAutofit/>
+          </a:bodyPr>
+          <a:lstStyle/>
+          <a:p>
+            <a:r>
+              <a:rPr lang="pt-BR" sz="4800" b="1" dirty="0">
+                <a:solidFill>
+                  <a:schemeClr val="bg1"/>
+                </a:solidFill>
+              </a:rPr>
+              <a:t>Controladores Lógicos e Programáveis (CLP)</a:t>
+            </a:r>
+          </a:p>
+        </p:txBody>
+      </p:sp>
+      <p:sp>
+        <p:nvSpPr>
+          <p:cNvPr id="6" name="Título 2"/>
+          <p:cNvSpPr txBox="1"/>
+          <p:nvPr/>
+        </p:nvSpPr>
+        <p:spPr>
+          <a:xfrm>
+            <a:off x="975683" y="3866663"/>
+            <a:ext cx="7772400" cy="1102519"/>
+          </a:xfrm>
+          <a:prstGeom prst="rect">
+            <a:avLst/>
+          </a:prstGeom>
+          <a:ln w="12700">
+            <a:miter lim="400000"/>
+          </a:ln>
+        </p:spPr>
+        <p:txBody>
+          <a:bodyPr lIns="45718" tIns="45718" rIns="45718" bIns="45718" anchor="ctr">
+            <a:noAutofit/>
+          </a:bodyPr>
+          <a:lstStyle>
+            <a:lvl1pPr marL="0" marR="0" indent="0" algn="ctr" defTabSz="457200" rtl="0" latinLnBrk="0">
+              <a:lnSpc>
+                <a:spcPct val="100000"/>
+              </a:lnSpc>
+              <a:spcBef>
+                <a:spcPts val="0"/>
+              </a:spcBef>
+              <a:spcAft>
+                <a:spcPts val="0"/>
+              </a:spcAft>
+              <a:buClrTx/>
+              <a:buSzTx/>
+              <a:buFontTx/>
+              <a:buNone/>
+              <a:defRPr sz="4400" b="0" i="0" u="none" strike="noStrike" cap="none" spc="0" baseline="0">
+                <a:ln>
+                  <a:noFill/>
+                </a:ln>
+                <a:solidFill>
+                  <a:srgbClr val="000000"/>
+                </a:solidFill>
+                <a:uFillTx/>
+                <a:latin typeface="+mj-lt"/>
+                <a:ea typeface="+mj-ea"/>
+                <a:cs typeface="+mj-cs"/>
+                <a:sym typeface="Calibri"/>
+              </a:defRPr>
+            </a:lvl1pPr>
+            <a:lvl2pPr marL="0" marR="0" indent="0" algn="ctr" defTabSz="457200" rtl="0" latinLnBrk="0">
+              <a:lnSpc>
+                <a:spcPct val="100000"/>
+              </a:lnSpc>
+              <a:spcBef>
+                <a:spcPts val="0"/>
+              </a:spcBef>
+              <a:spcAft>
+                <a:spcPts val="0"/>
+              </a:spcAft>
+              <a:buClrTx/>
+              <a:buSzTx/>
+              <a:buFontTx/>
+              <a:buNone/>
+              <a:defRPr sz="4400" b="0" i="0" u="none" strike="noStrike" cap="none" spc="0" baseline="0">
+                <a:ln>
+                  <a:noFill/>
+                </a:ln>
+                <a:solidFill>
+                  <a:srgbClr val="000000"/>
+                </a:solidFill>
+                <a:uFillTx/>
+                <a:latin typeface="+mj-lt"/>
+                <a:ea typeface="+mj-ea"/>
+                <a:cs typeface="+mj-cs"/>
+                <a:sym typeface="Calibri"/>
+              </a:defRPr>
+            </a:lvl2pPr>
+            <a:lvl3pPr marL="0" marR="0" indent="0" algn="ctr" defTabSz="457200" rtl="0" latinLnBrk="0">
+              <a:lnSpc>
+                <a:spcPct val="100000"/>
+              </a:lnSpc>
+              <a:spcBef>
+                <a:spcPts val="0"/>
+              </a:spcBef>
+              <a:spcAft>
+                <a:spcPts val="0"/>
+              </a:spcAft>
+              <a:buClrTx/>
+              <a:buSzTx/>
+              <a:buFontTx/>
+              <a:buNone/>
+              <a:defRPr sz="4400" b="0" i="0" u="none" strike="noStrike" cap="none" spc="0" baseline="0">
+                <a:ln>
+                  <a:noFill/>
+                </a:ln>
+                <a:solidFill>
+                  <a:srgbClr val="000000"/>
+                </a:solidFill>
+                <a:uFillTx/>
+                <a:latin typeface="+mj-lt"/>
+                <a:ea typeface="+mj-ea"/>
+                <a:cs typeface="+mj-cs"/>
+                <a:sym typeface="Calibri"/>
+              </a:defRPr>
+            </a:lvl3pPr>
+            <a:lvl4pPr marL="0" marR="0" indent="0" algn="ctr" defTabSz="457200" rtl="0" latinLnBrk="0">
+              <a:lnSpc>
+                <a:spcPct val="100000"/>
+              </a:lnSpc>
+              <a:spcBef>
+                <a:spcPts val="0"/>
+              </a:spcBef>
+              <a:spcAft>
+                <a:spcPts val="0"/>
+              </a:spcAft>
+              <a:buClrTx/>
+              <a:buSzTx/>
+              <a:buFontTx/>
+              <a:buNone/>
+              <a:defRPr sz="4400" b="0" i="0" u="none" strike="noStrike" cap="none" spc="0" baseline="0">
+                <a:ln>
+                  <a:noFill/>
+                </a:ln>
+                <a:solidFill>
+                  <a:srgbClr val="000000"/>
+                </a:solidFill>
+                <a:uFillTx/>
+                <a:latin typeface="+mj-lt"/>
+                <a:ea typeface="+mj-ea"/>
+                <a:cs typeface="+mj-cs"/>
+                <a:sym typeface="Calibri"/>
+              </a:defRPr>
+            </a:lvl4pPr>
+            <a:lvl5pPr marL="0" marR="0" indent="0" algn="ctr" defTabSz="457200" rtl="0" latinLnBrk="0">
+              <a:lnSpc>
+                <a:spcPct val="100000"/>
+              </a:lnSpc>
+              <a:spcBef>
+                <a:spcPts val="0"/>
+              </a:spcBef>
+              <a:spcAft>
+                <a:spcPts val="0"/>
+              </a:spcAft>
+              <a:buClrTx/>
+              <a:buSzTx/>
+              <a:buFontTx/>
+              <a:buNone/>
+              <a:defRPr sz="4400" b="0" i="0" u="none" strike="noStrike" cap="none" spc="0" baseline="0">
+                <a:ln>
+                  <a:noFill/>
+                </a:ln>
+                <a:solidFill>
+                  <a:srgbClr val="000000"/>
+                </a:solidFill>
+                <a:uFillTx/>
+                <a:latin typeface="+mj-lt"/>
+                <a:ea typeface="+mj-ea"/>
+                <a:cs typeface="+mj-cs"/>
+                <a:sym typeface="Calibri"/>
+              </a:defRPr>
+            </a:lvl5pPr>
+            <a:lvl6pPr marL="0" marR="0" indent="0" algn="ctr" defTabSz="457200" rtl="0" latinLnBrk="0">
+              <a:lnSpc>
+                <a:spcPct val="100000"/>
+              </a:lnSpc>
+              <a:spcBef>
+                <a:spcPts val="0"/>
+              </a:spcBef>
+              <a:spcAft>
+                <a:spcPts val="0"/>
+              </a:spcAft>
+              <a:buClrTx/>
+              <a:buSzTx/>
+              <a:buFontTx/>
+              <a:buNone/>
+              <a:defRPr sz="4400" b="0" i="0" u="none" strike="noStrike" cap="none" spc="0" baseline="0">
+                <a:ln>
+                  <a:noFill/>
+                </a:ln>
+                <a:solidFill>
+                  <a:srgbClr val="000000"/>
+                </a:solidFill>
+                <a:uFillTx/>
+                <a:latin typeface="+mj-lt"/>
+                <a:ea typeface="+mj-ea"/>
+                <a:cs typeface="+mj-cs"/>
+                <a:sym typeface="Calibri"/>
+              </a:defRPr>
+            </a:lvl6pPr>
+            <a:lvl7pPr marL="0" marR="0" indent="0" algn="ctr" defTabSz="457200" rtl="0" latinLnBrk="0">
+              <a:lnSpc>
+                <a:spcPct val="100000"/>
+              </a:lnSpc>
+              <a:spcBef>
+                <a:spcPts val="0"/>
+              </a:spcBef>
+              <a:spcAft>
+                <a:spcPts val="0"/>
+              </a:spcAft>
+              <a:buClrTx/>
+              <a:buSzTx/>
+              <a:buFontTx/>
+              <a:buNone/>
+              <a:defRPr sz="4400" b="0" i="0" u="none" strike="noStrike" cap="none" spc="0" baseline="0">
+                <a:ln>
+                  <a:noFill/>
+                </a:ln>
+                <a:solidFill>
+                  <a:srgbClr val="000000"/>
+                </a:solidFill>
+                <a:uFillTx/>
+                <a:latin typeface="+mj-lt"/>
+                <a:ea typeface="+mj-ea"/>
+                <a:cs typeface="+mj-cs"/>
+                <a:sym typeface="Calibri"/>
+              </a:defRPr>
+            </a:lvl7pPr>
+            <a:lvl8pPr marL="0" marR="0" indent="0" algn="ctr" defTabSz="457200" rtl="0" latinLnBrk="0">
+              <a:lnSpc>
+                <a:spcPct val="100000"/>
+              </a:lnSpc>
+              <a:spcBef>
+                <a:spcPts val="0"/>
+              </a:spcBef>
+              <a:spcAft>
+                <a:spcPts val="0"/>
+              </a:spcAft>
+              <a:buClrTx/>
+              <a:buSzTx/>
+              <a:buFontTx/>
+              <a:buNone/>
+              <a:defRPr sz="4400" b="0" i="0" u="none" strike="noStrike" cap="none" spc="0" baseline="0">
+                <a:ln>
+                  <a:noFill/>
+                </a:ln>
+                <a:solidFill>
+                  <a:srgbClr val="000000"/>
+                </a:solidFill>
+                <a:uFillTx/>
+                <a:latin typeface="+mj-lt"/>
+                <a:ea typeface="+mj-ea"/>
+                <a:cs typeface="+mj-cs"/>
+                <a:sym typeface="Calibri"/>
+              </a:defRPr>
+            </a:lvl8pPr>
+            <a:lvl9pPr marL="0" marR="0" indent="0" algn="ctr" defTabSz="457200" rtl="0" latinLnBrk="0">
+              <a:lnSpc>
+                <a:spcPct val="100000"/>
+              </a:lnSpc>
+              <a:spcBef>
+                <a:spcPts val="0"/>
+              </a:spcBef>
+              <a:spcAft>
+                <a:spcPts val="0"/>
+              </a:spcAft>
+              <a:buClrTx/>
+              <a:buSzTx/>
+              <a:buFontTx/>
+              <a:buNone/>
+              <a:defRPr sz="4400" b="0" i="0" u="none" strike="noStrike" cap="none" spc="0" baseline="0">
+                <a:ln>
+                  <a:noFill/>
+                </a:ln>
+                <a:solidFill>
+                  <a:srgbClr val="000000"/>
+                </a:solidFill>
+                <a:uFillTx/>
+                <a:latin typeface="+mj-lt"/>
+                <a:ea typeface="+mj-ea"/>
+                <a:cs typeface="+mj-cs"/>
+                <a:sym typeface="Calibri"/>
+              </a:defRPr>
+            </a:lvl9pPr>
+          </a:lstStyle>
+          <a:p>
+            <a:pPr algn="r" hangingPunct="1"/>
+            <a:r>
+              <a:rPr lang="pt-BR" sz="2000" b="1" dirty="0">
+                <a:solidFill>
+                  <a:schemeClr val="bg1"/>
+                </a:solidFill>
+              </a:rPr>
+              <a:t>Professor </a:t>
+            </a:r>
+            <a:r>
+              <a:rPr lang="pt-BR" sz="2000" b="1">
+                <a:solidFill>
+                  <a:schemeClr val="bg1"/>
+                </a:solidFill>
+              </a:rPr>
+              <a:t>M.Sc</a:t>
+            </a:r>
+            <a:r>
+              <a:rPr lang="pt-BR" sz="2000" b="1" dirty="0">
+                <a:solidFill>
+                  <a:schemeClr val="bg1"/>
+                </a:solidFill>
+              </a:rPr>
+              <a:t>. Heleno Cardoso</a:t>
+            </a:r>
+          </a:p>
+        </p:txBody>
+      </p:sp>
+      <p:pic>
+        <p:nvPicPr>
+          <p:cNvPr id="2" name="Google Shape;62;p1" descr="Imagem">
+            <a:extLst>
+              <a:ext uri="{FF2B5EF4-FFF2-40B4-BE49-F238E27FC236}">
+                <a16:creationId xmlns:a16="http://schemas.microsoft.com/office/drawing/2014/main" id="{9C895622-2963-024D-634E-EA58F5381D06}"/>
+              </a:ext>
+            </a:extLst>
+          </p:cNvPr>
+          <p:cNvPicPr preferRelativeResize="0"/>
+          <p:nvPr/>
+        </p:nvPicPr>
+        <p:blipFill rotWithShape="1">
+          <a:blip r:embed="rId4">
+            <a:alphaModFix/>
+          </a:blip>
+          <a:srcRect/>
+          <a:stretch/>
+        </p:blipFill>
+        <p:spPr>
+          <a:xfrm>
+            <a:off x="469898" y="343798"/>
+            <a:ext cx="2858518" cy="1338697"/>
+          </a:xfrm>
+          <a:prstGeom prst="rect">
+            <a:avLst/>
+          </a:prstGeom>
+          <a:noFill/>
+          <a:ln>
+            <a:noFill/>
+          </a:ln>
+        </p:spPr>
+      </p:pic>
+    </p:spTree>
+  </p:cSld>
+  <p:clrMapOvr>
+    <a:masterClrMapping/>
+  </p:clrMapOvr>
+  <p:transition spd="med"/>
+</p:sld>
+</file>
+
 <file path=ppt/slides/slide2.xml><?xml version="1.0" encoding="utf-8"?>
 <p:sld xmlns:a="http://schemas.openxmlformats.org/drawingml/2006/main" xmlns:r="http://schemas.openxmlformats.org/officeDocument/2006/relationships" xmlns:p="http://schemas.openxmlformats.org/presentationml/2006/main">
   <p:cSld>
@@ -4408,7 +5635,7 @@
                   <a:srgbClr val="0070C0"/>
                 </a:solidFill>
               </a:rPr>
-              <a:t>Arquitetura</a:t>
+              <a:t>Aplicação</a:t>
             </a:r>
             <a:endParaRPr lang="en-US" b="1" dirty="0">
               <a:solidFill>
@@ -4450,12 +5677,144 @@
               <a:buNone/>
             </a:pPr>
             <a:r>
+              <a:rPr lang="pt-BR" sz="2200" b="1" dirty="0">
+                <a:solidFill>
+                  <a:srgbClr val="FF0000"/>
+                </a:solidFill>
+                <a:latin typeface="Times New Roman" panose="02020603050405020304" pitchFamily="18" charset="0"/>
+                <a:cs typeface="Times New Roman" panose="02020603050405020304" pitchFamily="18" charset="0"/>
+              </a:rPr>
+              <a:t>Os </a:t>
+            </a:r>
+            <a:r>
+              <a:rPr lang="pt-BR" sz="2200" b="1" dirty="0" err="1">
+                <a:solidFill>
+                  <a:srgbClr val="FF0000"/>
+                </a:solidFill>
+                <a:latin typeface="Times New Roman" panose="02020603050405020304" pitchFamily="18" charset="0"/>
+                <a:cs typeface="Times New Roman" panose="02020603050405020304" pitchFamily="18" charset="0"/>
+              </a:rPr>
+              <a:t>CLPs</a:t>
+            </a:r>
+            <a:r>
+              <a:rPr lang="pt-BR" sz="2200" b="1" dirty="0">
+                <a:solidFill>
+                  <a:srgbClr val="FF0000"/>
+                </a:solidFill>
+                <a:latin typeface="Times New Roman" panose="02020603050405020304" pitchFamily="18" charset="0"/>
+                <a:cs typeface="Times New Roman" panose="02020603050405020304" pitchFamily="18" charset="0"/>
+              </a:rPr>
+              <a:t> são utilizados em uma vasta gama de setores industriais</a:t>
+            </a:r>
+            <a:r>
               <a:rPr lang="pt-BR" sz="2200" dirty="0">
                 <a:latin typeface="Times New Roman" panose="02020603050405020304" pitchFamily="18" charset="0"/>
                 <a:cs typeface="Times New Roman" panose="02020603050405020304" pitchFamily="18" charset="0"/>
               </a:rPr>
-              <a:t>....</a:t>
-            </a:r>
+              <a:t>, como:</a:t>
+            </a:r>
+          </a:p>
+          <a:p>
+            <a:pPr marL="0" indent="0" algn="just">
+              <a:buNone/>
+            </a:pPr>
+            <a:endParaRPr lang="pt-BR" sz="2200" dirty="0">
+              <a:latin typeface="Times New Roman" panose="02020603050405020304" pitchFamily="18" charset="0"/>
+              <a:cs typeface="Times New Roman" panose="02020603050405020304" pitchFamily="18" charset="0"/>
+            </a:endParaRPr>
+          </a:p>
+          <a:p>
+            <a:pPr algn="just">
+              <a:buFont typeface="Wingdings" panose="05000000000000000000" pitchFamily="2" charset="2"/>
+              <a:buChar char="§"/>
+            </a:pPr>
+            <a:r>
+              <a:rPr lang="pt-BR" sz="2000" b="1" dirty="0">
+                <a:solidFill>
+                  <a:srgbClr val="FF0000"/>
+                </a:solidFill>
+                <a:latin typeface="Times New Roman" panose="02020603050405020304" pitchFamily="18" charset="0"/>
+                <a:cs typeface="Times New Roman" panose="02020603050405020304" pitchFamily="18" charset="0"/>
+              </a:rPr>
+              <a:t>Indústria Automotiva</a:t>
+            </a:r>
+            <a:r>
+              <a:rPr lang="pt-BR" sz="2000" dirty="0">
+                <a:latin typeface="Times New Roman" panose="02020603050405020304" pitchFamily="18" charset="0"/>
+                <a:cs typeface="Times New Roman" panose="02020603050405020304" pitchFamily="18" charset="0"/>
+              </a:rPr>
+              <a:t>: Para controlar linhas de montagem, robôs industriais, sistemas de transporte, etc.</a:t>
+            </a:r>
+          </a:p>
+          <a:p>
+            <a:pPr algn="just">
+              <a:buFont typeface="Wingdings" panose="05000000000000000000" pitchFamily="2" charset="2"/>
+              <a:buChar char="§"/>
+            </a:pPr>
+            <a:endParaRPr lang="pt-BR" sz="2000" dirty="0">
+              <a:latin typeface="Times New Roman" panose="02020603050405020304" pitchFamily="18" charset="0"/>
+              <a:cs typeface="Times New Roman" panose="02020603050405020304" pitchFamily="18" charset="0"/>
+            </a:endParaRPr>
+          </a:p>
+          <a:p>
+            <a:pPr algn="just">
+              <a:buFont typeface="Wingdings" panose="05000000000000000000" pitchFamily="2" charset="2"/>
+              <a:buChar char="§"/>
+            </a:pPr>
+            <a:r>
+              <a:rPr lang="pt-BR" sz="2000" b="1" dirty="0">
+                <a:solidFill>
+                  <a:srgbClr val="FF0000"/>
+                </a:solidFill>
+                <a:latin typeface="Times New Roman" panose="02020603050405020304" pitchFamily="18" charset="0"/>
+                <a:cs typeface="Times New Roman" panose="02020603050405020304" pitchFamily="18" charset="0"/>
+              </a:rPr>
+              <a:t>Sistemas de HVAC</a:t>
+            </a:r>
+            <a:r>
+              <a:rPr lang="pt-BR" sz="2000" dirty="0">
+                <a:latin typeface="Times New Roman" panose="02020603050405020304" pitchFamily="18" charset="0"/>
+                <a:cs typeface="Times New Roman" panose="02020603050405020304" pitchFamily="18" charset="0"/>
+              </a:rPr>
+              <a:t>: Para controle de temperatura, ventilação e ar condicionado.</a:t>
+            </a:r>
+          </a:p>
+          <a:p>
+            <a:pPr algn="just">
+              <a:buFont typeface="Wingdings" panose="05000000000000000000" pitchFamily="2" charset="2"/>
+              <a:buChar char="§"/>
+            </a:pPr>
+            <a:endParaRPr lang="pt-BR" sz="2000" dirty="0">
+              <a:latin typeface="Times New Roman" panose="02020603050405020304" pitchFamily="18" charset="0"/>
+              <a:cs typeface="Times New Roman" panose="02020603050405020304" pitchFamily="18" charset="0"/>
+            </a:endParaRPr>
+          </a:p>
+          <a:p>
+            <a:pPr algn="just">
+              <a:buFont typeface="Wingdings" panose="05000000000000000000" pitchFamily="2" charset="2"/>
+              <a:buChar char="§"/>
+            </a:pPr>
+            <a:r>
+              <a:rPr lang="pt-BR" sz="2000" b="1" dirty="0">
+                <a:solidFill>
+                  <a:srgbClr val="FF0000"/>
+                </a:solidFill>
+                <a:latin typeface="Times New Roman" panose="02020603050405020304" pitchFamily="18" charset="0"/>
+                <a:cs typeface="Times New Roman" panose="02020603050405020304" pitchFamily="18" charset="0"/>
+              </a:rPr>
+              <a:t>Indústria Alimentícia e Bebidas</a:t>
+            </a:r>
+            <a:r>
+              <a:rPr lang="pt-BR" sz="2000" dirty="0">
+                <a:latin typeface="Times New Roman" panose="02020603050405020304" pitchFamily="18" charset="0"/>
+                <a:cs typeface="Times New Roman" panose="02020603050405020304" pitchFamily="18" charset="0"/>
+              </a:rPr>
+              <a:t>: Para automação de processos de produção, controle de qualidade, embalagem e distribuição.</a:t>
+            </a:r>
+            <a:endParaRPr lang="pt-BR" sz="2200" dirty="0">
+              <a:latin typeface="Times New Roman" panose="02020603050405020304" pitchFamily="18" charset="0"/>
+              <a:cs typeface="Times New Roman" panose="02020603050405020304" pitchFamily="18" charset="0"/>
+            </a:endParaRPr>
           </a:p>
         </p:txBody>
       </p:sp>
@@ -4474,6 +5833,858 @@
 </file>
 
 <file path=ppt/slides/slide4.xml><?xml version="1.0" encoding="utf-8"?>
+<p:sld xmlns:a="http://schemas.openxmlformats.org/drawingml/2006/main" xmlns:r="http://schemas.openxmlformats.org/officeDocument/2006/relationships" xmlns:p="http://schemas.openxmlformats.org/presentationml/2006/main">
+  <p:cSld>
+    <p:spTree>
+      <p:nvGrpSpPr>
+        <p:cNvPr id="1" name="">
+          <a:extLst>
+            <a:ext uri="{FF2B5EF4-FFF2-40B4-BE49-F238E27FC236}">
+              <a16:creationId xmlns:a16="http://schemas.microsoft.com/office/drawing/2014/main" id="{2ED814F5-0D6B-FAA5-DDE0-DDFBC7748D77}"/>
+            </a:ext>
+          </a:extLst>
+        </p:cNvPr>
+        <p:cNvGrpSpPr/>
+        <p:nvPr/>
+      </p:nvGrpSpPr>
+      <p:grpSpPr>
+        <a:xfrm>
+          <a:off x="0" y="0"/>
+          <a:ext cx="0" cy="0"/>
+          <a:chOff x="0" y="0"/>
+          <a:chExt cx="0" cy="0"/>
+        </a:xfrm>
+      </p:grpSpPr>
+      <p:sp>
+        <p:nvSpPr>
+          <p:cNvPr id="6" name="Title 1">
+            <a:extLst>
+              <a:ext uri="{FF2B5EF4-FFF2-40B4-BE49-F238E27FC236}">
+                <a16:creationId xmlns:a16="http://schemas.microsoft.com/office/drawing/2014/main" id="{E9164410-9428-52DD-C54C-A6723691C102}"/>
+              </a:ext>
+            </a:extLst>
+          </p:cNvPr>
+          <p:cNvSpPr>
+            <a:spLocks noGrp="1"/>
+          </p:cNvSpPr>
+          <p:nvPr>
+            <p:ph type="title"/>
+          </p:nvPr>
+        </p:nvSpPr>
+        <p:spPr>
+          <a:xfrm>
+            <a:off x="457200" y="205980"/>
+            <a:ext cx="8229600" cy="857251"/>
+          </a:xfrm>
+        </p:spPr>
+        <p:txBody>
+          <a:bodyPr>
+            <a:normAutofit/>
+          </a:bodyPr>
+          <a:lstStyle/>
+          <a:p>
+            <a:r>
+              <a:rPr lang="en-US" b="1" dirty="0">
+                <a:solidFill>
+                  <a:srgbClr val="0070C0"/>
+                </a:solidFill>
+              </a:rPr>
+              <a:t>CLP – </a:t>
+            </a:r>
+            <a:r>
+              <a:rPr lang="en-US" b="1" dirty="0" err="1">
+                <a:solidFill>
+                  <a:srgbClr val="0070C0"/>
+                </a:solidFill>
+              </a:rPr>
+              <a:t>Aplicação</a:t>
+            </a:r>
+            <a:endParaRPr lang="en-US" b="1" dirty="0">
+              <a:solidFill>
+                <a:srgbClr val="0070C0"/>
+              </a:solidFill>
+            </a:endParaRPr>
+          </a:p>
+        </p:txBody>
+      </p:sp>
+      <p:sp>
+        <p:nvSpPr>
+          <p:cNvPr id="8" name="Text Placeholder 2">
+            <a:extLst>
+              <a:ext uri="{FF2B5EF4-FFF2-40B4-BE49-F238E27FC236}">
+                <a16:creationId xmlns:a16="http://schemas.microsoft.com/office/drawing/2014/main" id="{0817B41C-8B81-78C0-09D4-AAE58B2006EC}"/>
+              </a:ext>
+            </a:extLst>
+          </p:cNvPr>
+          <p:cNvSpPr>
+            <a:spLocks noGrp="1"/>
+          </p:cNvSpPr>
+          <p:nvPr>
+            <p:ph type="body" sz="half" idx="1"/>
+          </p:nvPr>
+        </p:nvSpPr>
+        <p:spPr>
+          <a:xfrm>
+            <a:off x="142865" y="1035050"/>
+            <a:ext cx="8865056" cy="3994150"/>
+          </a:xfrm>
+        </p:spPr>
+        <p:txBody>
+          <a:bodyPr>
+            <a:noAutofit/>
+          </a:bodyPr>
+          <a:lstStyle/>
+          <a:p>
+            <a:pPr marL="0" indent="0" algn="just">
+              <a:buNone/>
+            </a:pPr>
+            <a:endParaRPr lang="pt-BR" sz="2000" dirty="0">
+              <a:latin typeface="Times New Roman" panose="02020603050405020304" pitchFamily="18" charset="0"/>
+              <a:cs typeface="Times New Roman" panose="02020603050405020304" pitchFamily="18" charset="0"/>
+            </a:endParaRPr>
+          </a:p>
+          <a:p>
+            <a:pPr algn="just">
+              <a:buFont typeface="Wingdings" panose="05000000000000000000" pitchFamily="2" charset="2"/>
+              <a:buChar char="§"/>
+            </a:pPr>
+            <a:r>
+              <a:rPr lang="pt-BR" sz="2000" b="1" dirty="0">
+                <a:solidFill>
+                  <a:srgbClr val="FF0000"/>
+                </a:solidFill>
+                <a:latin typeface="Times New Roman" panose="02020603050405020304" pitchFamily="18" charset="0"/>
+                <a:cs typeface="Times New Roman" panose="02020603050405020304" pitchFamily="18" charset="0"/>
+              </a:rPr>
+              <a:t>Sistemas de Energia e </a:t>
+            </a:r>
+            <a:r>
+              <a:rPr lang="pt-BR" sz="2000" b="1" dirty="0" err="1">
+                <a:solidFill>
+                  <a:srgbClr val="FF0000"/>
+                </a:solidFill>
+                <a:latin typeface="Times New Roman" panose="02020603050405020304" pitchFamily="18" charset="0"/>
+                <a:cs typeface="Times New Roman" panose="02020603050405020304" pitchFamily="18" charset="0"/>
+              </a:rPr>
+              <a:t>Utilities</a:t>
+            </a:r>
+            <a:r>
+              <a:rPr lang="pt-BR" sz="2000" dirty="0">
+                <a:latin typeface="Times New Roman" panose="02020603050405020304" pitchFamily="18" charset="0"/>
+                <a:cs typeface="Times New Roman" panose="02020603050405020304" pitchFamily="18" charset="0"/>
+              </a:rPr>
+              <a:t>: Para controle de distribuição elétrica, tratamento de água, e controle de sistemas de geração de energia.</a:t>
+            </a:r>
+          </a:p>
+          <a:p>
+            <a:pPr algn="just">
+              <a:buFont typeface="Wingdings" panose="05000000000000000000" pitchFamily="2" charset="2"/>
+              <a:buChar char="§"/>
+            </a:pPr>
+            <a:endParaRPr lang="pt-BR" sz="2000" dirty="0">
+              <a:latin typeface="Times New Roman" panose="02020603050405020304" pitchFamily="18" charset="0"/>
+              <a:cs typeface="Times New Roman" panose="02020603050405020304" pitchFamily="18" charset="0"/>
+            </a:endParaRPr>
+          </a:p>
+          <a:p>
+            <a:pPr algn="just">
+              <a:buFont typeface="Wingdings" panose="05000000000000000000" pitchFamily="2" charset="2"/>
+              <a:buChar char="§"/>
+            </a:pPr>
+            <a:r>
+              <a:rPr lang="pt-BR" sz="2000" b="1" dirty="0">
+                <a:solidFill>
+                  <a:srgbClr val="FF0000"/>
+                </a:solidFill>
+                <a:latin typeface="Times New Roman" panose="02020603050405020304" pitchFamily="18" charset="0"/>
+                <a:cs typeface="Times New Roman" panose="02020603050405020304" pitchFamily="18" charset="0"/>
+              </a:rPr>
+              <a:t>Indústria Química e Petroquímica</a:t>
+            </a:r>
+            <a:r>
+              <a:rPr lang="pt-BR" sz="2000" dirty="0">
+                <a:latin typeface="Times New Roman" panose="02020603050405020304" pitchFamily="18" charset="0"/>
+                <a:cs typeface="Times New Roman" panose="02020603050405020304" pitchFamily="18" charset="0"/>
+              </a:rPr>
+              <a:t>: Para controle de reatores, fluxos de material, sistemas de segurança, entre outros.</a:t>
+            </a:r>
+          </a:p>
+          <a:p>
+            <a:pPr marL="0" indent="0" algn="just">
+              <a:buNone/>
+            </a:pPr>
+            <a:endParaRPr lang="pt-BR" sz="2200" dirty="0">
+              <a:latin typeface="Times New Roman" panose="02020603050405020304" pitchFamily="18" charset="0"/>
+              <a:cs typeface="Times New Roman" panose="02020603050405020304" pitchFamily="18" charset="0"/>
+            </a:endParaRPr>
+          </a:p>
+        </p:txBody>
+      </p:sp>
+    </p:spTree>
+    <p:extLst>
+      <p:ext uri="{BB962C8B-B14F-4D97-AF65-F5344CB8AC3E}">
+        <p14:creationId xmlns:p14="http://schemas.microsoft.com/office/powerpoint/2010/main" val="1122619078"/>
+      </p:ext>
+    </p:extLst>
+  </p:cSld>
+  <p:clrMapOvr>
+    <a:masterClrMapping/>
+  </p:clrMapOvr>
+  <p:transition spd="med"/>
+</p:sld>
+</file>
+
+<file path=ppt/slides/slide5.xml><?xml version="1.0" encoding="utf-8"?>
+<p:sld xmlns:a="http://schemas.openxmlformats.org/drawingml/2006/main" xmlns:r="http://schemas.openxmlformats.org/officeDocument/2006/relationships" xmlns:p="http://schemas.openxmlformats.org/presentationml/2006/main">
+  <p:cSld>
+    <p:spTree>
+      <p:nvGrpSpPr>
+        <p:cNvPr id="1" name="">
+          <a:extLst>
+            <a:ext uri="{FF2B5EF4-FFF2-40B4-BE49-F238E27FC236}">
+              <a16:creationId xmlns:a16="http://schemas.microsoft.com/office/drawing/2014/main" id="{C9FD7DB5-70A4-4D15-6E13-AF57385531D9}"/>
+            </a:ext>
+          </a:extLst>
+        </p:cNvPr>
+        <p:cNvGrpSpPr/>
+        <p:nvPr/>
+      </p:nvGrpSpPr>
+      <p:grpSpPr>
+        <a:xfrm>
+          <a:off x="0" y="0"/>
+          <a:ext cx="0" cy="0"/>
+          <a:chOff x="0" y="0"/>
+          <a:chExt cx="0" cy="0"/>
+        </a:xfrm>
+      </p:grpSpPr>
+      <p:sp>
+        <p:nvSpPr>
+          <p:cNvPr id="6" name="Title 1">
+            <a:extLst>
+              <a:ext uri="{FF2B5EF4-FFF2-40B4-BE49-F238E27FC236}">
+                <a16:creationId xmlns:a16="http://schemas.microsoft.com/office/drawing/2014/main" id="{8084D398-84B1-96F9-E5FD-256292FB475F}"/>
+              </a:ext>
+            </a:extLst>
+          </p:cNvPr>
+          <p:cNvSpPr>
+            <a:spLocks noGrp="1"/>
+          </p:cNvSpPr>
+          <p:nvPr>
+            <p:ph type="title"/>
+          </p:nvPr>
+        </p:nvSpPr>
+        <p:spPr>
+          <a:xfrm>
+            <a:off x="457200" y="205980"/>
+            <a:ext cx="8229600" cy="857251"/>
+          </a:xfrm>
+        </p:spPr>
+        <p:txBody>
+          <a:bodyPr>
+            <a:normAutofit/>
+          </a:bodyPr>
+          <a:lstStyle/>
+          <a:p>
+            <a:r>
+              <a:rPr lang="en-US" b="1" dirty="0">
+                <a:solidFill>
+                  <a:srgbClr val="0070C0"/>
+                </a:solidFill>
+              </a:rPr>
+              <a:t>CLP – </a:t>
+            </a:r>
+            <a:r>
+              <a:rPr lang="en-US" b="1" dirty="0" err="1">
+                <a:solidFill>
+                  <a:srgbClr val="0070C0"/>
+                </a:solidFill>
+              </a:rPr>
+              <a:t>Prática</a:t>
+            </a:r>
+            <a:r>
+              <a:rPr lang="en-US" b="1" dirty="0">
+                <a:solidFill>
+                  <a:srgbClr val="0070C0"/>
+                </a:solidFill>
+              </a:rPr>
+              <a:t> (Passos)</a:t>
+            </a:r>
+          </a:p>
+        </p:txBody>
+      </p:sp>
+      <p:sp>
+        <p:nvSpPr>
+          <p:cNvPr id="8" name="Text Placeholder 2">
+            <a:extLst>
+              <a:ext uri="{FF2B5EF4-FFF2-40B4-BE49-F238E27FC236}">
+                <a16:creationId xmlns:a16="http://schemas.microsoft.com/office/drawing/2014/main" id="{67DB5E2F-5150-2AA7-9F13-D87974CDABC0}"/>
+              </a:ext>
+            </a:extLst>
+          </p:cNvPr>
+          <p:cNvSpPr>
+            <a:spLocks noGrp="1"/>
+          </p:cNvSpPr>
+          <p:nvPr>
+            <p:ph type="body" sz="half" idx="1"/>
+          </p:nvPr>
+        </p:nvSpPr>
+        <p:spPr>
+          <a:xfrm>
+            <a:off x="142865" y="1035050"/>
+            <a:ext cx="8865056" cy="3994150"/>
+          </a:xfrm>
+        </p:spPr>
+        <p:txBody>
+          <a:bodyPr>
+            <a:noAutofit/>
+          </a:bodyPr>
+          <a:lstStyle/>
+          <a:p>
+            <a:pPr marL="457200" indent="-457200" algn="just">
+              <a:buFont typeface="+mj-lt"/>
+              <a:buAutoNum type="arabicPeriod"/>
+            </a:pPr>
+            <a:r>
+              <a:rPr lang="pt-BR" sz="2000" b="1" dirty="0">
+                <a:solidFill>
+                  <a:srgbClr val="FF0000"/>
+                </a:solidFill>
+                <a:latin typeface="Times New Roman" panose="02020603050405020304" pitchFamily="18" charset="0"/>
+                <a:cs typeface="Times New Roman" panose="02020603050405020304" pitchFamily="18" charset="0"/>
+              </a:rPr>
+              <a:t>Leitura dos requisitos do sistema</a:t>
+            </a:r>
+            <a:r>
+              <a:rPr lang="pt-BR" sz="2000" dirty="0">
+                <a:latin typeface="Times New Roman" panose="02020603050405020304" pitchFamily="18" charset="0"/>
+                <a:cs typeface="Times New Roman" panose="02020603050405020304" pitchFamily="18" charset="0"/>
+              </a:rPr>
+              <a:t>: Antes de programar o CLP, é necessário entender o sistema que será controlado.</a:t>
+            </a:r>
+          </a:p>
+          <a:p>
+            <a:pPr marL="457200" indent="-457200" algn="just">
+              <a:buFont typeface="+mj-lt"/>
+              <a:buAutoNum type="arabicPeriod"/>
+            </a:pPr>
+            <a:endParaRPr lang="pt-BR" sz="2000" dirty="0">
+              <a:latin typeface="Times New Roman" panose="02020603050405020304" pitchFamily="18" charset="0"/>
+              <a:cs typeface="Times New Roman" panose="02020603050405020304" pitchFamily="18" charset="0"/>
+            </a:endParaRPr>
+          </a:p>
+          <a:p>
+            <a:pPr marL="457200" indent="-457200" algn="just">
+              <a:buFont typeface="+mj-lt"/>
+              <a:buAutoNum type="arabicPeriod"/>
+            </a:pPr>
+            <a:r>
+              <a:rPr lang="pt-BR" sz="2000" b="1" dirty="0">
+                <a:solidFill>
+                  <a:srgbClr val="FF0000"/>
+                </a:solidFill>
+                <a:latin typeface="Times New Roman" panose="02020603050405020304" pitchFamily="18" charset="0"/>
+                <a:cs typeface="Times New Roman" panose="02020603050405020304" pitchFamily="18" charset="0"/>
+              </a:rPr>
+              <a:t>Desenvolvimento do diagrama de controle</a:t>
+            </a:r>
+            <a:r>
+              <a:rPr lang="pt-BR" sz="2000" dirty="0">
+                <a:latin typeface="Times New Roman" panose="02020603050405020304" pitchFamily="18" charset="0"/>
+                <a:cs typeface="Times New Roman" panose="02020603050405020304" pitchFamily="18" charset="0"/>
+              </a:rPr>
+              <a:t>: A lógica do sistema é desenhada de forma visual (geralmente com diagramas ou fluxogramas).</a:t>
+            </a:r>
+          </a:p>
+          <a:p>
+            <a:pPr marL="457200" indent="-457200" algn="just">
+              <a:buFont typeface="+mj-lt"/>
+              <a:buAutoNum type="arabicPeriod"/>
+            </a:pPr>
+            <a:endParaRPr lang="pt-BR" sz="2000" dirty="0">
+              <a:latin typeface="Times New Roman" panose="02020603050405020304" pitchFamily="18" charset="0"/>
+              <a:cs typeface="Times New Roman" panose="02020603050405020304" pitchFamily="18" charset="0"/>
+            </a:endParaRPr>
+          </a:p>
+          <a:p>
+            <a:pPr marL="457200" indent="-457200" algn="just">
+              <a:buFont typeface="+mj-lt"/>
+              <a:buAutoNum type="arabicPeriod"/>
+            </a:pPr>
+            <a:r>
+              <a:rPr lang="pt-BR" sz="2000" b="1" dirty="0">
+                <a:solidFill>
+                  <a:srgbClr val="FF0000"/>
+                </a:solidFill>
+                <a:latin typeface="Times New Roman" panose="02020603050405020304" pitchFamily="18" charset="0"/>
+                <a:cs typeface="Times New Roman" panose="02020603050405020304" pitchFamily="18" charset="0"/>
+              </a:rPr>
+              <a:t>Programação</a:t>
+            </a:r>
+            <a:r>
+              <a:rPr lang="pt-BR" sz="2000" dirty="0">
+                <a:latin typeface="Times New Roman" panose="02020603050405020304" pitchFamily="18" charset="0"/>
+                <a:cs typeface="Times New Roman" panose="02020603050405020304" pitchFamily="18" charset="0"/>
+              </a:rPr>
+              <a:t>: Utilizando a linguagem adequada (geralmente </a:t>
+            </a:r>
+            <a:r>
+              <a:rPr lang="pt-BR" sz="2000" dirty="0" err="1">
+                <a:latin typeface="Times New Roman" panose="02020603050405020304" pitchFamily="18" charset="0"/>
+                <a:cs typeface="Times New Roman" panose="02020603050405020304" pitchFamily="18" charset="0"/>
+              </a:rPr>
+              <a:t>Ladder</a:t>
+            </a:r>
+            <a:r>
+              <a:rPr lang="pt-BR" sz="2000" dirty="0">
+                <a:latin typeface="Times New Roman" panose="02020603050405020304" pitchFamily="18" charset="0"/>
+                <a:cs typeface="Times New Roman" panose="02020603050405020304" pitchFamily="18" charset="0"/>
+              </a:rPr>
+              <a:t>), os controles e ações são programados.</a:t>
+            </a:r>
+            <a:endParaRPr lang="pt-BR" sz="2200" dirty="0">
+              <a:latin typeface="Times New Roman" panose="02020603050405020304" pitchFamily="18" charset="0"/>
+              <a:cs typeface="Times New Roman" panose="02020603050405020304" pitchFamily="18" charset="0"/>
+            </a:endParaRPr>
+          </a:p>
+        </p:txBody>
+      </p:sp>
+    </p:spTree>
+    <p:extLst>
+      <p:ext uri="{BB962C8B-B14F-4D97-AF65-F5344CB8AC3E}">
+        <p14:creationId xmlns:p14="http://schemas.microsoft.com/office/powerpoint/2010/main" val="2535191418"/>
+      </p:ext>
+    </p:extLst>
+  </p:cSld>
+  <p:clrMapOvr>
+    <a:masterClrMapping/>
+  </p:clrMapOvr>
+  <p:transition spd="med"/>
+</p:sld>
+</file>
+
+<file path=ppt/slides/slide6.xml><?xml version="1.0" encoding="utf-8"?>
+<p:sld xmlns:a="http://schemas.openxmlformats.org/drawingml/2006/main" xmlns:r="http://schemas.openxmlformats.org/officeDocument/2006/relationships" xmlns:p="http://schemas.openxmlformats.org/presentationml/2006/main">
+  <p:cSld>
+    <p:spTree>
+      <p:nvGrpSpPr>
+        <p:cNvPr id="1" name="">
+          <a:extLst>
+            <a:ext uri="{FF2B5EF4-FFF2-40B4-BE49-F238E27FC236}">
+              <a16:creationId xmlns:a16="http://schemas.microsoft.com/office/drawing/2014/main" id="{655E12D2-2581-745E-B8B0-5F357F173E27}"/>
+            </a:ext>
+          </a:extLst>
+        </p:cNvPr>
+        <p:cNvGrpSpPr/>
+        <p:nvPr/>
+      </p:nvGrpSpPr>
+      <p:grpSpPr>
+        <a:xfrm>
+          <a:off x="0" y="0"/>
+          <a:ext cx="0" cy="0"/>
+          <a:chOff x="0" y="0"/>
+          <a:chExt cx="0" cy="0"/>
+        </a:xfrm>
+      </p:grpSpPr>
+      <p:sp>
+        <p:nvSpPr>
+          <p:cNvPr id="6" name="Title 1">
+            <a:extLst>
+              <a:ext uri="{FF2B5EF4-FFF2-40B4-BE49-F238E27FC236}">
+                <a16:creationId xmlns:a16="http://schemas.microsoft.com/office/drawing/2014/main" id="{C5BF3AB4-1B1F-FD1B-CF85-53564D434FFC}"/>
+              </a:ext>
+            </a:extLst>
+          </p:cNvPr>
+          <p:cNvSpPr>
+            <a:spLocks noGrp="1"/>
+          </p:cNvSpPr>
+          <p:nvPr>
+            <p:ph type="title"/>
+          </p:nvPr>
+        </p:nvSpPr>
+        <p:spPr>
+          <a:xfrm>
+            <a:off x="457200" y="205980"/>
+            <a:ext cx="8229600" cy="857251"/>
+          </a:xfrm>
+        </p:spPr>
+        <p:txBody>
+          <a:bodyPr>
+            <a:normAutofit/>
+          </a:bodyPr>
+          <a:lstStyle/>
+          <a:p>
+            <a:r>
+              <a:rPr lang="en-US" b="1" dirty="0">
+                <a:solidFill>
+                  <a:srgbClr val="0070C0"/>
+                </a:solidFill>
+              </a:rPr>
+              <a:t>CLP – </a:t>
+            </a:r>
+            <a:r>
+              <a:rPr lang="en-US" b="1" dirty="0" err="1">
+                <a:solidFill>
+                  <a:srgbClr val="0070C0"/>
+                </a:solidFill>
+              </a:rPr>
+              <a:t>Prática</a:t>
+            </a:r>
+            <a:r>
+              <a:rPr lang="en-US" b="1" dirty="0">
+                <a:solidFill>
+                  <a:srgbClr val="0070C0"/>
+                </a:solidFill>
+              </a:rPr>
+              <a:t> (Passos)</a:t>
+            </a:r>
+          </a:p>
+        </p:txBody>
+      </p:sp>
+      <p:sp>
+        <p:nvSpPr>
+          <p:cNvPr id="8" name="Text Placeholder 2">
+            <a:extLst>
+              <a:ext uri="{FF2B5EF4-FFF2-40B4-BE49-F238E27FC236}">
+                <a16:creationId xmlns:a16="http://schemas.microsoft.com/office/drawing/2014/main" id="{2D3359BB-245A-A091-044A-6996428305B0}"/>
+              </a:ext>
+            </a:extLst>
+          </p:cNvPr>
+          <p:cNvSpPr>
+            <a:spLocks noGrp="1"/>
+          </p:cNvSpPr>
+          <p:nvPr>
+            <p:ph type="body" sz="half" idx="1"/>
+          </p:nvPr>
+        </p:nvSpPr>
+        <p:spPr>
+          <a:xfrm>
+            <a:off x="142865" y="1035050"/>
+            <a:ext cx="8865056" cy="3994150"/>
+          </a:xfrm>
+        </p:spPr>
+        <p:txBody>
+          <a:bodyPr>
+            <a:noAutofit/>
+          </a:bodyPr>
+          <a:lstStyle/>
+          <a:p>
+            <a:pPr marL="457200" indent="-457200" algn="just">
+              <a:buFont typeface="+mj-lt"/>
+              <a:buAutoNum type="arabicPeriod" startAt="4"/>
+            </a:pPr>
+            <a:r>
+              <a:rPr lang="pt-BR" sz="2000" b="1" dirty="0">
+                <a:solidFill>
+                  <a:srgbClr val="FF0000"/>
+                </a:solidFill>
+                <a:latin typeface="Times New Roman" panose="02020603050405020304" pitchFamily="18" charset="0"/>
+                <a:cs typeface="Times New Roman" panose="02020603050405020304" pitchFamily="18" charset="0"/>
+              </a:rPr>
+              <a:t>Testes e validação</a:t>
+            </a:r>
+            <a:r>
+              <a:rPr lang="pt-BR" sz="2000" dirty="0">
+                <a:latin typeface="Times New Roman" panose="02020603050405020304" pitchFamily="18" charset="0"/>
+                <a:cs typeface="Times New Roman" panose="02020603050405020304" pitchFamily="18" charset="0"/>
+              </a:rPr>
+              <a:t>: O código é testado e validado em um ambiente simulado antes de ser implementado no sistema real.</a:t>
+            </a:r>
+          </a:p>
+          <a:p>
+            <a:pPr marL="457200" indent="-457200" algn="just">
+              <a:buFont typeface="+mj-lt"/>
+              <a:buAutoNum type="arabicPeriod" startAt="4"/>
+            </a:pPr>
+            <a:endParaRPr lang="pt-BR" sz="2000" dirty="0">
+              <a:latin typeface="Times New Roman" panose="02020603050405020304" pitchFamily="18" charset="0"/>
+              <a:cs typeface="Times New Roman" panose="02020603050405020304" pitchFamily="18" charset="0"/>
+            </a:endParaRPr>
+          </a:p>
+          <a:p>
+            <a:pPr marL="457200" indent="-457200" algn="just">
+              <a:buFont typeface="+mj-lt"/>
+              <a:buAutoNum type="arabicPeriod" startAt="4"/>
+            </a:pPr>
+            <a:r>
+              <a:rPr lang="pt-BR" sz="2000" b="1" dirty="0">
+                <a:solidFill>
+                  <a:srgbClr val="FF0000"/>
+                </a:solidFill>
+                <a:latin typeface="Times New Roman" panose="02020603050405020304" pitchFamily="18" charset="0"/>
+                <a:cs typeface="Times New Roman" panose="02020603050405020304" pitchFamily="18" charset="0"/>
+              </a:rPr>
+              <a:t>Implementação e manutenção</a:t>
+            </a:r>
+            <a:r>
+              <a:rPr lang="pt-BR" sz="2000" dirty="0">
+                <a:latin typeface="Times New Roman" panose="02020603050405020304" pitchFamily="18" charset="0"/>
+                <a:cs typeface="Times New Roman" panose="02020603050405020304" pitchFamily="18" charset="0"/>
+              </a:rPr>
+              <a:t>: O CLP é implementado no sistema e passa a ser monitorado e mantido para garantir que o controle seja eficiente e seguro.</a:t>
+            </a:r>
+            <a:endParaRPr lang="pt-BR" sz="2200" dirty="0">
+              <a:latin typeface="Times New Roman" panose="02020603050405020304" pitchFamily="18" charset="0"/>
+              <a:cs typeface="Times New Roman" panose="02020603050405020304" pitchFamily="18" charset="0"/>
+            </a:endParaRPr>
+          </a:p>
+        </p:txBody>
+      </p:sp>
+    </p:spTree>
+    <p:extLst>
+      <p:ext uri="{BB962C8B-B14F-4D97-AF65-F5344CB8AC3E}">
+        <p14:creationId xmlns:p14="http://schemas.microsoft.com/office/powerpoint/2010/main" val="3267371534"/>
+      </p:ext>
+    </p:extLst>
+  </p:cSld>
+  <p:clrMapOvr>
+    <a:masterClrMapping/>
+  </p:clrMapOvr>
+  <p:transition spd="med"/>
+</p:sld>
+</file>
+
+<file path=ppt/slides/slide7.xml><?xml version="1.0" encoding="utf-8"?>
+<p:sld xmlns:a="http://schemas.openxmlformats.org/drawingml/2006/main" xmlns:r="http://schemas.openxmlformats.org/officeDocument/2006/relationships" xmlns:p="http://schemas.openxmlformats.org/presentationml/2006/main">
+  <p:cSld>
+    <p:spTree>
+      <p:nvGrpSpPr>
+        <p:cNvPr id="1" name="">
+          <a:extLst>
+            <a:ext uri="{FF2B5EF4-FFF2-40B4-BE49-F238E27FC236}">
+              <a16:creationId xmlns:a16="http://schemas.microsoft.com/office/drawing/2014/main" id="{2446A4E8-DA20-1034-8691-DE8A0FB7C34C}"/>
+            </a:ext>
+          </a:extLst>
+        </p:cNvPr>
+        <p:cNvGrpSpPr/>
+        <p:nvPr/>
+      </p:nvGrpSpPr>
+      <p:grpSpPr>
+        <a:xfrm>
+          <a:off x="0" y="0"/>
+          <a:ext cx="0" cy="0"/>
+          <a:chOff x="0" y="0"/>
+          <a:chExt cx="0" cy="0"/>
+        </a:xfrm>
+      </p:grpSpPr>
+      <p:sp>
+        <p:nvSpPr>
+          <p:cNvPr id="6" name="Title 1">
+            <a:extLst>
+              <a:ext uri="{FF2B5EF4-FFF2-40B4-BE49-F238E27FC236}">
+                <a16:creationId xmlns:a16="http://schemas.microsoft.com/office/drawing/2014/main" id="{67A44077-8AAF-74D4-AD17-7D9B7A9BC1FC}"/>
+              </a:ext>
+            </a:extLst>
+          </p:cNvPr>
+          <p:cNvSpPr>
+            <a:spLocks noGrp="1"/>
+          </p:cNvSpPr>
+          <p:nvPr>
+            <p:ph type="title"/>
+          </p:nvPr>
+        </p:nvSpPr>
+        <p:spPr>
+          <a:xfrm>
+            <a:off x="457200" y="205980"/>
+            <a:ext cx="8229600" cy="857251"/>
+          </a:xfrm>
+        </p:spPr>
+        <p:txBody>
+          <a:bodyPr>
+            <a:normAutofit/>
+          </a:bodyPr>
+          <a:lstStyle/>
+          <a:p>
+            <a:r>
+              <a:rPr lang="en-US" b="1" dirty="0">
+                <a:solidFill>
+                  <a:srgbClr val="0070C0"/>
+                </a:solidFill>
+              </a:rPr>
+              <a:t>CLP – </a:t>
+            </a:r>
+            <a:r>
+              <a:rPr lang="en-US" b="1" dirty="0" err="1">
+                <a:solidFill>
+                  <a:srgbClr val="0070C0"/>
+                </a:solidFill>
+              </a:rPr>
+              <a:t>Exemplos</a:t>
+            </a:r>
+            <a:r>
+              <a:rPr lang="en-US" b="1" dirty="0">
+                <a:solidFill>
+                  <a:srgbClr val="0070C0"/>
+                </a:solidFill>
+              </a:rPr>
+              <a:t> </a:t>
+            </a:r>
+            <a:r>
+              <a:rPr lang="en-US" b="1" dirty="0" err="1">
+                <a:solidFill>
+                  <a:srgbClr val="0070C0"/>
+                </a:solidFill>
+              </a:rPr>
+              <a:t>Práticos</a:t>
+            </a:r>
+            <a:endParaRPr lang="en-US" b="1" dirty="0">
+              <a:solidFill>
+                <a:srgbClr val="0070C0"/>
+              </a:solidFill>
+            </a:endParaRPr>
+          </a:p>
+        </p:txBody>
+      </p:sp>
+      <p:sp>
+        <p:nvSpPr>
+          <p:cNvPr id="8" name="Text Placeholder 2">
+            <a:extLst>
+              <a:ext uri="{FF2B5EF4-FFF2-40B4-BE49-F238E27FC236}">
+                <a16:creationId xmlns:a16="http://schemas.microsoft.com/office/drawing/2014/main" id="{877FD756-A166-3DBE-281C-C7EC3538E792}"/>
+              </a:ext>
+            </a:extLst>
+          </p:cNvPr>
+          <p:cNvSpPr>
+            <a:spLocks noGrp="1"/>
+          </p:cNvSpPr>
+          <p:nvPr>
+            <p:ph type="body" sz="half" idx="1"/>
+          </p:nvPr>
+        </p:nvSpPr>
+        <p:spPr>
+          <a:xfrm>
+            <a:off x="142865" y="1035050"/>
+            <a:ext cx="8865056" cy="3994150"/>
+          </a:xfrm>
+        </p:spPr>
+        <p:txBody>
+          <a:bodyPr>
+            <a:noAutofit/>
+          </a:bodyPr>
+          <a:lstStyle/>
+          <a:p>
+            <a:pPr algn="just">
+              <a:buFont typeface="Wingdings" panose="05000000000000000000" pitchFamily="2" charset="2"/>
+              <a:buChar char="§"/>
+            </a:pPr>
+            <a:r>
+              <a:rPr lang="pt-BR" sz="2000" b="1" dirty="0">
+                <a:solidFill>
+                  <a:srgbClr val="FF0000"/>
+                </a:solidFill>
+                <a:latin typeface="Times New Roman" panose="02020603050405020304" pitchFamily="18" charset="0"/>
+                <a:cs typeface="Times New Roman" panose="02020603050405020304" pitchFamily="18" charset="0"/>
+              </a:rPr>
+              <a:t>Controle de Motores</a:t>
+            </a:r>
+            <a:r>
+              <a:rPr lang="pt-BR" sz="2000" dirty="0">
+                <a:latin typeface="Times New Roman" panose="02020603050405020304" pitchFamily="18" charset="0"/>
+                <a:cs typeface="Times New Roman" panose="02020603050405020304" pitchFamily="18" charset="0"/>
+              </a:rPr>
+              <a:t>: Programar o CLP para controlar o acionamento e desligamento de motores em uma linha de produção.</a:t>
+            </a:r>
+          </a:p>
+          <a:p>
+            <a:pPr algn="just">
+              <a:buFont typeface="Wingdings" panose="05000000000000000000" pitchFamily="2" charset="2"/>
+              <a:buChar char="§"/>
+            </a:pPr>
+            <a:endParaRPr lang="pt-BR" sz="2000" dirty="0">
+              <a:latin typeface="Times New Roman" panose="02020603050405020304" pitchFamily="18" charset="0"/>
+              <a:cs typeface="Times New Roman" panose="02020603050405020304" pitchFamily="18" charset="0"/>
+            </a:endParaRPr>
+          </a:p>
+          <a:p>
+            <a:pPr algn="just">
+              <a:buFont typeface="Wingdings" panose="05000000000000000000" pitchFamily="2" charset="2"/>
+              <a:buChar char="§"/>
+            </a:pPr>
+            <a:r>
+              <a:rPr lang="pt-BR" sz="2000" b="1" dirty="0">
+                <a:solidFill>
+                  <a:srgbClr val="FF0000"/>
+                </a:solidFill>
+                <a:latin typeface="Times New Roman" panose="02020603050405020304" pitchFamily="18" charset="0"/>
+                <a:cs typeface="Times New Roman" panose="02020603050405020304" pitchFamily="18" charset="0"/>
+              </a:rPr>
+              <a:t>Controle de Sensores de Temperatura</a:t>
+            </a:r>
+            <a:r>
+              <a:rPr lang="pt-BR" sz="2000" dirty="0">
+                <a:latin typeface="Times New Roman" panose="02020603050405020304" pitchFamily="18" charset="0"/>
+                <a:cs typeface="Times New Roman" panose="02020603050405020304" pitchFamily="18" charset="0"/>
+              </a:rPr>
+              <a:t>: Em um sistema de aquecimento industrial, o CLP pode ser programado para controlar a temperatura com base nas leituras dos sensores.</a:t>
+            </a:r>
+          </a:p>
+          <a:p>
+            <a:pPr algn="just">
+              <a:buFont typeface="Wingdings" panose="05000000000000000000" pitchFamily="2" charset="2"/>
+              <a:buChar char="§"/>
+            </a:pPr>
+            <a:endParaRPr lang="pt-BR" sz="2000" dirty="0">
+              <a:latin typeface="Times New Roman" panose="02020603050405020304" pitchFamily="18" charset="0"/>
+              <a:cs typeface="Times New Roman" panose="02020603050405020304" pitchFamily="18" charset="0"/>
+            </a:endParaRPr>
+          </a:p>
+          <a:p>
+            <a:pPr algn="just">
+              <a:buFont typeface="Wingdings" panose="05000000000000000000" pitchFamily="2" charset="2"/>
+              <a:buChar char="§"/>
+            </a:pPr>
+            <a:r>
+              <a:rPr lang="pt-BR" sz="2000" b="1" dirty="0">
+                <a:solidFill>
+                  <a:srgbClr val="FF0000"/>
+                </a:solidFill>
+                <a:latin typeface="Times New Roman" panose="02020603050405020304" pitchFamily="18" charset="0"/>
+                <a:cs typeface="Times New Roman" panose="02020603050405020304" pitchFamily="18" charset="0"/>
+              </a:rPr>
+              <a:t>Automação de Máquinas</a:t>
+            </a:r>
+            <a:r>
+              <a:rPr lang="pt-BR" sz="2000" dirty="0">
+                <a:latin typeface="Times New Roman" panose="02020603050405020304" pitchFamily="18" charset="0"/>
+                <a:cs typeface="Times New Roman" panose="02020603050405020304" pitchFamily="18" charset="0"/>
+              </a:rPr>
+              <a:t>: Máquinas de embalagem podem ser programadas para realizar tarefas como fechamento de embalagens, troca de materiais, </a:t>
+            </a:r>
+            <a:r>
+              <a:rPr lang="pt-BR" sz="2000" dirty="0" err="1">
+                <a:latin typeface="Times New Roman" panose="02020603050405020304" pitchFamily="18" charset="0"/>
+                <a:cs typeface="Times New Roman" panose="02020603050405020304" pitchFamily="18" charset="0"/>
+              </a:rPr>
+              <a:t>etc.e</a:t>
+            </a:r>
+            <a:r>
+              <a:rPr lang="pt-BR" sz="2000" dirty="0">
+                <a:latin typeface="Times New Roman" panose="02020603050405020304" pitchFamily="18" charset="0"/>
+                <a:cs typeface="Times New Roman" panose="02020603050405020304" pitchFamily="18" charset="0"/>
+              </a:rPr>
+              <a:t> mantido para garantir que o controle seja eficiente e seguro.</a:t>
+            </a:r>
+            <a:endParaRPr lang="pt-BR" sz="2200" dirty="0">
+              <a:latin typeface="Times New Roman" panose="02020603050405020304" pitchFamily="18" charset="0"/>
+              <a:cs typeface="Times New Roman" panose="02020603050405020304" pitchFamily="18" charset="0"/>
+            </a:endParaRPr>
+          </a:p>
+        </p:txBody>
+      </p:sp>
+    </p:spTree>
+    <p:extLst>
+      <p:ext uri="{BB962C8B-B14F-4D97-AF65-F5344CB8AC3E}">
+        <p14:creationId xmlns:p14="http://schemas.microsoft.com/office/powerpoint/2010/main" val="2974735820"/>
+      </p:ext>
+    </p:extLst>
+  </p:cSld>
+  <p:clrMapOvr>
+    <a:masterClrMapping/>
+  </p:clrMapOvr>
+  <p:transition spd="med"/>
+</p:sld>
+</file>
+
+<file path=ppt/slides/slide8.xml><?xml version="1.0" encoding="utf-8"?>
 <p:sld xmlns:a="http://schemas.openxmlformats.org/drawingml/2006/main" xmlns:r="http://schemas.openxmlformats.org/officeDocument/2006/relationships" xmlns:p="http://schemas.openxmlformats.org/presentationml/2006/main">
   <p:cSld>
     <p:spTree>
@@ -4581,7 +6792,7 @@
                 <a:latin typeface="Times New Roman" panose="02020603050405020304" pitchFamily="18" charset="0"/>
                 <a:cs typeface="Times New Roman" panose="02020603050405020304" pitchFamily="18" charset="0"/>
               </a:rPr>
-              <a:t>CLP Arquitetura 1</a:t>
+              <a:t>CLP - Aplicação/Prática 1</a:t>
             </a:r>
             <a:r>
               <a:rPr lang="pt-BR" sz="2200" dirty="0">
@@ -4614,15 +6825,18 @@
                 <a:cs typeface="Times New Roman" panose="02020603050405020304" pitchFamily="18" charset="0"/>
                 <a:hlinkClick r:id="rId3"/>
               </a:rPr>
-              <a:t>h</a:t>
-            </a:r>
-            <a:endParaRPr lang="pt-BR" sz="2200" dirty="0">
-              <a:solidFill>
-                <a:srgbClr val="FF0000"/>
-              </a:solidFill>
-              <a:latin typeface="Times New Roman" panose="02020603050405020304" pitchFamily="18" charset="0"/>
-              <a:cs typeface="Times New Roman" panose="02020603050405020304" pitchFamily="18" charset="0"/>
-            </a:endParaRPr>
+              <a:t>https://groupmaxi.com.br/parker/produtos-omrom-plc.pdf</a:t>
+            </a:r>
+            <a:r>
+              <a:rPr lang="pt-BR" sz="2200" dirty="0">
+                <a:solidFill>
+                  <a:srgbClr val="FF0000"/>
+                </a:solidFill>
+                <a:latin typeface="Times New Roman" panose="02020603050405020304" pitchFamily="18" charset="0"/>
+                <a:cs typeface="Times New Roman" panose="02020603050405020304" pitchFamily="18" charset="0"/>
+              </a:rPr>
+              <a:t> </a:t>
+            </a:r>
           </a:p>
           <a:p>
             <a:pPr marL="0" indent="0" algn="just">
@@ -4640,6 +6854,15 @@
             <a:pPr marL="0" indent="0" algn="just">
               <a:buNone/>
             </a:pPr>
+            <a:endParaRPr lang="pt-BR" sz="2200">
+              <a:latin typeface="Times New Roman" panose="02020603050405020304" pitchFamily="18" charset="0"/>
+              <a:cs typeface="Times New Roman" panose="02020603050405020304" pitchFamily="18" charset="0"/>
+            </a:endParaRPr>
+          </a:p>
+          <a:p>
+            <a:pPr marL="0" indent="0" algn="just">
+              <a:buNone/>
+            </a:pPr>
             <a:endParaRPr lang="pt-BR" sz="2200" dirty="0">
               <a:latin typeface="Times New Roman" panose="02020603050405020304" pitchFamily="18" charset="0"/>
               <a:cs typeface="Times New Roman" panose="02020603050405020304" pitchFamily="18" charset="0"/>
@@ -4661,7 +6884,7 @@
                 <a:latin typeface="Times New Roman" panose="02020603050405020304" pitchFamily="18" charset="0"/>
                 <a:cs typeface="Times New Roman" panose="02020603050405020304" pitchFamily="18" charset="0"/>
               </a:rPr>
-              <a:t>CLP Arquitetura 2</a:t>
+              <a:t>CLP - Aplicação/Prática 2</a:t>
             </a:r>
             <a:r>
               <a:rPr lang="pt-BR" sz="2200" dirty="0">
@@ -4694,7 +6917,17 @@
                 <a:cs typeface="Times New Roman" panose="02020603050405020304" pitchFamily="18" charset="0"/>
                 <a:hlinkClick r:id="rId4"/>
               </a:rPr>
-              <a:t>h</a:t>
+              <a:t>http://repositorio.ifba.edu.br/jspui/handle/123456789/603</a:t>
+            </a:r>
+            <a:r>
+              <a:rPr lang="pt-BR" sz="2200" dirty="0">
+                <a:solidFill>
+                  <a:srgbClr val="FF0000"/>
+                </a:solidFill>
+                <a:latin typeface="Times New Roman" panose="02020603050405020304" pitchFamily="18" charset="0"/>
+                <a:cs typeface="Times New Roman" panose="02020603050405020304" pitchFamily="18" charset="0"/>
+              </a:rPr>
+              <a:t>  </a:t>
             </a:r>
             <a:endParaRPr lang="pt-BR" sz="2200" dirty="0">
               <a:latin typeface="Calibri" panose="020F0502020204030204" pitchFamily="34" charset="0"/>
@@ -4716,7 +6949,7 @@
 </p:sld>
 </file>
 
-<file path=ppt/slides/slide5.xml><?xml version="1.0" encoding="utf-8"?>
+<file path=ppt/slides/slide9.xml><?xml version="1.0" encoding="utf-8"?>
 <p:sld xmlns:a="http://schemas.openxmlformats.org/drawingml/2006/main" xmlns:r="http://schemas.openxmlformats.org/officeDocument/2006/relationships" xmlns:p="http://schemas.openxmlformats.org/presentationml/2006/main">
   <p:cSld>
     <p:spTree>
@@ -4786,8 +7019,8 @@
         </p:nvSpPr>
         <p:spPr>
           <a:xfrm>
-            <a:off x="142865" y="1200150"/>
-            <a:ext cx="8865056" cy="3737370"/>
+            <a:off x="142865" y="1052233"/>
+            <a:ext cx="8865056" cy="3990414"/>
           </a:xfrm>
         </p:spPr>
         <p:txBody>
@@ -4800,18 +7033,18 @@
               <a:buNone/>
             </a:pPr>
             <a:r>
-              <a:rPr lang="pt-BR" sz="2200" dirty="0">
+              <a:rPr lang="pt-BR" sz="2000" dirty="0">
                 <a:latin typeface="Times New Roman" panose="02020603050405020304" pitchFamily="18" charset="0"/>
                 <a:cs typeface="Times New Roman" panose="02020603050405020304" pitchFamily="18" charset="0"/>
               </a:rPr>
               <a:t>[1] </a:t>
             </a:r>
             <a:r>
-              <a:rPr lang="pt-BR" sz="2200" b="1" dirty="0">
+              <a:rPr lang="pt-BR" sz="2000" b="1" dirty="0">
                 <a:latin typeface="Times New Roman" panose="02020603050405020304" pitchFamily="18" charset="0"/>
                 <a:cs typeface="Times New Roman" panose="02020603050405020304" pitchFamily="18" charset="0"/>
               </a:rPr>
-              <a:t>CLP Arquitetura 1.</a:t>
+              <a:t>CLP - Aplicação/Prática 1.</a:t>
             </a:r>
           </a:p>
           <a:p>
@@ -4819,7 +7052,7 @@
               <a:buNone/>
             </a:pPr>
             <a:r>
-              <a:rPr lang="pt-BR" sz="2200" b="1" dirty="0">
+              <a:rPr lang="pt-BR" sz="2000" b="1" dirty="0">
                 <a:solidFill>
                   <a:srgbClr val="FF0000"/>
                 </a:solidFill>
@@ -4829,14 +7062,27 @@
               <a:t>Disponível em: </a:t>
             </a:r>
             <a:r>
-              <a:rPr lang="pt-BR" sz="2200" dirty="0">
+              <a:rPr lang="pt-BR" sz="2000" dirty="0">
+                <a:solidFill>
+                  <a:srgbClr val="FF0000"/>
+                </a:solidFill>
                 <a:latin typeface="Times New Roman" panose="02020603050405020304" pitchFamily="18" charset="0"/>
                 <a:cs typeface="Times New Roman" panose="02020603050405020304" pitchFamily="18" charset="0"/>
                 <a:hlinkClick r:id="rId3"/>
               </a:rPr>
-              <a:t>https:</a:t>
-            </a:r>
-            <a:endParaRPr lang="pt-BR" sz="2200" dirty="0">
+              <a:t>https://youtu.be/HbMCIrJxFiw</a:t>
+            </a:r>
+            <a:r>
+              <a:rPr lang="pt-BR" sz="2000" dirty="0">
+                <a:solidFill>
+                  <a:srgbClr val="FF0000"/>
+                </a:solidFill>
+                <a:latin typeface="Times New Roman" panose="02020603050405020304" pitchFamily="18" charset="0"/>
+                <a:cs typeface="Times New Roman" panose="02020603050405020304" pitchFamily="18" charset="0"/>
+              </a:rPr>
+              <a:t> </a:t>
+            </a:r>
+            <a:endParaRPr lang="pt-BR" sz="2000" dirty="0">
               <a:latin typeface="Times New Roman" panose="02020603050405020304" pitchFamily="18" charset="0"/>
               <a:cs typeface="Times New Roman" panose="02020603050405020304" pitchFamily="18" charset="0"/>
             </a:endParaRPr>
@@ -4845,37 +7091,91 @@
             <a:pPr marL="0" indent="0" algn="just">
               <a:buNone/>
             </a:pPr>
-            <a:endParaRPr lang="pt-BR" sz="2200" dirty="0">
-              <a:latin typeface="Times New Roman" panose="02020603050405020304" pitchFamily="18" charset="0"/>
-              <a:cs typeface="Times New Roman" panose="02020603050405020304" pitchFamily="18" charset="0"/>
-            </a:endParaRPr>
+            <a:r>
+              <a:rPr lang="pt-BR" sz="2000" dirty="0">
+                <a:latin typeface="Times New Roman" panose="02020603050405020304" pitchFamily="18" charset="0"/>
+                <a:cs typeface="Times New Roman" panose="02020603050405020304" pitchFamily="18" charset="0"/>
+              </a:rPr>
+              <a:t>[2] </a:t>
+            </a:r>
+            <a:r>
+              <a:rPr lang="pt-BR" sz="2000" b="1" dirty="0">
+                <a:latin typeface="Times New Roman" panose="02020603050405020304" pitchFamily="18" charset="0"/>
+                <a:cs typeface="Times New Roman" panose="02020603050405020304" pitchFamily="18" charset="0"/>
+              </a:rPr>
+              <a:t>CLP - Aplicação/Prática 2.</a:t>
+            </a:r>
           </a:p>
           <a:p>
             <a:pPr marL="0" indent="0" algn="just">
               <a:buNone/>
             </a:pPr>
-            <a:endParaRPr lang="pt-BR" sz="2200" dirty="0">
-              <a:latin typeface="Times New Roman" panose="02020603050405020304" pitchFamily="18" charset="0"/>
-              <a:cs typeface="Times New Roman" panose="02020603050405020304" pitchFamily="18" charset="0"/>
-            </a:endParaRPr>
+            <a:r>
+              <a:rPr lang="pt-BR" sz="2000" b="1" dirty="0">
+                <a:solidFill>
+                  <a:srgbClr val="FF0000"/>
+                </a:solidFill>
+                <a:latin typeface="Times New Roman" panose="02020603050405020304" pitchFamily="18" charset="0"/>
+                <a:cs typeface="Times New Roman" panose="02020603050405020304" pitchFamily="18" charset="0"/>
+              </a:rPr>
+              <a:t>Disponível em: </a:t>
+            </a:r>
+            <a:r>
+              <a:rPr lang="pt-BR" sz="2000" dirty="0">
+                <a:solidFill>
+                  <a:srgbClr val="FF0000"/>
+                </a:solidFill>
+                <a:latin typeface="Times New Roman" panose="02020603050405020304" pitchFamily="18" charset="0"/>
+                <a:cs typeface="Times New Roman" panose="02020603050405020304" pitchFamily="18" charset="0"/>
+                <a:hlinkClick r:id="rId4"/>
+              </a:rPr>
+              <a:t>https://youtu.be/3vtTGEXRJkk</a:t>
+            </a:r>
+            <a:r>
+              <a:rPr lang="pt-BR" sz="2000" dirty="0">
+                <a:solidFill>
+                  <a:srgbClr val="FF0000"/>
+                </a:solidFill>
+                <a:latin typeface="Times New Roman" panose="02020603050405020304" pitchFamily="18" charset="0"/>
+                <a:cs typeface="Times New Roman" panose="02020603050405020304" pitchFamily="18" charset="0"/>
+              </a:rPr>
+              <a:t> </a:t>
+            </a:r>
           </a:p>
           <a:p>
             <a:pPr marL="0" indent="0" algn="just">
               <a:buNone/>
             </a:pPr>
             <a:r>
-              <a:rPr lang="pt-BR" sz="2200" dirty="0">
+              <a:rPr lang="pt-BR" sz="2000" dirty="0">
                 <a:latin typeface="Times New Roman" panose="02020603050405020304" pitchFamily="18" charset="0"/>
                 <a:cs typeface="Times New Roman" panose="02020603050405020304" pitchFamily="18" charset="0"/>
               </a:rPr>
-              <a:t>[2] </a:t>
-            </a:r>
-            <a:r>
-              <a:rPr lang="pt-BR" sz="2200" b="1" dirty="0">
+              <a:t>[3] </a:t>
+            </a:r>
+            <a:r>
+              <a:rPr lang="pt-BR" sz="2000" b="1" dirty="0">
                 <a:latin typeface="Times New Roman" panose="02020603050405020304" pitchFamily="18" charset="0"/>
                 <a:cs typeface="Times New Roman" panose="02020603050405020304" pitchFamily="18" charset="0"/>
               </a:rPr>
-              <a:t>CLP Arquitetura 2.</a:t>
+              <a:t>CLP - Aplicação/Prática 3 (</a:t>
+            </a:r>
+            <a:r>
+              <a:rPr lang="pt-BR" sz="2000" b="1" dirty="0">
+                <a:solidFill>
+                  <a:srgbClr val="FF0000"/>
+                </a:solidFill>
+                <a:latin typeface="Times New Roman" panose="02020603050405020304" pitchFamily="18" charset="0"/>
+                <a:cs typeface="Times New Roman" panose="02020603050405020304" pitchFamily="18" charset="0"/>
+              </a:rPr>
+              <a:t>Inglês</a:t>
+            </a:r>
+            <a:r>
+              <a:rPr lang="pt-BR" sz="2000" b="1" dirty="0">
+                <a:latin typeface="Times New Roman" panose="02020603050405020304" pitchFamily="18" charset="0"/>
+                <a:cs typeface="Times New Roman" panose="02020603050405020304" pitchFamily="18" charset="0"/>
+              </a:rPr>
+              <a:t>).</a:t>
             </a:r>
           </a:p>
           <a:p>
@@ -4883,7 +7183,7 @@
               <a:buNone/>
             </a:pPr>
             <a:r>
-              <a:rPr lang="pt-BR" sz="2200" b="1" dirty="0">
+              <a:rPr lang="pt-BR" sz="2000" b="1" dirty="0">
                 <a:solidFill>
                   <a:srgbClr val="FF0000"/>
                 </a:solidFill>
@@ -4893,17 +7193,171 @@
               <a:t>Disponível em: </a:t>
             </a:r>
             <a:r>
-              <a:rPr lang="pt-BR" sz="2200" dirty="0">
+              <a:rPr lang="pt-BR" sz="2000" dirty="0">
                 <a:solidFill>
                   <a:srgbClr val="FF0000"/>
                 </a:solidFill>
                 <a:latin typeface="Times New Roman" panose="02020603050405020304" pitchFamily="18" charset="0"/>
                 <a:cs typeface="Times New Roman" panose="02020603050405020304" pitchFamily="18" charset="0"/>
-                <a:hlinkClick r:id="rId4"/>
-              </a:rPr>
-              <a:t>https:</a:t>
-            </a:r>
-            <a:endParaRPr lang="pt-BR" sz="2200" dirty="0">
+                <a:hlinkClick r:id="rId5"/>
+              </a:rPr>
+              <a:t>https://youtu.be/1WQ70KJu6EY</a:t>
+            </a:r>
+            <a:r>
+              <a:rPr lang="pt-BR" sz="2000" dirty="0">
+                <a:solidFill>
+                  <a:srgbClr val="FF0000"/>
+                </a:solidFill>
+                <a:latin typeface="Times New Roman" panose="02020603050405020304" pitchFamily="18" charset="0"/>
+                <a:cs typeface="Times New Roman" panose="02020603050405020304" pitchFamily="18" charset="0"/>
+              </a:rPr>
+              <a:t> </a:t>
+            </a:r>
+          </a:p>
+          <a:p>
+            <a:pPr marL="0" indent="0" algn="just">
+              <a:buNone/>
+            </a:pPr>
+            <a:r>
+              <a:rPr lang="pt-BR" sz="2000" dirty="0">
+                <a:latin typeface="Times New Roman" panose="02020603050405020304" pitchFamily="18" charset="0"/>
+                <a:cs typeface="Times New Roman" panose="02020603050405020304" pitchFamily="18" charset="0"/>
+              </a:rPr>
+              <a:t>[4] </a:t>
+            </a:r>
+            <a:r>
+              <a:rPr lang="pt-BR" sz="2000" b="1" dirty="0">
+                <a:latin typeface="Times New Roman" panose="02020603050405020304" pitchFamily="18" charset="0"/>
+                <a:cs typeface="Times New Roman" panose="02020603050405020304" pitchFamily="18" charset="0"/>
+              </a:rPr>
+              <a:t>CLP - Aplicação/Prática 4 (</a:t>
+            </a:r>
+            <a:r>
+              <a:rPr lang="pt-BR" sz="2000" b="1" dirty="0">
+                <a:solidFill>
+                  <a:srgbClr val="FF0000"/>
+                </a:solidFill>
+                <a:latin typeface="Times New Roman" panose="02020603050405020304" pitchFamily="18" charset="0"/>
+                <a:cs typeface="Times New Roman" panose="02020603050405020304" pitchFamily="18" charset="0"/>
+              </a:rPr>
+              <a:t>Inglês</a:t>
+            </a:r>
+            <a:r>
+              <a:rPr lang="pt-BR" sz="2000" b="1" dirty="0">
+                <a:latin typeface="Times New Roman" panose="02020603050405020304" pitchFamily="18" charset="0"/>
+                <a:cs typeface="Times New Roman" panose="02020603050405020304" pitchFamily="18" charset="0"/>
+              </a:rPr>
+              <a:t>).</a:t>
+            </a:r>
+          </a:p>
+          <a:p>
+            <a:pPr marL="0" indent="0" algn="just">
+              <a:buNone/>
+            </a:pPr>
+            <a:r>
+              <a:rPr lang="pt-BR" sz="2000" b="1" dirty="0">
+                <a:solidFill>
+                  <a:srgbClr val="FF0000"/>
+                </a:solidFill>
+                <a:latin typeface="Times New Roman" panose="02020603050405020304" pitchFamily="18" charset="0"/>
+                <a:cs typeface="Times New Roman" panose="02020603050405020304" pitchFamily="18" charset="0"/>
+              </a:rPr>
+              <a:t>Disponível em: </a:t>
+            </a:r>
+            <a:r>
+              <a:rPr lang="pt-BR" sz="2000" dirty="0">
+                <a:solidFill>
+                  <a:srgbClr val="FF0000"/>
+                </a:solidFill>
+                <a:latin typeface="Times New Roman" panose="02020603050405020304" pitchFamily="18" charset="0"/>
+                <a:cs typeface="Times New Roman" panose="02020603050405020304" pitchFamily="18" charset="0"/>
+                <a:hlinkClick r:id="rId6"/>
+              </a:rPr>
+              <a:t>https://youtu.be/CM6DntkoYyQ</a:t>
+            </a:r>
+            <a:r>
+              <a:rPr lang="pt-BR" sz="2000" dirty="0">
+                <a:solidFill>
+                  <a:srgbClr val="FF0000"/>
+                </a:solidFill>
+                <a:latin typeface="Times New Roman" panose="02020603050405020304" pitchFamily="18" charset="0"/>
+                <a:cs typeface="Times New Roman" panose="02020603050405020304" pitchFamily="18" charset="0"/>
+              </a:rPr>
+              <a:t> </a:t>
+            </a:r>
+          </a:p>
+          <a:p>
+            <a:pPr marL="0" indent="0" algn="just">
+              <a:buNone/>
+            </a:pPr>
+            <a:r>
+              <a:rPr lang="pt-BR" sz="2000" dirty="0">
+                <a:latin typeface="Times New Roman" panose="02020603050405020304" pitchFamily="18" charset="0"/>
+                <a:cs typeface="Times New Roman" panose="02020603050405020304" pitchFamily="18" charset="0"/>
+              </a:rPr>
+              <a:t>[5] </a:t>
+            </a:r>
+            <a:r>
+              <a:rPr lang="pt-BR" sz="2000" b="1" dirty="0">
+                <a:latin typeface="Times New Roman" panose="02020603050405020304" pitchFamily="18" charset="0"/>
+                <a:cs typeface="Times New Roman" panose="02020603050405020304" pitchFamily="18" charset="0"/>
+              </a:rPr>
+              <a:t>CLP - Aplicação/Prática 5 (</a:t>
+            </a:r>
+            <a:r>
+              <a:rPr lang="pt-BR" sz="2000" b="1" dirty="0">
+                <a:solidFill>
+                  <a:srgbClr val="FF0000"/>
+                </a:solidFill>
+                <a:latin typeface="Times New Roman" panose="02020603050405020304" pitchFamily="18" charset="0"/>
+                <a:cs typeface="Times New Roman" panose="02020603050405020304" pitchFamily="18" charset="0"/>
+              </a:rPr>
+              <a:t>Inglês</a:t>
+            </a:r>
+            <a:r>
+              <a:rPr lang="pt-BR" sz="2000" b="1" dirty="0">
+                <a:latin typeface="Times New Roman" panose="02020603050405020304" pitchFamily="18" charset="0"/>
+                <a:cs typeface="Times New Roman" panose="02020603050405020304" pitchFamily="18" charset="0"/>
+              </a:rPr>
+              <a:t>).</a:t>
+            </a:r>
+          </a:p>
+          <a:p>
+            <a:pPr marL="0" indent="0" algn="just">
+              <a:buNone/>
+            </a:pPr>
+            <a:r>
+              <a:rPr lang="pt-BR" sz="2000" b="1" dirty="0">
+                <a:solidFill>
+                  <a:srgbClr val="FF0000"/>
+                </a:solidFill>
+                <a:latin typeface="Times New Roman" panose="02020603050405020304" pitchFamily="18" charset="0"/>
+                <a:cs typeface="Times New Roman" panose="02020603050405020304" pitchFamily="18" charset="0"/>
+              </a:rPr>
+              <a:t>Disponível em: </a:t>
+            </a:r>
+            <a:r>
+              <a:rPr lang="pt-BR" sz="2000" dirty="0">
+                <a:solidFill>
+                  <a:srgbClr val="FF0000"/>
+                </a:solidFill>
+                <a:latin typeface="Times New Roman" panose="02020603050405020304" pitchFamily="18" charset="0"/>
+                <a:cs typeface="Times New Roman" panose="02020603050405020304" pitchFamily="18" charset="0"/>
+                <a:hlinkClick r:id="rId7"/>
+              </a:rPr>
+              <a:t>https://youtu.be/wN9cKSTeedM</a:t>
+            </a:r>
+            <a:r>
+              <a:rPr lang="pt-BR" sz="2000" dirty="0">
+                <a:solidFill>
+                  <a:srgbClr val="FF0000"/>
+                </a:solidFill>
+                <a:latin typeface="Times New Roman" panose="02020603050405020304" pitchFamily="18" charset="0"/>
+                <a:cs typeface="Times New Roman" panose="02020603050405020304" pitchFamily="18" charset="0"/>
+              </a:rPr>
+              <a:t> </a:t>
+            </a:r>
+            <a:endParaRPr lang="pt-BR" sz="2000" dirty="0">
               <a:latin typeface="Times New Roman" panose="02020603050405020304" pitchFamily="18" charset="0"/>
               <a:cs typeface="Times New Roman" panose="02020603050405020304" pitchFamily="18" charset="0"/>
             </a:endParaRPr>
@@ -4916,779 +7370,6 @@
         <p14:creationId xmlns:p14="http://schemas.microsoft.com/office/powerpoint/2010/main" val="2747596967"/>
       </p:ext>
     </p:extLst>
-  </p:cSld>
-  <p:clrMapOvr>
-    <a:masterClrMapping/>
-  </p:clrMapOvr>
-  <p:transition spd="med"/>
-</p:sld>
-</file>
-
-<file path=ppt/slides/slide6.xml><?xml version="1.0" encoding="utf-8"?>
-<p:sld xmlns:a="http://schemas.openxmlformats.org/drawingml/2006/main" xmlns:r="http://schemas.openxmlformats.org/officeDocument/2006/relationships" xmlns:p="http://schemas.openxmlformats.org/presentationml/2006/main">
-  <p:cSld>
-    <p:spTree>
-      <p:nvGrpSpPr>
-        <p:cNvPr id="1" name="">
-          <a:extLst>
-            <a:ext uri="{FF2B5EF4-FFF2-40B4-BE49-F238E27FC236}">
-              <a16:creationId xmlns:a16="http://schemas.microsoft.com/office/drawing/2014/main" id="{2953AC7D-8CF9-A63F-57A2-D983DEB50039}"/>
-            </a:ext>
-          </a:extLst>
-        </p:cNvPr>
-        <p:cNvGrpSpPr/>
-        <p:nvPr/>
-      </p:nvGrpSpPr>
-      <p:grpSpPr>
-        <a:xfrm>
-          <a:off x="0" y="0"/>
-          <a:ext cx="0" cy="0"/>
-          <a:chOff x="0" y="0"/>
-          <a:chExt cx="0" cy="0"/>
-        </a:xfrm>
-      </p:grpSpPr>
-      <p:sp>
-        <p:nvSpPr>
-          <p:cNvPr id="6" name="Title 1">
-            <a:extLst>
-              <a:ext uri="{FF2B5EF4-FFF2-40B4-BE49-F238E27FC236}">
-                <a16:creationId xmlns:a16="http://schemas.microsoft.com/office/drawing/2014/main" id="{CC4C3A19-ED0C-1CE0-1512-03DBBA8E622A}"/>
-              </a:ext>
-            </a:extLst>
-          </p:cNvPr>
-          <p:cNvSpPr>
-            <a:spLocks noGrp="1"/>
-          </p:cNvSpPr>
-          <p:nvPr>
-            <p:ph type="title"/>
-          </p:nvPr>
-        </p:nvSpPr>
-        <p:spPr>
-          <a:xfrm>
-            <a:off x="457200" y="205980"/>
-            <a:ext cx="8229600" cy="857251"/>
-          </a:xfrm>
-        </p:spPr>
-        <p:txBody>
-          <a:bodyPr>
-            <a:normAutofit/>
-          </a:bodyPr>
-          <a:lstStyle/>
-          <a:p>
-            <a:r>
-              <a:rPr lang="en-US" b="1" dirty="0" err="1">
-                <a:solidFill>
-                  <a:srgbClr val="0070C0"/>
-                </a:solidFill>
-              </a:rPr>
-              <a:t>Dinâmica</a:t>
-            </a:r>
-            <a:r>
-              <a:rPr lang="en-US" b="1" dirty="0">
-                <a:solidFill>
-                  <a:srgbClr val="0070C0"/>
-                </a:solidFill>
-              </a:rPr>
-              <a:t>/</a:t>
-            </a:r>
-            <a:r>
-              <a:rPr lang="en-US" b="1" dirty="0" err="1">
-                <a:solidFill>
-                  <a:srgbClr val="0070C0"/>
-                </a:solidFill>
-              </a:rPr>
-              <a:t>Atividades</a:t>
-            </a:r>
-            <a:endParaRPr lang="en-US" b="1" dirty="0">
-              <a:solidFill>
-                <a:srgbClr val="0070C0"/>
-              </a:solidFill>
-            </a:endParaRPr>
-          </a:p>
-        </p:txBody>
-      </p:sp>
-      <p:sp>
-        <p:nvSpPr>
-          <p:cNvPr id="8" name="Text Placeholder 2">
-            <a:extLst>
-              <a:ext uri="{FF2B5EF4-FFF2-40B4-BE49-F238E27FC236}">
-                <a16:creationId xmlns:a16="http://schemas.microsoft.com/office/drawing/2014/main" id="{B45119E1-EF11-7248-2ADA-8776A0D7E7E3}"/>
-              </a:ext>
-            </a:extLst>
-          </p:cNvPr>
-          <p:cNvSpPr>
-            <a:spLocks noGrp="1"/>
-          </p:cNvSpPr>
-          <p:nvPr>
-            <p:ph type="body" sz="half" idx="1"/>
-          </p:nvPr>
-        </p:nvSpPr>
-        <p:spPr>
-          <a:xfrm>
-            <a:off x="142865" y="1035050"/>
-            <a:ext cx="8865056" cy="3994150"/>
-          </a:xfrm>
-        </p:spPr>
-        <p:txBody>
-          <a:bodyPr>
-            <a:noAutofit/>
-          </a:bodyPr>
-          <a:lstStyle/>
-          <a:p>
-            <a:pPr algn="just">
-              <a:buFont typeface="Wingdings" panose="05000000000000000000" pitchFamily="2" charset="2"/>
-              <a:buChar char="q"/>
-            </a:pPr>
-            <a:r>
-              <a:rPr lang="pt-BR" sz="2200" b="1" dirty="0">
-                <a:solidFill>
-                  <a:srgbClr val="0070C0"/>
-                </a:solidFill>
-                <a:latin typeface="Times New Roman" panose="02020603050405020304" pitchFamily="18" charset="0"/>
-                <a:cs typeface="Times New Roman" panose="02020603050405020304" pitchFamily="18" charset="0"/>
-              </a:rPr>
-              <a:t>CLP</a:t>
-            </a:r>
-          </a:p>
-        </p:txBody>
-      </p:sp>
-    </p:spTree>
-    <p:extLst>
-      <p:ext uri="{BB962C8B-B14F-4D97-AF65-F5344CB8AC3E}">
-        <p14:creationId xmlns:p14="http://schemas.microsoft.com/office/powerpoint/2010/main" val="2976682751"/>
-      </p:ext>
-    </p:extLst>
-  </p:cSld>
-  <p:clrMapOvr>
-    <a:masterClrMapping/>
-  </p:clrMapOvr>
-  <p:transition spd="med"/>
-</p:sld>
-</file>
-
-<file path=ppt/slides/slide7.xml><?xml version="1.0" encoding="utf-8"?>
-<p:sld xmlns:a="http://schemas.openxmlformats.org/drawingml/2006/main" xmlns:r="http://schemas.openxmlformats.org/officeDocument/2006/relationships" xmlns:p="http://schemas.openxmlformats.org/presentationml/2006/main">
-  <p:cSld>
-    <p:spTree>
-      <p:nvGrpSpPr>
-        <p:cNvPr id="1" name=""/>
-        <p:cNvGrpSpPr/>
-        <p:nvPr/>
-      </p:nvGrpSpPr>
-      <p:grpSpPr>
-        <a:xfrm>
-          <a:off x="0" y="0"/>
-          <a:ext cx="0" cy="0"/>
-          <a:chOff x="0" y="0"/>
-          <a:chExt cx="0" cy="0"/>
-        </a:xfrm>
-      </p:grpSpPr>
-      <p:sp>
-        <p:nvSpPr>
-          <p:cNvPr id="6" name="Title 1"/>
-          <p:cNvSpPr>
-            <a:spLocks noGrp="1"/>
-          </p:cNvSpPr>
-          <p:nvPr>
-            <p:ph type="title"/>
-          </p:nvPr>
-        </p:nvSpPr>
-        <p:spPr>
-          <a:xfrm>
-            <a:off x="457200" y="205980"/>
-            <a:ext cx="8229600" cy="857251"/>
-          </a:xfrm>
-        </p:spPr>
-        <p:txBody>
-          <a:bodyPr>
-            <a:normAutofit/>
-          </a:bodyPr>
-          <a:lstStyle/>
-          <a:p>
-            <a:r>
-              <a:rPr lang="en-US" b="1" dirty="0" err="1">
-                <a:solidFill>
-                  <a:srgbClr val="0070C0"/>
-                </a:solidFill>
-              </a:rPr>
-              <a:t>Referências</a:t>
-            </a:r>
-            <a:r>
-              <a:rPr lang="en-US" b="1" dirty="0">
-                <a:solidFill>
-                  <a:srgbClr val="0070C0"/>
-                </a:solidFill>
-              </a:rPr>
-              <a:t> </a:t>
-            </a:r>
-            <a:r>
-              <a:rPr lang="en-US" b="1" dirty="0" err="1">
-                <a:solidFill>
-                  <a:srgbClr val="0070C0"/>
-                </a:solidFill>
-              </a:rPr>
-              <a:t>Bibliográficas</a:t>
-            </a:r>
-            <a:endParaRPr lang="en-US" b="1" dirty="0">
-              <a:solidFill>
-                <a:srgbClr val="0070C0"/>
-              </a:solidFill>
-            </a:endParaRPr>
-          </a:p>
-        </p:txBody>
-      </p:sp>
-      <p:sp>
-        <p:nvSpPr>
-          <p:cNvPr id="8" name="Text Placeholder 2"/>
-          <p:cNvSpPr>
-            <a:spLocks noGrp="1"/>
-          </p:cNvSpPr>
-          <p:nvPr>
-            <p:ph type="body" sz="half" idx="1"/>
-          </p:nvPr>
-        </p:nvSpPr>
-        <p:spPr>
-          <a:xfrm>
-            <a:off x="139472" y="1063230"/>
-            <a:ext cx="8865056" cy="3874289"/>
-          </a:xfrm>
-        </p:spPr>
-        <p:txBody>
-          <a:bodyPr>
-            <a:noAutofit/>
-          </a:bodyPr>
-          <a:lstStyle/>
-          <a:p>
-            <a:pPr marL="0" indent="0" algn="just">
-              <a:buNone/>
-            </a:pPr>
-            <a:r>
-              <a:rPr lang="pt-BR" sz="2000" dirty="0">
-                <a:latin typeface="Times New Roman" panose="02020603050405020304" pitchFamily="18" charset="0"/>
-                <a:cs typeface="Times New Roman" panose="02020603050405020304" pitchFamily="18" charset="0"/>
-              </a:rPr>
-              <a:t>[1] </a:t>
-            </a:r>
-            <a:endParaRPr lang="pt-BR" sz="2000" b="1" dirty="0">
-              <a:latin typeface="Times New Roman" panose="02020603050405020304" pitchFamily="18" charset="0"/>
-              <a:cs typeface="Times New Roman" panose="02020603050405020304" pitchFamily="18" charset="0"/>
-            </a:endParaRPr>
-          </a:p>
-          <a:p>
-            <a:pPr marL="0" indent="0" algn="just">
-              <a:buNone/>
-            </a:pPr>
-            <a:endParaRPr lang="en-US" sz="2000" dirty="0">
-              <a:latin typeface="Times New Roman" panose="02020603050405020304" pitchFamily="18" charset="0"/>
-              <a:cs typeface="Times New Roman" panose="02020603050405020304" pitchFamily="18" charset="0"/>
-            </a:endParaRPr>
-          </a:p>
-          <a:p>
-            <a:pPr marL="0" indent="0" algn="just">
-              <a:buNone/>
-            </a:pPr>
-            <a:endParaRPr lang="en-US" sz="2000" dirty="0">
-              <a:latin typeface="Times New Roman" panose="02020603050405020304" pitchFamily="18" charset="0"/>
-              <a:cs typeface="Times New Roman" panose="02020603050405020304" pitchFamily="18" charset="0"/>
-            </a:endParaRPr>
-          </a:p>
-          <a:p>
-            <a:pPr marL="0" indent="0" algn="just">
-              <a:buNone/>
-            </a:pPr>
-            <a:endParaRPr lang="en-US" sz="2000" dirty="0">
-              <a:latin typeface="Times New Roman" panose="02020603050405020304" pitchFamily="18" charset="0"/>
-              <a:cs typeface="Times New Roman" panose="02020603050405020304" pitchFamily="18" charset="0"/>
-            </a:endParaRPr>
-          </a:p>
-          <a:p>
-            <a:pPr marL="0" indent="0" algn="just">
-              <a:buNone/>
-            </a:pPr>
-            <a:endParaRPr lang="en-US" sz="2000" dirty="0">
-              <a:latin typeface="Times New Roman" panose="02020603050405020304" pitchFamily="18" charset="0"/>
-              <a:cs typeface="Times New Roman" panose="02020603050405020304" pitchFamily="18" charset="0"/>
-            </a:endParaRPr>
-          </a:p>
-          <a:p>
-            <a:pPr marL="0" indent="0" algn="just">
-              <a:buNone/>
-            </a:pPr>
-            <a:r>
-              <a:rPr lang="pt-BR" sz="2000" dirty="0">
-                <a:latin typeface="Times New Roman" panose="02020603050405020304" pitchFamily="18" charset="0"/>
-                <a:cs typeface="Times New Roman" panose="02020603050405020304" pitchFamily="18" charset="0"/>
-              </a:rPr>
-              <a:t>[2] </a:t>
-            </a:r>
-            <a:endParaRPr lang="pt-BR" sz="2000" b="1" dirty="0">
-              <a:latin typeface="Times New Roman" panose="02020603050405020304" pitchFamily="18" charset="0"/>
-              <a:cs typeface="Times New Roman" panose="02020603050405020304" pitchFamily="18" charset="0"/>
-            </a:endParaRPr>
-          </a:p>
-        </p:txBody>
-      </p:sp>
-    </p:spTree>
-    <p:extLst>
-      <p:ext uri="{BB962C8B-B14F-4D97-AF65-F5344CB8AC3E}">
-        <p14:creationId xmlns:p14="http://schemas.microsoft.com/office/powerpoint/2010/main" val="1115311843"/>
-      </p:ext>
-    </p:extLst>
-  </p:cSld>
-  <p:clrMapOvr>
-    <a:masterClrMapping/>
-  </p:clrMapOvr>
-  <p:transition spd="med"/>
-</p:sld>
-</file>
-
-<file path=ppt/slides/slide8.xml><?xml version="1.0" encoding="utf-8"?>
-<p:sld xmlns:a="http://schemas.openxmlformats.org/drawingml/2006/main" xmlns:r="http://schemas.openxmlformats.org/officeDocument/2006/relationships" xmlns:p="http://schemas.openxmlformats.org/presentationml/2006/main">
-  <p:cSld>
-    <p:spTree>
-      <p:nvGrpSpPr>
-        <p:cNvPr id="1" name=""/>
-        <p:cNvGrpSpPr/>
-        <p:nvPr/>
-      </p:nvGrpSpPr>
-      <p:grpSpPr>
-        <a:xfrm>
-          <a:off x="0" y="0"/>
-          <a:ext cx="0" cy="0"/>
-          <a:chOff x="0" y="0"/>
-          <a:chExt cx="0" cy="0"/>
-        </a:xfrm>
-      </p:grpSpPr>
-      <p:pic>
-        <p:nvPicPr>
-          <p:cNvPr id="112" name="Picture 6" descr="Picture 6"/>
-          <p:cNvPicPr>
-            <a:picLocks noChangeAspect="1"/>
-          </p:cNvPicPr>
-          <p:nvPr/>
-        </p:nvPicPr>
-        <p:blipFill>
-          <a:blip r:embed="rId2"/>
-          <a:stretch>
-            <a:fillRect/>
-          </a:stretch>
-        </p:blipFill>
-        <p:spPr>
-          <a:xfrm>
-            <a:off x="0" y="0"/>
-            <a:ext cx="9144000" cy="5143500"/>
-          </a:xfrm>
-          <a:prstGeom prst="rect">
-            <a:avLst/>
-          </a:prstGeom>
-          <a:ln w="12700">
-            <a:miter lim="400000"/>
-            <a:headEnd/>
-            <a:tailEnd/>
-          </a:ln>
-        </p:spPr>
-      </p:pic>
-      <p:pic>
-        <p:nvPicPr>
-          <p:cNvPr id="114" name="Picture 5" descr="Picture 5"/>
-          <p:cNvPicPr>
-            <a:picLocks noChangeAspect="1"/>
-          </p:cNvPicPr>
-          <p:nvPr/>
-        </p:nvPicPr>
-        <p:blipFill>
-          <a:blip r:embed="rId3"/>
-          <a:stretch>
-            <a:fillRect/>
-          </a:stretch>
-        </p:blipFill>
-        <p:spPr>
-          <a:xfrm>
-            <a:off x="469900" y="0"/>
-            <a:ext cx="4391984" cy="171450"/>
-          </a:xfrm>
-          <a:prstGeom prst="rect">
-            <a:avLst/>
-          </a:prstGeom>
-          <a:ln w="12700">
-            <a:miter lim="400000"/>
-            <a:headEnd/>
-            <a:tailEnd/>
-          </a:ln>
-        </p:spPr>
-      </p:pic>
-      <p:sp>
-        <p:nvSpPr>
-          <p:cNvPr id="3" name="Título 2"/>
-          <p:cNvSpPr>
-            <a:spLocks noGrp="1"/>
-          </p:cNvSpPr>
-          <p:nvPr>
-            <p:ph type="title"/>
-          </p:nvPr>
-        </p:nvSpPr>
-        <p:spPr>
-          <a:xfrm>
-            <a:off x="285751" y="2386770"/>
-            <a:ext cx="8615364" cy="1102519"/>
-          </a:xfrm>
-        </p:spPr>
-        <p:txBody>
-          <a:bodyPr>
-            <a:noAutofit/>
-          </a:bodyPr>
-          <a:lstStyle/>
-          <a:p>
-            <a:r>
-              <a:rPr lang="pt-BR" sz="4800" b="1" dirty="0">
-                <a:solidFill>
-                  <a:schemeClr val="bg1"/>
-                </a:solidFill>
-              </a:rPr>
-              <a:t>Controladores Lógicos e Programáveis (CLP)</a:t>
-            </a:r>
-          </a:p>
-        </p:txBody>
-      </p:sp>
-      <p:sp>
-        <p:nvSpPr>
-          <p:cNvPr id="6" name="Título 2"/>
-          <p:cNvSpPr txBox="1"/>
-          <p:nvPr/>
-        </p:nvSpPr>
-        <p:spPr>
-          <a:xfrm>
-            <a:off x="975683" y="3866663"/>
-            <a:ext cx="7772400" cy="1102519"/>
-          </a:xfrm>
-          <a:prstGeom prst="rect">
-            <a:avLst/>
-          </a:prstGeom>
-          <a:ln w="12700">
-            <a:miter lim="400000"/>
-          </a:ln>
-        </p:spPr>
-        <p:txBody>
-          <a:bodyPr lIns="45718" tIns="45718" rIns="45718" bIns="45718" anchor="ctr">
-            <a:noAutofit/>
-          </a:bodyPr>
-          <a:lstStyle>
-            <a:lvl1pPr marL="0" marR="0" indent="0" algn="ctr" defTabSz="457200" rtl="0" latinLnBrk="0">
-              <a:lnSpc>
-                <a:spcPct val="100000"/>
-              </a:lnSpc>
-              <a:spcBef>
-                <a:spcPts val="0"/>
-              </a:spcBef>
-              <a:spcAft>
-                <a:spcPts val="0"/>
-              </a:spcAft>
-              <a:buClrTx/>
-              <a:buSzTx/>
-              <a:buFontTx/>
-              <a:buNone/>
-              <a:defRPr sz="4400" b="0" i="0" u="none" strike="noStrike" cap="none" spc="0" baseline="0">
-                <a:ln>
-                  <a:noFill/>
-                </a:ln>
-                <a:solidFill>
-                  <a:srgbClr val="000000"/>
-                </a:solidFill>
-                <a:uFillTx/>
-                <a:latin typeface="+mj-lt"/>
-                <a:ea typeface="+mj-ea"/>
-                <a:cs typeface="+mj-cs"/>
-                <a:sym typeface="Calibri"/>
-              </a:defRPr>
-            </a:lvl1pPr>
-            <a:lvl2pPr marL="0" marR="0" indent="0" algn="ctr" defTabSz="457200" rtl="0" latinLnBrk="0">
-              <a:lnSpc>
-                <a:spcPct val="100000"/>
-              </a:lnSpc>
-              <a:spcBef>
-                <a:spcPts val="0"/>
-              </a:spcBef>
-              <a:spcAft>
-                <a:spcPts val="0"/>
-              </a:spcAft>
-              <a:buClrTx/>
-              <a:buSzTx/>
-              <a:buFontTx/>
-              <a:buNone/>
-              <a:defRPr sz="4400" b="0" i="0" u="none" strike="noStrike" cap="none" spc="0" baseline="0">
-                <a:ln>
-                  <a:noFill/>
-                </a:ln>
-                <a:solidFill>
-                  <a:srgbClr val="000000"/>
-                </a:solidFill>
-                <a:uFillTx/>
-                <a:latin typeface="+mj-lt"/>
-                <a:ea typeface="+mj-ea"/>
-                <a:cs typeface="+mj-cs"/>
-                <a:sym typeface="Calibri"/>
-              </a:defRPr>
-            </a:lvl2pPr>
-            <a:lvl3pPr marL="0" marR="0" indent="0" algn="ctr" defTabSz="457200" rtl="0" latinLnBrk="0">
-              <a:lnSpc>
-                <a:spcPct val="100000"/>
-              </a:lnSpc>
-              <a:spcBef>
-                <a:spcPts val="0"/>
-              </a:spcBef>
-              <a:spcAft>
-                <a:spcPts val="0"/>
-              </a:spcAft>
-              <a:buClrTx/>
-              <a:buSzTx/>
-              <a:buFontTx/>
-              <a:buNone/>
-              <a:defRPr sz="4400" b="0" i="0" u="none" strike="noStrike" cap="none" spc="0" baseline="0">
-                <a:ln>
-                  <a:noFill/>
-                </a:ln>
-                <a:solidFill>
-                  <a:srgbClr val="000000"/>
-                </a:solidFill>
-                <a:uFillTx/>
-                <a:latin typeface="+mj-lt"/>
-                <a:ea typeface="+mj-ea"/>
-                <a:cs typeface="+mj-cs"/>
-                <a:sym typeface="Calibri"/>
-              </a:defRPr>
-            </a:lvl3pPr>
-            <a:lvl4pPr marL="0" marR="0" indent="0" algn="ctr" defTabSz="457200" rtl="0" latinLnBrk="0">
-              <a:lnSpc>
-                <a:spcPct val="100000"/>
-              </a:lnSpc>
-              <a:spcBef>
-                <a:spcPts val="0"/>
-              </a:spcBef>
-              <a:spcAft>
-                <a:spcPts val="0"/>
-              </a:spcAft>
-              <a:buClrTx/>
-              <a:buSzTx/>
-              <a:buFontTx/>
-              <a:buNone/>
-              <a:defRPr sz="4400" b="0" i="0" u="none" strike="noStrike" cap="none" spc="0" baseline="0">
-                <a:ln>
-                  <a:noFill/>
-                </a:ln>
-                <a:solidFill>
-                  <a:srgbClr val="000000"/>
-                </a:solidFill>
-                <a:uFillTx/>
-                <a:latin typeface="+mj-lt"/>
-                <a:ea typeface="+mj-ea"/>
-                <a:cs typeface="+mj-cs"/>
-                <a:sym typeface="Calibri"/>
-              </a:defRPr>
-            </a:lvl4pPr>
-            <a:lvl5pPr marL="0" marR="0" indent="0" algn="ctr" defTabSz="457200" rtl="0" latinLnBrk="0">
-              <a:lnSpc>
-                <a:spcPct val="100000"/>
-              </a:lnSpc>
-              <a:spcBef>
-                <a:spcPts val="0"/>
-              </a:spcBef>
-              <a:spcAft>
-                <a:spcPts val="0"/>
-              </a:spcAft>
-              <a:buClrTx/>
-              <a:buSzTx/>
-              <a:buFontTx/>
-              <a:buNone/>
-              <a:defRPr sz="4400" b="0" i="0" u="none" strike="noStrike" cap="none" spc="0" baseline="0">
-                <a:ln>
-                  <a:noFill/>
-                </a:ln>
-                <a:solidFill>
-                  <a:srgbClr val="000000"/>
-                </a:solidFill>
-                <a:uFillTx/>
-                <a:latin typeface="+mj-lt"/>
-                <a:ea typeface="+mj-ea"/>
-                <a:cs typeface="+mj-cs"/>
-                <a:sym typeface="Calibri"/>
-              </a:defRPr>
-            </a:lvl5pPr>
-            <a:lvl6pPr marL="0" marR="0" indent="0" algn="ctr" defTabSz="457200" rtl="0" latinLnBrk="0">
-              <a:lnSpc>
-                <a:spcPct val="100000"/>
-              </a:lnSpc>
-              <a:spcBef>
-                <a:spcPts val="0"/>
-              </a:spcBef>
-              <a:spcAft>
-                <a:spcPts val="0"/>
-              </a:spcAft>
-              <a:buClrTx/>
-              <a:buSzTx/>
-              <a:buFontTx/>
-              <a:buNone/>
-              <a:defRPr sz="4400" b="0" i="0" u="none" strike="noStrike" cap="none" spc="0" baseline="0">
-                <a:ln>
-                  <a:noFill/>
-                </a:ln>
-                <a:solidFill>
-                  <a:srgbClr val="000000"/>
-                </a:solidFill>
-                <a:uFillTx/>
-                <a:latin typeface="+mj-lt"/>
-                <a:ea typeface="+mj-ea"/>
-                <a:cs typeface="+mj-cs"/>
-                <a:sym typeface="Calibri"/>
-              </a:defRPr>
-            </a:lvl6pPr>
-            <a:lvl7pPr marL="0" marR="0" indent="0" algn="ctr" defTabSz="457200" rtl="0" latinLnBrk="0">
-              <a:lnSpc>
-                <a:spcPct val="100000"/>
-              </a:lnSpc>
-              <a:spcBef>
-                <a:spcPts val="0"/>
-              </a:spcBef>
-              <a:spcAft>
-                <a:spcPts val="0"/>
-              </a:spcAft>
-              <a:buClrTx/>
-              <a:buSzTx/>
-              <a:buFontTx/>
-              <a:buNone/>
-              <a:defRPr sz="4400" b="0" i="0" u="none" strike="noStrike" cap="none" spc="0" baseline="0">
-                <a:ln>
-                  <a:noFill/>
-                </a:ln>
-                <a:solidFill>
-                  <a:srgbClr val="000000"/>
-                </a:solidFill>
-                <a:uFillTx/>
-                <a:latin typeface="+mj-lt"/>
-                <a:ea typeface="+mj-ea"/>
-                <a:cs typeface="+mj-cs"/>
-                <a:sym typeface="Calibri"/>
-              </a:defRPr>
-            </a:lvl7pPr>
-            <a:lvl8pPr marL="0" marR="0" indent="0" algn="ctr" defTabSz="457200" rtl="0" latinLnBrk="0">
-              <a:lnSpc>
-                <a:spcPct val="100000"/>
-              </a:lnSpc>
-              <a:spcBef>
-                <a:spcPts val="0"/>
-              </a:spcBef>
-              <a:spcAft>
-                <a:spcPts val="0"/>
-              </a:spcAft>
-              <a:buClrTx/>
-              <a:buSzTx/>
-              <a:buFontTx/>
-              <a:buNone/>
-              <a:defRPr sz="4400" b="0" i="0" u="none" strike="noStrike" cap="none" spc="0" baseline="0">
-                <a:ln>
-                  <a:noFill/>
-                </a:ln>
-                <a:solidFill>
-                  <a:srgbClr val="000000"/>
-                </a:solidFill>
-                <a:uFillTx/>
-                <a:latin typeface="+mj-lt"/>
-                <a:ea typeface="+mj-ea"/>
-                <a:cs typeface="+mj-cs"/>
-                <a:sym typeface="Calibri"/>
-              </a:defRPr>
-            </a:lvl8pPr>
-            <a:lvl9pPr marL="0" marR="0" indent="0" algn="ctr" defTabSz="457200" rtl="0" latinLnBrk="0">
-              <a:lnSpc>
-                <a:spcPct val="100000"/>
-              </a:lnSpc>
-              <a:spcBef>
-                <a:spcPts val="0"/>
-              </a:spcBef>
-              <a:spcAft>
-                <a:spcPts val="0"/>
-              </a:spcAft>
-              <a:buClrTx/>
-              <a:buSzTx/>
-              <a:buFontTx/>
-              <a:buNone/>
-              <a:defRPr sz="4400" b="0" i="0" u="none" strike="noStrike" cap="none" spc="0" baseline="0">
-                <a:ln>
-                  <a:noFill/>
-                </a:ln>
-                <a:solidFill>
-                  <a:srgbClr val="000000"/>
-                </a:solidFill>
-                <a:uFillTx/>
-                <a:latin typeface="+mj-lt"/>
-                <a:ea typeface="+mj-ea"/>
-                <a:cs typeface="+mj-cs"/>
-                <a:sym typeface="Calibri"/>
-              </a:defRPr>
-            </a:lvl9pPr>
-          </a:lstStyle>
-          <a:p>
-            <a:pPr algn="r" hangingPunct="1"/>
-            <a:r>
-              <a:rPr lang="pt-BR" sz="2000" b="1" dirty="0">
-                <a:solidFill>
-                  <a:schemeClr val="bg1"/>
-                </a:solidFill>
-              </a:rPr>
-              <a:t>Professor </a:t>
-            </a:r>
-            <a:r>
-              <a:rPr lang="pt-BR" sz="2000" b="1">
-                <a:solidFill>
-                  <a:schemeClr val="bg1"/>
-                </a:solidFill>
-              </a:rPr>
-              <a:t>M.Sc</a:t>
-            </a:r>
-            <a:r>
-              <a:rPr lang="pt-BR" sz="2000" b="1" dirty="0">
-                <a:solidFill>
-                  <a:schemeClr val="bg1"/>
-                </a:solidFill>
-              </a:rPr>
-              <a:t>. Heleno Cardoso</a:t>
-            </a:r>
-          </a:p>
-        </p:txBody>
-      </p:sp>
-      <p:pic>
-        <p:nvPicPr>
-          <p:cNvPr id="2" name="Google Shape;62;p1" descr="Imagem">
-            <a:extLst>
-              <a:ext uri="{FF2B5EF4-FFF2-40B4-BE49-F238E27FC236}">
-                <a16:creationId xmlns:a16="http://schemas.microsoft.com/office/drawing/2014/main" id="{9C895622-2963-024D-634E-EA58F5381D06}"/>
-              </a:ext>
-            </a:extLst>
-          </p:cNvPr>
-          <p:cNvPicPr preferRelativeResize="0"/>
-          <p:nvPr/>
-        </p:nvPicPr>
-        <p:blipFill rotWithShape="1">
-          <a:blip r:embed="rId4">
-            <a:alphaModFix/>
-          </a:blip>
-          <a:srcRect/>
-          <a:stretch/>
-        </p:blipFill>
-        <p:spPr>
-          <a:xfrm>
-            <a:off x="469898" y="343798"/>
-            <a:ext cx="2858518" cy="1338697"/>
-          </a:xfrm>
-          <a:prstGeom prst="rect">
-            <a:avLst/>
-          </a:prstGeom>
-          <a:noFill/>
-          <a:ln>
-            <a:noFill/>
-          </a:ln>
-        </p:spPr>
-      </p:pic>
-    </p:spTree>
   </p:cSld>
   <p:clrMapOvr>
     <a:masterClrMapping/>

--- a/01 Classes/Aula5 - CLP - Programação - Ling LADER Aplicações e Prática.pptx
+++ b/01 Classes/Aula5 - CLP - Programação - Ling LADER Aplicações e Prática.pptx
@@ -5,7 +5,7 @@
     <p:sldMasterId id="2147483648" r:id="rId1"/>
   </p:sldMasterIdLst>
   <p:notesMasterIdLst>
-    <p:notesMasterId r:id="rId14"/>
+    <p:notesMasterId r:id="rId16"/>
   </p:notesMasterIdLst>
   <p:sldIdLst>
     <p:sldId id="256" r:id="rId2"/>
@@ -15,11 +15,13 @@
     <p:sldId id="362" r:id="rId6"/>
     <p:sldId id="363" r:id="rId7"/>
     <p:sldId id="364" r:id="rId8"/>
-    <p:sldId id="333" r:id="rId9"/>
-    <p:sldId id="323" r:id="rId10"/>
-    <p:sldId id="360" r:id="rId11"/>
-    <p:sldId id="337" r:id="rId12"/>
-    <p:sldId id="309" r:id="rId13"/>
+    <p:sldId id="365" r:id="rId9"/>
+    <p:sldId id="366" r:id="rId10"/>
+    <p:sldId id="333" r:id="rId11"/>
+    <p:sldId id="323" r:id="rId12"/>
+    <p:sldId id="360" r:id="rId13"/>
+    <p:sldId id="337" r:id="rId14"/>
+    <p:sldId id="309" r:id="rId15"/>
   </p:sldIdLst>
   <p:sldSz cx="9144000" cy="5143500" type="screen16x9"/>
   <p:notesSz cx="6858000" cy="9144000"/>
@@ -622,6 +624,156 @@
     </p:spTree>
     <p:extLst>
       <p:ext uri="{BB962C8B-B14F-4D97-AF65-F5344CB8AC3E}">
+        <p14:creationId xmlns:p14="http://schemas.microsoft.com/office/powerpoint/2010/main" val="2709569597"/>
+      </p:ext>
+    </p:extLst>
+  </p:cSld>
+  <p:clrMapOvr>
+    <a:masterClrMapping/>
+  </p:clrMapOvr>
+</p:notes>
+</file>
+
+<file path=ppt/notesSlides/notesSlide11.xml><?xml version="1.0" encoding="utf-8"?>
+<p:notes xmlns:a="http://schemas.openxmlformats.org/drawingml/2006/main" xmlns:r="http://schemas.openxmlformats.org/officeDocument/2006/relationships" xmlns:p="http://schemas.openxmlformats.org/presentationml/2006/main">
+  <p:cSld>
+    <p:spTree>
+      <p:nvGrpSpPr>
+        <p:cNvPr id="1" name="">
+          <a:extLst>
+            <a:ext uri="{FF2B5EF4-FFF2-40B4-BE49-F238E27FC236}">
+              <a16:creationId xmlns:a16="http://schemas.microsoft.com/office/drawing/2014/main" id="{A6C63E5B-C292-859D-FB83-976D9C6E343C}"/>
+            </a:ext>
+          </a:extLst>
+        </p:cNvPr>
+        <p:cNvGrpSpPr/>
+        <p:nvPr/>
+      </p:nvGrpSpPr>
+      <p:grpSpPr>
+        <a:xfrm>
+          <a:off x="0" y="0"/>
+          <a:ext cx="0" cy="0"/>
+          <a:chOff x="0" y="0"/>
+          <a:chExt cx="0" cy="0"/>
+        </a:xfrm>
+      </p:grpSpPr>
+      <p:sp>
+        <p:nvSpPr>
+          <p:cNvPr id="2" name="Espaço Reservado para Imagem de Slide 1">
+            <a:extLst>
+              <a:ext uri="{FF2B5EF4-FFF2-40B4-BE49-F238E27FC236}">
+                <a16:creationId xmlns:a16="http://schemas.microsoft.com/office/drawing/2014/main" id="{14E4371D-BD8E-838C-430B-89FECE90D337}"/>
+              </a:ext>
+            </a:extLst>
+          </p:cNvPr>
+          <p:cNvSpPr>
+            <a:spLocks noGrp="1" noRot="1" noChangeAspect="1"/>
+          </p:cNvSpPr>
+          <p:nvPr>
+            <p:ph type="sldImg"/>
+          </p:nvPr>
+        </p:nvSpPr>
+        <p:spPr>
+          <a:xfrm>
+            <a:off x="381000" y="685800"/>
+            <a:ext cx="6096000" cy="3429000"/>
+          </a:xfrm>
+        </p:spPr>
+      </p:sp>
+      <p:sp>
+        <p:nvSpPr>
+          <p:cNvPr id="3" name="Espaço Reservado para Anotações 2">
+            <a:extLst>
+              <a:ext uri="{FF2B5EF4-FFF2-40B4-BE49-F238E27FC236}">
+                <a16:creationId xmlns:a16="http://schemas.microsoft.com/office/drawing/2014/main" id="{F01DF927-0375-C257-C3B6-37010EA380D3}"/>
+              </a:ext>
+            </a:extLst>
+          </p:cNvPr>
+          <p:cNvSpPr>
+            <a:spLocks noGrp="1"/>
+          </p:cNvSpPr>
+          <p:nvPr>
+            <p:ph type="body" idx="1"/>
+          </p:nvPr>
+        </p:nvSpPr>
+        <p:spPr/>
+        <p:txBody>
+          <a:bodyPr/>
+          <a:lstStyle/>
+          <a:p>
+            <a:endParaRPr lang="pt-BR" dirty="0"/>
+          </a:p>
+        </p:txBody>
+      </p:sp>
+    </p:spTree>
+    <p:extLst>
+      <p:ext uri="{BB962C8B-B14F-4D97-AF65-F5344CB8AC3E}">
+        <p14:creationId xmlns:p14="http://schemas.microsoft.com/office/powerpoint/2010/main" val="3656069206"/>
+      </p:ext>
+    </p:extLst>
+  </p:cSld>
+  <p:clrMapOvr>
+    <a:masterClrMapping/>
+  </p:clrMapOvr>
+</p:notes>
+</file>
+
+<file path=ppt/notesSlides/notesSlide12.xml><?xml version="1.0" encoding="utf-8"?>
+<p:notes xmlns:a="http://schemas.openxmlformats.org/drawingml/2006/main" xmlns:r="http://schemas.openxmlformats.org/officeDocument/2006/relationships" xmlns:p="http://schemas.openxmlformats.org/presentationml/2006/main">
+  <p:cSld>
+    <p:spTree>
+      <p:nvGrpSpPr>
+        <p:cNvPr id="1" name=""/>
+        <p:cNvGrpSpPr/>
+        <p:nvPr/>
+      </p:nvGrpSpPr>
+      <p:grpSpPr>
+        <a:xfrm>
+          <a:off x="0" y="0"/>
+          <a:ext cx="0" cy="0"/>
+          <a:chOff x="0" y="0"/>
+          <a:chExt cx="0" cy="0"/>
+        </a:xfrm>
+      </p:grpSpPr>
+      <p:sp>
+        <p:nvSpPr>
+          <p:cNvPr id="2" name="Espaço Reservado para Imagem de Slide 1"/>
+          <p:cNvSpPr>
+            <a:spLocks noGrp="1" noRot="1" noChangeAspect="1"/>
+          </p:cNvSpPr>
+          <p:nvPr>
+            <p:ph type="sldImg"/>
+          </p:nvPr>
+        </p:nvSpPr>
+        <p:spPr>
+          <a:xfrm>
+            <a:off x="381000" y="685800"/>
+            <a:ext cx="6096000" cy="3429000"/>
+          </a:xfrm>
+        </p:spPr>
+      </p:sp>
+      <p:sp>
+        <p:nvSpPr>
+          <p:cNvPr id="3" name="Espaço Reservado para Anotações 2"/>
+          <p:cNvSpPr>
+            <a:spLocks noGrp="1"/>
+          </p:cNvSpPr>
+          <p:nvPr>
+            <p:ph type="body" idx="1"/>
+          </p:nvPr>
+        </p:nvSpPr>
+        <p:spPr/>
+        <p:txBody>
+          <a:bodyPr/>
+          <a:lstStyle/>
+          <a:p>
+            <a:endParaRPr lang="pt-BR" dirty="0"/>
+          </a:p>
+        </p:txBody>
+      </p:sp>
+    </p:spTree>
+    <p:extLst>
+      <p:ext uri="{BB962C8B-B14F-4D97-AF65-F5344CB8AC3E}">
         <p14:creationId xmlns:p14="http://schemas.microsoft.com/office/powerpoint/2010/main" val="4290351292"/>
       </p:ext>
     </p:extLst>
@@ -1057,7 +1209,13 @@
   <p:cSld>
     <p:spTree>
       <p:nvGrpSpPr>
-        <p:cNvPr id="1" name=""/>
+        <p:cNvPr id="1" name="">
+          <a:extLst>
+            <a:ext uri="{FF2B5EF4-FFF2-40B4-BE49-F238E27FC236}">
+              <a16:creationId xmlns:a16="http://schemas.microsoft.com/office/drawing/2014/main" id="{9ED810C1-61D5-9083-310B-45D171692E4F}"/>
+            </a:ext>
+          </a:extLst>
+        </p:cNvPr>
         <p:cNvGrpSpPr/>
         <p:nvPr/>
       </p:nvGrpSpPr>
@@ -1071,7 +1229,13 @@
       </p:grpSpPr>
       <p:sp>
         <p:nvSpPr>
-          <p:cNvPr id="2" name="Espaço Reservado para Imagem de Slide 1"/>
+          <p:cNvPr id="2" name="Espaço Reservado para Imagem de Slide 1">
+            <a:extLst>
+              <a:ext uri="{FF2B5EF4-FFF2-40B4-BE49-F238E27FC236}">
+                <a16:creationId xmlns:a16="http://schemas.microsoft.com/office/drawing/2014/main" id="{03B758FE-996A-0C4F-B2C7-47E01790EFFF}"/>
+              </a:ext>
+            </a:extLst>
+          </p:cNvPr>
           <p:cNvSpPr>
             <a:spLocks noGrp="1" noRot="1" noChangeAspect="1"/>
           </p:cNvSpPr>
@@ -1088,7 +1252,13 @@
       </p:sp>
       <p:sp>
         <p:nvSpPr>
-          <p:cNvPr id="3" name="Espaço Reservado para Anotações 2"/>
+          <p:cNvPr id="3" name="Espaço Reservado para Anotações 2">
+            <a:extLst>
+              <a:ext uri="{FF2B5EF4-FFF2-40B4-BE49-F238E27FC236}">
+                <a16:creationId xmlns:a16="http://schemas.microsoft.com/office/drawing/2014/main" id="{FEB6DA2C-153A-29CA-B608-B759BBD7EFC2}"/>
+              </a:ext>
+            </a:extLst>
+          </p:cNvPr>
           <p:cNvSpPr>
             <a:spLocks noGrp="1"/>
           </p:cNvSpPr>
@@ -1108,7 +1278,7 @@
     </p:spTree>
     <p:extLst>
       <p:ext uri="{BB962C8B-B14F-4D97-AF65-F5344CB8AC3E}">
-        <p14:creationId xmlns:p14="http://schemas.microsoft.com/office/powerpoint/2010/main" val="585304384"/>
+        <p14:creationId xmlns:p14="http://schemas.microsoft.com/office/powerpoint/2010/main" val="3962016220"/>
       </p:ext>
     </p:extLst>
   </p:cSld>
@@ -1119,6 +1289,90 @@
 </file>
 
 <file path=ppt/notesSlides/notesSlide8.xml><?xml version="1.0" encoding="utf-8"?>
+<p:notes xmlns:a="http://schemas.openxmlformats.org/drawingml/2006/main" xmlns:r="http://schemas.openxmlformats.org/officeDocument/2006/relationships" xmlns:p="http://schemas.openxmlformats.org/presentationml/2006/main">
+  <p:cSld>
+    <p:spTree>
+      <p:nvGrpSpPr>
+        <p:cNvPr id="1" name="">
+          <a:extLst>
+            <a:ext uri="{FF2B5EF4-FFF2-40B4-BE49-F238E27FC236}">
+              <a16:creationId xmlns:a16="http://schemas.microsoft.com/office/drawing/2014/main" id="{ADACB673-40BE-29B4-5695-50B6038F7653}"/>
+            </a:ext>
+          </a:extLst>
+        </p:cNvPr>
+        <p:cNvGrpSpPr/>
+        <p:nvPr/>
+      </p:nvGrpSpPr>
+      <p:grpSpPr>
+        <a:xfrm>
+          <a:off x="0" y="0"/>
+          <a:ext cx="0" cy="0"/>
+          <a:chOff x="0" y="0"/>
+          <a:chExt cx="0" cy="0"/>
+        </a:xfrm>
+      </p:grpSpPr>
+      <p:sp>
+        <p:nvSpPr>
+          <p:cNvPr id="2" name="Espaço Reservado para Imagem de Slide 1">
+            <a:extLst>
+              <a:ext uri="{FF2B5EF4-FFF2-40B4-BE49-F238E27FC236}">
+                <a16:creationId xmlns:a16="http://schemas.microsoft.com/office/drawing/2014/main" id="{24B513E0-2284-E598-7E29-CAEC7C80C7E1}"/>
+              </a:ext>
+            </a:extLst>
+          </p:cNvPr>
+          <p:cNvSpPr>
+            <a:spLocks noGrp="1" noRot="1" noChangeAspect="1"/>
+          </p:cNvSpPr>
+          <p:nvPr>
+            <p:ph type="sldImg"/>
+          </p:nvPr>
+        </p:nvSpPr>
+        <p:spPr>
+          <a:xfrm>
+            <a:off x="381000" y="685800"/>
+            <a:ext cx="6096000" cy="3429000"/>
+          </a:xfrm>
+        </p:spPr>
+      </p:sp>
+      <p:sp>
+        <p:nvSpPr>
+          <p:cNvPr id="3" name="Espaço Reservado para Anotações 2">
+            <a:extLst>
+              <a:ext uri="{FF2B5EF4-FFF2-40B4-BE49-F238E27FC236}">
+                <a16:creationId xmlns:a16="http://schemas.microsoft.com/office/drawing/2014/main" id="{D349293F-8B9C-2D87-F1D1-E8CEBF2D0EAE}"/>
+              </a:ext>
+            </a:extLst>
+          </p:cNvPr>
+          <p:cNvSpPr>
+            <a:spLocks noGrp="1"/>
+          </p:cNvSpPr>
+          <p:nvPr>
+            <p:ph type="body" idx="1"/>
+          </p:nvPr>
+        </p:nvSpPr>
+        <p:spPr/>
+        <p:txBody>
+          <a:bodyPr/>
+          <a:lstStyle/>
+          <a:p>
+            <a:endParaRPr lang="pt-BR" dirty="0"/>
+          </a:p>
+        </p:txBody>
+      </p:sp>
+    </p:spTree>
+    <p:extLst>
+      <p:ext uri="{BB962C8B-B14F-4D97-AF65-F5344CB8AC3E}">
+        <p14:creationId xmlns:p14="http://schemas.microsoft.com/office/powerpoint/2010/main" val="2850792527"/>
+      </p:ext>
+    </p:extLst>
+  </p:cSld>
+  <p:clrMapOvr>
+    <a:masterClrMapping/>
+  </p:clrMapOvr>
+</p:notes>
+</file>
+
+<file path=ppt/notesSlides/notesSlide9.xml><?xml version="1.0" encoding="utf-8"?>
 <p:notes xmlns:a="http://schemas.openxmlformats.org/drawingml/2006/main" xmlns:r="http://schemas.openxmlformats.org/officeDocument/2006/relationships" xmlns:p="http://schemas.openxmlformats.org/presentationml/2006/main">
   <p:cSld>
     <p:spTree>
@@ -1174,91 +1428,7 @@
     </p:spTree>
     <p:extLst>
       <p:ext uri="{BB962C8B-B14F-4D97-AF65-F5344CB8AC3E}">
-        <p14:creationId xmlns:p14="http://schemas.microsoft.com/office/powerpoint/2010/main" val="2709569597"/>
-      </p:ext>
-    </p:extLst>
-  </p:cSld>
-  <p:clrMapOvr>
-    <a:masterClrMapping/>
-  </p:clrMapOvr>
-</p:notes>
-</file>
-
-<file path=ppt/notesSlides/notesSlide9.xml><?xml version="1.0" encoding="utf-8"?>
-<p:notes xmlns:a="http://schemas.openxmlformats.org/drawingml/2006/main" xmlns:r="http://schemas.openxmlformats.org/officeDocument/2006/relationships" xmlns:p="http://schemas.openxmlformats.org/presentationml/2006/main">
-  <p:cSld>
-    <p:spTree>
-      <p:nvGrpSpPr>
-        <p:cNvPr id="1" name="">
-          <a:extLst>
-            <a:ext uri="{FF2B5EF4-FFF2-40B4-BE49-F238E27FC236}">
-              <a16:creationId xmlns:a16="http://schemas.microsoft.com/office/drawing/2014/main" id="{A6C63E5B-C292-859D-FB83-976D9C6E343C}"/>
-            </a:ext>
-          </a:extLst>
-        </p:cNvPr>
-        <p:cNvGrpSpPr/>
-        <p:nvPr/>
-      </p:nvGrpSpPr>
-      <p:grpSpPr>
-        <a:xfrm>
-          <a:off x="0" y="0"/>
-          <a:ext cx="0" cy="0"/>
-          <a:chOff x="0" y="0"/>
-          <a:chExt cx="0" cy="0"/>
-        </a:xfrm>
-      </p:grpSpPr>
-      <p:sp>
-        <p:nvSpPr>
-          <p:cNvPr id="2" name="Espaço Reservado para Imagem de Slide 1">
-            <a:extLst>
-              <a:ext uri="{FF2B5EF4-FFF2-40B4-BE49-F238E27FC236}">
-                <a16:creationId xmlns:a16="http://schemas.microsoft.com/office/drawing/2014/main" id="{14E4371D-BD8E-838C-430B-89FECE90D337}"/>
-              </a:ext>
-            </a:extLst>
-          </p:cNvPr>
-          <p:cNvSpPr>
-            <a:spLocks noGrp="1" noRot="1" noChangeAspect="1"/>
-          </p:cNvSpPr>
-          <p:nvPr>
-            <p:ph type="sldImg"/>
-          </p:nvPr>
-        </p:nvSpPr>
-        <p:spPr>
-          <a:xfrm>
-            <a:off x="381000" y="685800"/>
-            <a:ext cx="6096000" cy="3429000"/>
-          </a:xfrm>
-        </p:spPr>
-      </p:sp>
-      <p:sp>
-        <p:nvSpPr>
-          <p:cNvPr id="3" name="Espaço Reservado para Anotações 2">
-            <a:extLst>
-              <a:ext uri="{FF2B5EF4-FFF2-40B4-BE49-F238E27FC236}">
-                <a16:creationId xmlns:a16="http://schemas.microsoft.com/office/drawing/2014/main" id="{F01DF927-0375-C257-C3B6-37010EA380D3}"/>
-              </a:ext>
-            </a:extLst>
-          </p:cNvPr>
-          <p:cNvSpPr>
-            <a:spLocks noGrp="1"/>
-          </p:cNvSpPr>
-          <p:nvPr>
-            <p:ph type="body" idx="1"/>
-          </p:nvPr>
-        </p:nvSpPr>
-        <p:spPr/>
-        <p:txBody>
-          <a:bodyPr/>
-          <a:lstStyle/>
-          <a:p>
-            <a:endParaRPr lang="pt-BR" dirty="0"/>
-          </a:p>
-        </p:txBody>
-      </p:sp>
-    </p:spTree>
-    <p:extLst>
-      <p:ext uri="{BB962C8B-B14F-4D97-AF65-F5344CB8AC3E}">
-        <p14:creationId xmlns:p14="http://schemas.microsoft.com/office/powerpoint/2010/main" val="3656069206"/>
+        <p14:creationId xmlns:p14="http://schemas.microsoft.com/office/powerpoint/2010/main" val="585304384"/>
       </p:ext>
     </p:extLst>
   </p:cSld>
@@ -4210,13 +4380,7 @@
   <p:cSld>
     <p:spTree>
       <p:nvGrpSpPr>
-        <p:cNvPr id="1" name="">
-          <a:extLst>
-            <a:ext uri="{FF2B5EF4-FFF2-40B4-BE49-F238E27FC236}">
-              <a16:creationId xmlns:a16="http://schemas.microsoft.com/office/drawing/2014/main" id="{2953AC7D-8CF9-A63F-57A2-D983DEB50039}"/>
-            </a:ext>
-          </a:extLst>
-        </p:cNvPr>
+        <p:cNvPr id="1" name=""/>
         <p:cNvGrpSpPr/>
         <p:nvPr/>
       </p:nvGrpSpPr>
@@ -4230,13 +4394,7 @@
       </p:grpSpPr>
       <p:sp>
         <p:nvSpPr>
-          <p:cNvPr id="6" name="Title 1">
-            <a:extLst>
-              <a:ext uri="{FF2B5EF4-FFF2-40B4-BE49-F238E27FC236}">
-                <a16:creationId xmlns:a16="http://schemas.microsoft.com/office/drawing/2014/main" id="{CC4C3A19-ED0C-1CE0-1512-03DBBA8E622A}"/>
-              </a:ext>
-            </a:extLst>
-          </p:cNvPr>
+          <p:cNvPr id="6" name="Title 1"/>
           <p:cNvSpPr>
             <a:spLocks noGrp="1"/>
           </p:cNvSpPr>
@@ -4262,7 +4420,7 @@
                   <a:srgbClr val="0070C0"/>
                 </a:solidFill>
               </a:rPr>
-              <a:t>Dinâmica</a:t>
+              <a:t>Leitura</a:t>
             </a:r>
             <a:r>
               <a:rPr lang="en-US" b="1" dirty="0">
@@ -4270,7 +4428,7 @@
                   <a:srgbClr val="0070C0"/>
                 </a:solidFill>
               </a:rPr>
-              <a:t>/</a:t>
+              <a:t> </a:t>
             </a:r>
             <a:r>
               <a:rPr lang="en-US" b="1" dirty="0" err="1">
@@ -4278,7 +4436,7 @@
                   <a:srgbClr val="0070C0"/>
                 </a:solidFill>
               </a:rPr>
-              <a:t>Atividades</a:t>
+              <a:t>Específica</a:t>
             </a:r>
             <a:endParaRPr lang="en-US" b="1" dirty="0">
               <a:solidFill>
@@ -4290,13 +4448,7 @@
       </p:sp>
       <p:sp>
         <p:nvSpPr>
-          <p:cNvPr id="8" name="Text Placeholder 2">
-            <a:extLst>
-              <a:ext uri="{FF2B5EF4-FFF2-40B4-BE49-F238E27FC236}">
-                <a16:creationId xmlns:a16="http://schemas.microsoft.com/office/drawing/2014/main" id="{B45119E1-EF11-7248-2ADA-8776A0D7E7E3}"/>
-              </a:ext>
-            </a:extLst>
-          </p:cNvPr>
+          <p:cNvPr id="8" name="Text Placeholder 2"/>
           <p:cNvSpPr>
             <a:spLocks noGrp="1"/>
           </p:cNvSpPr>
@@ -4306,8 +4458,8 @@
         </p:nvSpPr>
         <p:spPr>
           <a:xfrm>
-            <a:off x="142865" y="1035050"/>
-            <a:ext cx="8865056" cy="3994150"/>
+            <a:off x="142865" y="1200150"/>
+            <a:ext cx="8865056" cy="3737369"/>
           </a:xfrm>
         </p:spPr>
         <p:txBody>
@@ -4319,9 +4471,71 @@
             <a:pPr marL="0" indent="0" algn="just">
               <a:buNone/>
             </a:pPr>
-            <a:endParaRPr lang="pt-BR" sz="2200" dirty="0">
+            <a:r>
+              <a:rPr lang="pt-BR" sz="2200" dirty="0">
+                <a:latin typeface="Times New Roman" panose="02020603050405020304" pitchFamily="18" charset="0"/>
+                <a:cs typeface="Times New Roman" panose="02020603050405020304" pitchFamily="18" charset="0"/>
+              </a:rPr>
+              <a:t>[1] </a:t>
+            </a:r>
+            <a:r>
+              <a:rPr lang="pt-BR" sz="2200" b="1" dirty="0">
+                <a:latin typeface="Times New Roman" panose="02020603050405020304" pitchFamily="18" charset="0"/>
+                <a:cs typeface="Times New Roman" panose="02020603050405020304" pitchFamily="18" charset="0"/>
+              </a:rPr>
+              <a:t>CLP - Aplicação/Prática 1</a:t>
+            </a:r>
+            <a:r>
+              <a:rPr lang="pt-BR" sz="2200" dirty="0">
+                <a:latin typeface="Times New Roman" panose="02020603050405020304" pitchFamily="18" charset="0"/>
+                <a:cs typeface="Times New Roman" panose="02020603050405020304" pitchFamily="18" charset="0"/>
+              </a:rPr>
+              <a:t>.</a:t>
+            </a:r>
+          </a:p>
+          <a:p>
+            <a:pPr marL="0" indent="0" algn="just">
+              <a:buNone/>
+            </a:pPr>
+            <a:r>
+              <a:rPr lang="pt-BR" sz="2200" b="1" dirty="0">
+                <a:solidFill>
+                  <a:srgbClr val="FF0000"/>
+                </a:solidFill>
+                <a:latin typeface="Times New Roman" panose="02020603050405020304" pitchFamily="18" charset="0"/>
+                <a:cs typeface="Times New Roman" panose="02020603050405020304" pitchFamily="18" charset="0"/>
+              </a:rPr>
+              <a:t>Disponível em: </a:t>
+            </a:r>
+            <a:r>
+              <a:rPr lang="pt-BR" sz="2200" dirty="0">
+                <a:solidFill>
+                  <a:srgbClr val="FF0000"/>
+                </a:solidFill>
+                <a:latin typeface="Times New Roman" panose="02020603050405020304" pitchFamily="18" charset="0"/>
+                <a:cs typeface="Times New Roman" panose="02020603050405020304" pitchFamily="18" charset="0"/>
+                <a:hlinkClick r:id="rId3"/>
+              </a:rPr>
+              <a:t>https://groupmaxi.com.br/parker/produtos-omrom-plc.pdf</a:t>
+            </a:r>
+            <a:r>
+              <a:rPr lang="pt-BR" sz="2200" dirty="0">
+                <a:solidFill>
+                  <a:srgbClr val="FF0000"/>
+                </a:solidFill>
+                <a:latin typeface="Times New Roman" panose="02020603050405020304" pitchFamily="18" charset="0"/>
+                <a:cs typeface="Times New Roman" panose="02020603050405020304" pitchFamily="18" charset="0"/>
+              </a:rPr>
+              <a:t> </a:t>
+            </a:r>
+          </a:p>
+          <a:p>
+            <a:pPr marL="0" indent="0" algn="just">
+              <a:buNone/>
+            </a:pPr>
+            <a:endParaRPr lang="pt-BR" sz="2200" b="1" dirty="0">
               <a:solidFill>
-                <a:schemeClr val="tx1"/>
+                <a:srgbClr val="FF0000"/>
               </a:solidFill>
               <a:latin typeface="Times New Roman" panose="02020603050405020304" pitchFamily="18" charset="0"/>
               <a:cs typeface="Times New Roman" panose="02020603050405020304" pitchFamily="18" charset="0"/>
@@ -4331,10 +4545,7 @@
             <a:pPr marL="0" indent="0" algn="just">
               <a:buNone/>
             </a:pPr>
-            <a:endParaRPr lang="pt-BR" sz="2200" dirty="0">
-              <a:solidFill>
-                <a:schemeClr val="tx1"/>
-              </a:solidFill>
+            <a:endParaRPr lang="pt-BR" sz="2200">
               <a:latin typeface="Times New Roman" panose="02020603050405020304" pitchFamily="18" charset="0"/>
               <a:cs typeface="Times New Roman" panose="02020603050405020304" pitchFamily="18" charset="0"/>
             </a:endParaRPr>
@@ -4344,9 +4555,6 @@
               <a:buNone/>
             </a:pPr>
             <a:endParaRPr lang="pt-BR" sz="2200" dirty="0">
-              <a:solidFill>
-                <a:schemeClr val="tx1"/>
-              </a:solidFill>
               <a:latin typeface="Times New Roman" panose="02020603050405020304" pitchFamily="18" charset="0"/>
               <a:cs typeface="Times New Roman" panose="02020603050405020304" pitchFamily="18" charset="0"/>
             </a:endParaRPr>
@@ -4357,21 +4565,71 @@
             </a:pPr>
             <a:r>
               <a:rPr lang="pt-BR" sz="2200" dirty="0">
-                <a:solidFill>
-                  <a:schemeClr val="tx1"/>
-                </a:solidFill>
-                <a:latin typeface="Times New Roman" panose="02020603050405020304" pitchFamily="18" charset="0"/>
-                <a:cs typeface="Times New Roman" panose="02020603050405020304" pitchFamily="18" charset="0"/>
-              </a:rPr>
-              <a:t>Os alunos deverão pesquisar e montar um roteiro de prática com LADDER para ser aplicado no Laboratório de Circuitos Elétricos.</a:t>
-            </a:r>
+                <a:latin typeface="Times New Roman" panose="02020603050405020304" pitchFamily="18" charset="0"/>
+                <a:cs typeface="Times New Roman" panose="02020603050405020304" pitchFamily="18" charset="0"/>
+              </a:rPr>
+              <a:t>[2] </a:t>
+            </a:r>
+            <a:r>
+              <a:rPr lang="pt-BR" sz="2200" b="1" dirty="0">
+                <a:latin typeface="Times New Roman" panose="02020603050405020304" pitchFamily="18" charset="0"/>
+                <a:cs typeface="Times New Roman" panose="02020603050405020304" pitchFamily="18" charset="0"/>
+              </a:rPr>
+              <a:t>CLP - Aplicação/Prática 2</a:t>
+            </a:r>
+            <a:r>
+              <a:rPr lang="pt-BR" sz="2200" dirty="0">
+                <a:latin typeface="Times New Roman" panose="02020603050405020304" pitchFamily="18" charset="0"/>
+                <a:cs typeface="Times New Roman" panose="02020603050405020304" pitchFamily="18" charset="0"/>
+              </a:rPr>
+              <a:t>. </a:t>
+            </a:r>
+          </a:p>
+          <a:p>
+            <a:pPr marL="0" indent="0" algn="just">
+              <a:buNone/>
+            </a:pPr>
+            <a:r>
+              <a:rPr lang="pt-BR" sz="2200" b="1" dirty="0">
+                <a:solidFill>
+                  <a:srgbClr val="FF0000"/>
+                </a:solidFill>
+                <a:latin typeface="Times New Roman" panose="02020603050405020304" pitchFamily="18" charset="0"/>
+                <a:cs typeface="Times New Roman" panose="02020603050405020304" pitchFamily="18" charset="0"/>
+              </a:rPr>
+              <a:t>Disponível em: </a:t>
+            </a:r>
+            <a:r>
+              <a:rPr lang="pt-BR" sz="2200" dirty="0">
+                <a:solidFill>
+                  <a:srgbClr val="FF0000"/>
+                </a:solidFill>
+                <a:latin typeface="Times New Roman" panose="02020603050405020304" pitchFamily="18" charset="0"/>
+                <a:cs typeface="Times New Roman" panose="02020603050405020304" pitchFamily="18" charset="0"/>
+                <a:hlinkClick r:id="rId4"/>
+              </a:rPr>
+              <a:t>http://repositorio.ifba.edu.br/jspui/handle/123456789/603</a:t>
+            </a:r>
+            <a:r>
+              <a:rPr lang="pt-BR" sz="2200" dirty="0">
+                <a:solidFill>
+                  <a:srgbClr val="FF0000"/>
+                </a:solidFill>
+                <a:latin typeface="Times New Roman" panose="02020603050405020304" pitchFamily="18" charset="0"/>
+                <a:cs typeface="Times New Roman" panose="02020603050405020304" pitchFamily="18" charset="0"/>
+              </a:rPr>
+              <a:t>  </a:t>
+            </a:r>
+            <a:endParaRPr lang="pt-BR" sz="2200" dirty="0">
+              <a:latin typeface="Calibri" panose="020F0502020204030204" pitchFamily="34" charset="0"/>
+            </a:endParaRPr>
           </a:p>
         </p:txBody>
       </p:sp>
     </p:spTree>
     <p:extLst>
       <p:ext uri="{BB962C8B-B14F-4D97-AF65-F5344CB8AC3E}">
-        <p14:creationId xmlns:p14="http://schemas.microsoft.com/office/powerpoint/2010/main" val="2976682751"/>
+        <p14:creationId xmlns:p14="http://schemas.microsoft.com/office/powerpoint/2010/main" val="3680270425"/>
       </p:ext>
     </p:extLst>
   </p:cSld>
@@ -4427,6 +4685,723 @@
                   <a:srgbClr val="0070C0"/>
                 </a:solidFill>
               </a:rPr>
+              <a:t>Aprenda</a:t>
+            </a:r>
+            <a:r>
+              <a:rPr lang="en-US" b="1" dirty="0">
+                <a:solidFill>
+                  <a:srgbClr val="0070C0"/>
+                </a:solidFill>
+              </a:rPr>
+              <a:t>+</a:t>
+            </a:r>
+          </a:p>
+        </p:txBody>
+      </p:sp>
+      <p:sp>
+        <p:nvSpPr>
+          <p:cNvPr id="8" name="Text Placeholder 2"/>
+          <p:cNvSpPr>
+            <a:spLocks noGrp="1"/>
+          </p:cNvSpPr>
+          <p:nvPr>
+            <p:ph type="body" sz="half" idx="1"/>
+          </p:nvPr>
+        </p:nvSpPr>
+        <p:spPr>
+          <a:xfrm>
+            <a:off x="142865" y="1052233"/>
+            <a:ext cx="8865056" cy="3990414"/>
+          </a:xfrm>
+        </p:spPr>
+        <p:txBody>
+          <a:bodyPr>
+            <a:noAutofit/>
+          </a:bodyPr>
+          <a:lstStyle/>
+          <a:p>
+            <a:pPr marL="0" indent="0" algn="just">
+              <a:buNone/>
+            </a:pPr>
+            <a:r>
+              <a:rPr lang="pt-BR" sz="2000" dirty="0">
+                <a:latin typeface="Times New Roman" panose="02020603050405020304" pitchFamily="18" charset="0"/>
+                <a:cs typeface="Times New Roman" panose="02020603050405020304" pitchFamily="18" charset="0"/>
+              </a:rPr>
+              <a:t>[1] </a:t>
+            </a:r>
+            <a:r>
+              <a:rPr lang="pt-BR" sz="2000" b="1" dirty="0">
+                <a:latin typeface="Times New Roman" panose="02020603050405020304" pitchFamily="18" charset="0"/>
+                <a:cs typeface="Times New Roman" panose="02020603050405020304" pitchFamily="18" charset="0"/>
+              </a:rPr>
+              <a:t>CLP - Aplicação/Prática 1.</a:t>
+            </a:r>
+          </a:p>
+          <a:p>
+            <a:pPr marL="0" indent="0" algn="just">
+              <a:buNone/>
+            </a:pPr>
+            <a:r>
+              <a:rPr lang="pt-BR" sz="2000" b="1" dirty="0">
+                <a:solidFill>
+                  <a:srgbClr val="FF0000"/>
+                </a:solidFill>
+                <a:latin typeface="Times New Roman" panose="02020603050405020304" pitchFamily="18" charset="0"/>
+                <a:cs typeface="Times New Roman" panose="02020603050405020304" pitchFamily="18" charset="0"/>
+              </a:rPr>
+              <a:t>Disponível em: </a:t>
+            </a:r>
+            <a:r>
+              <a:rPr lang="pt-BR" sz="2000" dirty="0">
+                <a:solidFill>
+                  <a:srgbClr val="FF0000"/>
+                </a:solidFill>
+                <a:latin typeface="Times New Roman" panose="02020603050405020304" pitchFamily="18" charset="0"/>
+                <a:cs typeface="Times New Roman" panose="02020603050405020304" pitchFamily="18" charset="0"/>
+                <a:hlinkClick r:id="rId3"/>
+              </a:rPr>
+              <a:t>https://youtu.be/HbMCIrJxFiw</a:t>
+            </a:r>
+            <a:r>
+              <a:rPr lang="pt-BR" sz="2000" dirty="0">
+                <a:solidFill>
+                  <a:srgbClr val="FF0000"/>
+                </a:solidFill>
+                <a:latin typeface="Times New Roman" panose="02020603050405020304" pitchFamily="18" charset="0"/>
+                <a:cs typeface="Times New Roman" panose="02020603050405020304" pitchFamily="18" charset="0"/>
+              </a:rPr>
+              <a:t> </a:t>
+            </a:r>
+            <a:endParaRPr lang="pt-BR" sz="2000" dirty="0">
+              <a:latin typeface="Times New Roman" panose="02020603050405020304" pitchFamily="18" charset="0"/>
+              <a:cs typeface="Times New Roman" panose="02020603050405020304" pitchFamily="18" charset="0"/>
+            </a:endParaRPr>
+          </a:p>
+          <a:p>
+            <a:pPr marL="0" indent="0" algn="just">
+              <a:buNone/>
+            </a:pPr>
+            <a:r>
+              <a:rPr lang="pt-BR" sz="2000" dirty="0">
+                <a:latin typeface="Times New Roman" panose="02020603050405020304" pitchFamily="18" charset="0"/>
+                <a:cs typeface="Times New Roman" panose="02020603050405020304" pitchFamily="18" charset="0"/>
+              </a:rPr>
+              <a:t>[2] </a:t>
+            </a:r>
+            <a:r>
+              <a:rPr lang="pt-BR" sz="2000" b="1" dirty="0">
+                <a:latin typeface="Times New Roman" panose="02020603050405020304" pitchFamily="18" charset="0"/>
+                <a:cs typeface="Times New Roman" panose="02020603050405020304" pitchFamily="18" charset="0"/>
+              </a:rPr>
+              <a:t>CLP - Aplicação/Prática 2.</a:t>
+            </a:r>
+          </a:p>
+          <a:p>
+            <a:pPr marL="0" indent="0" algn="just">
+              <a:buNone/>
+            </a:pPr>
+            <a:r>
+              <a:rPr lang="pt-BR" sz="2000" b="1" dirty="0">
+                <a:solidFill>
+                  <a:srgbClr val="FF0000"/>
+                </a:solidFill>
+                <a:latin typeface="Times New Roman" panose="02020603050405020304" pitchFamily="18" charset="0"/>
+                <a:cs typeface="Times New Roman" panose="02020603050405020304" pitchFamily="18" charset="0"/>
+              </a:rPr>
+              <a:t>Disponível em: </a:t>
+            </a:r>
+            <a:r>
+              <a:rPr lang="pt-BR" sz="2000" dirty="0">
+                <a:solidFill>
+                  <a:srgbClr val="FF0000"/>
+                </a:solidFill>
+                <a:latin typeface="Times New Roman" panose="02020603050405020304" pitchFamily="18" charset="0"/>
+                <a:cs typeface="Times New Roman" panose="02020603050405020304" pitchFamily="18" charset="0"/>
+                <a:hlinkClick r:id="rId4"/>
+              </a:rPr>
+              <a:t>https://youtu.be/3vtTGEXRJkk</a:t>
+            </a:r>
+            <a:r>
+              <a:rPr lang="pt-BR" sz="2000" dirty="0">
+                <a:solidFill>
+                  <a:srgbClr val="FF0000"/>
+                </a:solidFill>
+                <a:latin typeface="Times New Roman" panose="02020603050405020304" pitchFamily="18" charset="0"/>
+                <a:cs typeface="Times New Roman" panose="02020603050405020304" pitchFamily="18" charset="0"/>
+              </a:rPr>
+              <a:t> </a:t>
+            </a:r>
+          </a:p>
+          <a:p>
+            <a:pPr marL="0" indent="0" algn="just">
+              <a:buNone/>
+            </a:pPr>
+            <a:r>
+              <a:rPr lang="pt-BR" sz="2000" dirty="0">
+                <a:latin typeface="Times New Roman" panose="02020603050405020304" pitchFamily="18" charset="0"/>
+                <a:cs typeface="Times New Roman" panose="02020603050405020304" pitchFamily="18" charset="0"/>
+              </a:rPr>
+              <a:t>[3] </a:t>
+            </a:r>
+            <a:r>
+              <a:rPr lang="pt-BR" sz="2000" b="1" dirty="0">
+                <a:latin typeface="Times New Roman" panose="02020603050405020304" pitchFamily="18" charset="0"/>
+                <a:cs typeface="Times New Roman" panose="02020603050405020304" pitchFamily="18" charset="0"/>
+              </a:rPr>
+              <a:t>CLP - Aplicação/Prática 3 (</a:t>
+            </a:r>
+            <a:r>
+              <a:rPr lang="pt-BR" sz="2000" b="1" dirty="0">
+                <a:solidFill>
+                  <a:srgbClr val="FF0000"/>
+                </a:solidFill>
+                <a:latin typeface="Times New Roman" panose="02020603050405020304" pitchFamily="18" charset="0"/>
+                <a:cs typeface="Times New Roman" panose="02020603050405020304" pitchFamily="18" charset="0"/>
+              </a:rPr>
+              <a:t>Inglês</a:t>
+            </a:r>
+            <a:r>
+              <a:rPr lang="pt-BR" sz="2000" b="1" dirty="0">
+                <a:latin typeface="Times New Roman" panose="02020603050405020304" pitchFamily="18" charset="0"/>
+                <a:cs typeface="Times New Roman" panose="02020603050405020304" pitchFamily="18" charset="0"/>
+              </a:rPr>
+              <a:t>).</a:t>
+            </a:r>
+          </a:p>
+          <a:p>
+            <a:pPr marL="0" indent="0" algn="just">
+              <a:buNone/>
+            </a:pPr>
+            <a:r>
+              <a:rPr lang="pt-BR" sz="2000" b="1" dirty="0">
+                <a:solidFill>
+                  <a:srgbClr val="FF0000"/>
+                </a:solidFill>
+                <a:latin typeface="Times New Roman" panose="02020603050405020304" pitchFamily="18" charset="0"/>
+                <a:cs typeface="Times New Roman" panose="02020603050405020304" pitchFamily="18" charset="0"/>
+              </a:rPr>
+              <a:t>Disponível em: </a:t>
+            </a:r>
+            <a:r>
+              <a:rPr lang="pt-BR" sz="2000" dirty="0">
+                <a:solidFill>
+                  <a:srgbClr val="FF0000"/>
+                </a:solidFill>
+                <a:latin typeface="Times New Roman" panose="02020603050405020304" pitchFamily="18" charset="0"/>
+                <a:cs typeface="Times New Roman" panose="02020603050405020304" pitchFamily="18" charset="0"/>
+                <a:hlinkClick r:id="rId5"/>
+              </a:rPr>
+              <a:t>https://youtu.be/1WQ70KJu6EY</a:t>
+            </a:r>
+            <a:r>
+              <a:rPr lang="pt-BR" sz="2000" dirty="0">
+                <a:solidFill>
+                  <a:srgbClr val="FF0000"/>
+                </a:solidFill>
+                <a:latin typeface="Times New Roman" panose="02020603050405020304" pitchFamily="18" charset="0"/>
+                <a:cs typeface="Times New Roman" panose="02020603050405020304" pitchFamily="18" charset="0"/>
+              </a:rPr>
+              <a:t> </a:t>
+            </a:r>
+          </a:p>
+          <a:p>
+            <a:pPr marL="0" indent="0" algn="just">
+              <a:buNone/>
+            </a:pPr>
+            <a:r>
+              <a:rPr lang="pt-BR" sz="2000" dirty="0">
+                <a:latin typeface="Times New Roman" panose="02020603050405020304" pitchFamily="18" charset="0"/>
+                <a:cs typeface="Times New Roman" panose="02020603050405020304" pitchFamily="18" charset="0"/>
+              </a:rPr>
+              <a:t>[4] </a:t>
+            </a:r>
+            <a:r>
+              <a:rPr lang="pt-BR" sz="2000" b="1" dirty="0">
+                <a:latin typeface="Times New Roman" panose="02020603050405020304" pitchFamily="18" charset="0"/>
+                <a:cs typeface="Times New Roman" panose="02020603050405020304" pitchFamily="18" charset="0"/>
+              </a:rPr>
+              <a:t>CLP - Aplicação/Prática 4 (</a:t>
+            </a:r>
+            <a:r>
+              <a:rPr lang="pt-BR" sz="2000" b="1" dirty="0">
+                <a:solidFill>
+                  <a:srgbClr val="FF0000"/>
+                </a:solidFill>
+                <a:latin typeface="Times New Roman" panose="02020603050405020304" pitchFamily="18" charset="0"/>
+                <a:cs typeface="Times New Roman" panose="02020603050405020304" pitchFamily="18" charset="0"/>
+              </a:rPr>
+              <a:t>Inglês</a:t>
+            </a:r>
+            <a:r>
+              <a:rPr lang="pt-BR" sz="2000" b="1" dirty="0">
+                <a:latin typeface="Times New Roman" panose="02020603050405020304" pitchFamily="18" charset="0"/>
+                <a:cs typeface="Times New Roman" panose="02020603050405020304" pitchFamily="18" charset="0"/>
+              </a:rPr>
+              <a:t>).</a:t>
+            </a:r>
+          </a:p>
+          <a:p>
+            <a:pPr marL="0" indent="0" algn="just">
+              <a:buNone/>
+            </a:pPr>
+            <a:r>
+              <a:rPr lang="pt-BR" sz="2000" b="1" dirty="0">
+                <a:solidFill>
+                  <a:srgbClr val="FF0000"/>
+                </a:solidFill>
+                <a:latin typeface="Times New Roman" panose="02020603050405020304" pitchFamily="18" charset="0"/>
+                <a:cs typeface="Times New Roman" panose="02020603050405020304" pitchFamily="18" charset="0"/>
+              </a:rPr>
+              <a:t>Disponível em: </a:t>
+            </a:r>
+            <a:r>
+              <a:rPr lang="pt-BR" sz="2000" dirty="0">
+                <a:solidFill>
+                  <a:srgbClr val="FF0000"/>
+                </a:solidFill>
+                <a:latin typeface="Times New Roman" panose="02020603050405020304" pitchFamily="18" charset="0"/>
+                <a:cs typeface="Times New Roman" panose="02020603050405020304" pitchFamily="18" charset="0"/>
+                <a:hlinkClick r:id="rId6"/>
+              </a:rPr>
+              <a:t>https://youtu.be/CM6DntkoYyQ</a:t>
+            </a:r>
+            <a:r>
+              <a:rPr lang="pt-BR" sz="2000" dirty="0">
+                <a:solidFill>
+                  <a:srgbClr val="FF0000"/>
+                </a:solidFill>
+                <a:latin typeface="Times New Roman" panose="02020603050405020304" pitchFamily="18" charset="0"/>
+                <a:cs typeface="Times New Roman" panose="02020603050405020304" pitchFamily="18" charset="0"/>
+              </a:rPr>
+              <a:t> </a:t>
+            </a:r>
+          </a:p>
+          <a:p>
+            <a:pPr marL="0" indent="0" algn="just">
+              <a:buNone/>
+            </a:pPr>
+            <a:r>
+              <a:rPr lang="pt-BR" sz="2000" dirty="0">
+                <a:latin typeface="Times New Roman" panose="02020603050405020304" pitchFamily="18" charset="0"/>
+                <a:cs typeface="Times New Roman" panose="02020603050405020304" pitchFamily="18" charset="0"/>
+              </a:rPr>
+              <a:t>[5] </a:t>
+            </a:r>
+            <a:r>
+              <a:rPr lang="pt-BR" sz="2000" b="1" dirty="0">
+                <a:latin typeface="Times New Roman" panose="02020603050405020304" pitchFamily="18" charset="0"/>
+                <a:cs typeface="Times New Roman" panose="02020603050405020304" pitchFamily="18" charset="0"/>
+              </a:rPr>
+              <a:t>CLP - Aplicação/Prática 5 (</a:t>
+            </a:r>
+            <a:r>
+              <a:rPr lang="pt-BR" sz="2000" b="1" dirty="0">
+                <a:solidFill>
+                  <a:srgbClr val="FF0000"/>
+                </a:solidFill>
+                <a:latin typeface="Times New Roman" panose="02020603050405020304" pitchFamily="18" charset="0"/>
+                <a:cs typeface="Times New Roman" panose="02020603050405020304" pitchFamily="18" charset="0"/>
+              </a:rPr>
+              <a:t>Inglês</a:t>
+            </a:r>
+            <a:r>
+              <a:rPr lang="pt-BR" sz="2000" b="1" dirty="0">
+                <a:latin typeface="Times New Roman" panose="02020603050405020304" pitchFamily="18" charset="0"/>
+                <a:cs typeface="Times New Roman" panose="02020603050405020304" pitchFamily="18" charset="0"/>
+              </a:rPr>
+              <a:t>).</a:t>
+            </a:r>
+          </a:p>
+          <a:p>
+            <a:pPr marL="0" indent="0" algn="just">
+              <a:buNone/>
+            </a:pPr>
+            <a:r>
+              <a:rPr lang="pt-BR" sz="2000" b="1" dirty="0">
+                <a:solidFill>
+                  <a:srgbClr val="FF0000"/>
+                </a:solidFill>
+                <a:latin typeface="Times New Roman" panose="02020603050405020304" pitchFamily="18" charset="0"/>
+                <a:cs typeface="Times New Roman" panose="02020603050405020304" pitchFamily="18" charset="0"/>
+              </a:rPr>
+              <a:t>Disponível em: </a:t>
+            </a:r>
+            <a:r>
+              <a:rPr lang="pt-BR" sz="2000" dirty="0">
+                <a:solidFill>
+                  <a:srgbClr val="FF0000"/>
+                </a:solidFill>
+                <a:latin typeface="Times New Roman" panose="02020603050405020304" pitchFamily="18" charset="0"/>
+                <a:cs typeface="Times New Roman" panose="02020603050405020304" pitchFamily="18" charset="0"/>
+                <a:hlinkClick r:id="rId7"/>
+              </a:rPr>
+              <a:t>https://youtu.be/wN9cKSTeedM</a:t>
+            </a:r>
+            <a:r>
+              <a:rPr lang="pt-BR" sz="2000" dirty="0">
+                <a:solidFill>
+                  <a:srgbClr val="FF0000"/>
+                </a:solidFill>
+                <a:latin typeface="Times New Roman" panose="02020603050405020304" pitchFamily="18" charset="0"/>
+                <a:cs typeface="Times New Roman" panose="02020603050405020304" pitchFamily="18" charset="0"/>
+              </a:rPr>
+              <a:t> </a:t>
+            </a:r>
+            <a:endParaRPr lang="pt-BR" sz="2000" dirty="0">
+              <a:latin typeface="Times New Roman" panose="02020603050405020304" pitchFamily="18" charset="0"/>
+              <a:cs typeface="Times New Roman" panose="02020603050405020304" pitchFamily="18" charset="0"/>
+            </a:endParaRPr>
+          </a:p>
+        </p:txBody>
+      </p:sp>
+    </p:spTree>
+    <p:extLst>
+      <p:ext uri="{BB962C8B-B14F-4D97-AF65-F5344CB8AC3E}">
+        <p14:creationId xmlns:p14="http://schemas.microsoft.com/office/powerpoint/2010/main" val="2747596967"/>
+      </p:ext>
+    </p:extLst>
+  </p:cSld>
+  <p:clrMapOvr>
+    <a:masterClrMapping/>
+  </p:clrMapOvr>
+  <p:transition spd="med"/>
+</p:sld>
+</file>
+
+<file path=ppt/slides/slide12.xml><?xml version="1.0" encoding="utf-8"?>
+<p:sld xmlns:a="http://schemas.openxmlformats.org/drawingml/2006/main" xmlns:r="http://schemas.openxmlformats.org/officeDocument/2006/relationships" xmlns:p="http://schemas.openxmlformats.org/presentationml/2006/main">
+  <p:cSld>
+    <p:spTree>
+      <p:nvGrpSpPr>
+        <p:cNvPr id="1" name="">
+          <a:extLst>
+            <a:ext uri="{FF2B5EF4-FFF2-40B4-BE49-F238E27FC236}">
+              <a16:creationId xmlns:a16="http://schemas.microsoft.com/office/drawing/2014/main" id="{2953AC7D-8CF9-A63F-57A2-D983DEB50039}"/>
+            </a:ext>
+          </a:extLst>
+        </p:cNvPr>
+        <p:cNvGrpSpPr/>
+        <p:nvPr/>
+      </p:nvGrpSpPr>
+      <p:grpSpPr>
+        <a:xfrm>
+          <a:off x="0" y="0"/>
+          <a:ext cx="0" cy="0"/>
+          <a:chOff x="0" y="0"/>
+          <a:chExt cx="0" cy="0"/>
+        </a:xfrm>
+      </p:grpSpPr>
+      <p:sp>
+        <p:nvSpPr>
+          <p:cNvPr id="6" name="Title 1">
+            <a:extLst>
+              <a:ext uri="{FF2B5EF4-FFF2-40B4-BE49-F238E27FC236}">
+                <a16:creationId xmlns:a16="http://schemas.microsoft.com/office/drawing/2014/main" id="{CC4C3A19-ED0C-1CE0-1512-03DBBA8E622A}"/>
+              </a:ext>
+            </a:extLst>
+          </p:cNvPr>
+          <p:cNvSpPr>
+            <a:spLocks noGrp="1"/>
+          </p:cNvSpPr>
+          <p:nvPr>
+            <p:ph type="title"/>
+          </p:nvPr>
+        </p:nvSpPr>
+        <p:spPr>
+          <a:xfrm>
+            <a:off x="457200" y="205980"/>
+            <a:ext cx="8229600" cy="857251"/>
+          </a:xfrm>
+        </p:spPr>
+        <p:txBody>
+          <a:bodyPr>
+            <a:normAutofit/>
+          </a:bodyPr>
+          <a:lstStyle/>
+          <a:p>
+            <a:r>
+              <a:rPr lang="en-US" b="1" dirty="0" err="1">
+                <a:solidFill>
+                  <a:srgbClr val="0070C0"/>
+                </a:solidFill>
+              </a:rPr>
+              <a:t>Dinâmica</a:t>
+            </a:r>
+            <a:r>
+              <a:rPr lang="en-US" b="1" dirty="0">
+                <a:solidFill>
+                  <a:srgbClr val="0070C0"/>
+                </a:solidFill>
+              </a:rPr>
+              <a:t>/</a:t>
+            </a:r>
+            <a:r>
+              <a:rPr lang="en-US" b="1" dirty="0" err="1">
+                <a:solidFill>
+                  <a:srgbClr val="0070C0"/>
+                </a:solidFill>
+              </a:rPr>
+              <a:t>Atividades</a:t>
+            </a:r>
+            <a:endParaRPr lang="en-US" b="1" dirty="0">
+              <a:solidFill>
+                <a:srgbClr val="0070C0"/>
+              </a:solidFill>
+            </a:endParaRPr>
+          </a:p>
+        </p:txBody>
+      </p:sp>
+      <p:sp>
+        <p:nvSpPr>
+          <p:cNvPr id="8" name="Text Placeholder 2">
+            <a:extLst>
+              <a:ext uri="{FF2B5EF4-FFF2-40B4-BE49-F238E27FC236}">
+                <a16:creationId xmlns:a16="http://schemas.microsoft.com/office/drawing/2014/main" id="{B45119E1-EF11-7248-2ADA-8776A0D7E7E3}"/>
+              </a:ext>
+            </a:extLst>
+          </p:cNvPr>
+          <p:cNvSpPr>
+            <a:spLocks noGrp="1"/>
+          </p:cNvSpPr>
+          <p:nvPr>
+            <p:ph type="body" sz="half" idx="1"/>
+          </p:nvPr>
+        </p:nvSpPr>
+        <p:spPr>
+          <a:xfrm>
+            <a:off x="142865" y="1035050"/>
+            <a:ext cx="8865056" cy="3994150"/>
+          </a:xfrm>
+        </p:spPr>
+        <p:txBody>
+          <a:bodyPr>
+            <a:noAutofit/>
+          </a:bodyPr>
+          <a:lstStyle/>
+          <a:p>
+            <a:pPr marL="0" indent="0">
+              <a:buNone/>
+            </a:pPr>
+            <a:r>
+              <a:rPr lang="pt-BR" sz="2200" b="1" dirty="0">
+                <a:solidFill>
+                  <a:srgbClr val="0070C0"/>
+                </a:solidFill>
+                <a:latin typeface="Times New Roman" panose="02020603050405020304" pitchFamily="18" charset="0"/>
+                <a:cs typeface="Times New Roman" panose="02020603050405020304" pitchFamily="18" charset="0"/>
+              </a:rPr>
+              <a:t>Atenção: Configuração do Circuito</a:t>
+            </a:r>
+          </a:p>
+          <a:p>
+            <a:pPr marL="457200" indent="-457200" algn="just">
+              <a:buAutoNum type="arabicPeriod"/>
+            </a:pPr>
+            <a:r>
+              <a:rPr lang="pt-BR" sz="2200" b="1" dirty="0">
+                <a:solidFill>
+                  <a:schemeClr val="tx1"/>
+                </a:solidFill>
+                <a:latin typeface="Times New Roman" panose="02020603050405020304" pitchFamily="18" charset="0"/>
+                <a:cs typeface="Times New Roman" panose="02020603050405020304" pitchFamily="18" charset="0"/>
+              </a:rPr>
+              <a:t>NPN sensor </a:t>
+            </a:r>
+            <a:r>
+              <a:rPr lang="pt-BR" sz="2200" b="1" dirty="0" err="1">
+                <a:solidFill>
+                  <a:schemeClr val="tx1"/>
+                </a:solidFill>
+                <a:latin typeface="Times New Roman" panose="02020603050405020304" pitchFamily="18" charset="0"/>
+                <a:cs typeface="Times New Roman" panose="02020603050405020304" pitchFamily="18" charset="0"/>
+              </a:rPr>
+              <a:t>Sinking</a:t>
+            </a:r>
+            <a:r>
+              <a:rPr lang="pt-BR" sz="2200" b="1" dirty="0">
+                <a:solidFill>
+                  <a:schemeClr val="tx1"/>
+                </a:solidFill>
+                <a:latin typeface="Times New Roman" panose="02020603050405020304" pitchFamily="18" charset="0"/>
+                <a:cs typeface="Times New Roman" panose="02020603050405020304" pitchFamily="18" charset="0"/>
+              </a:rPr>
+              <a:t> -&gt; CLP Fonte </a:t>
+            </a:r>
+            <a:r>
+              <a:rPr lang="pt-BR" sz="2200" b="1" dirty="0" err="1">
+                <a:solidFill>
+                  <a:schemeClr val="tx1"/>
+                </a:solidFill>
+                <a:latin typeface="Times New Roman" panose="02020603050405020304" pitchFamily="18" charset="0"/>
+                <a:cs typeface="Times New Roman" panose="02020603050405020304" pitchFamily="18" charset="0"/>
+              </a:rPr>
+              <a:t>Sourcing</a:t>
+            </a:r>
+            <a:r>
+              <a:rPr lang="pt-BR" sz="2200" b="1" dirty="0">
+                <a:solidFill>
+                  <a:schemeClr val="tx1"/>
+                </a:solidFill>
+                <a:latin typeface="Times New Roman" panose="02020603050405020304" pitchFamily="18" charset="0"/>
+                <a:cs typeface="Times New Roman" panose="02020603050405020304" pitchFamily="18" charset="0"/>
+              </a:rPr>
+              <a:t> (+) M</a:t>
+            </a:r>
+          </a:p>
+          <a:p>
+            <a:pPr marL="457200" indent="-457200" algn="just">
+              <a:buAutoNum type="arabicPeriod"/>
+            </a:pPr>
+            <a:r>
+              <a:rPr lang="pt-BR" sz="2200" b="1" dirty="0">
+                <a:solidFill>
+                  <a:srgbClr val="FF0000"/>
+                </a:solidFill>
+                <a:latin typeface="Times New Roman" panose="02020603050405020304" pitchFamily="18" charset="0"/>
+                <a:cs typeface="Times New Roman" panose="02020603050405020304" pitchFamily="18" charset="0"/>
+              </a:rPr>
+              <a:t>PNP  sensor </a:t>
+            </a:r>
+            <a:r>
+              <a:rPr lang="pt-BR" sz="2200" b="1" dirty="0" err="1">
+                <a:solidFill>
+                  <a:srgbClr val="FF0000"/>
+                </a:solidFill>
+                <a:latin typeface="Times New Roman" panose="02020603050405020304" pitchFamily="18" charset="0"/>
+                <a:cs typeface="Times New Roman" panose="02020603050405020304" pitchFamily="18" charset="0"/>
+              </a:rPr>
+              <a:t>Sourcing</a:t>
+            </a:r>
+            <a:r>
+              <a:rPr lang="pt-BR" sz="2200" b="1" dirty="0">
+                <a:solidFill>
+                  <a:srgbClr val="FF0000"/>
+                </a:solidFill>
+                <a:latin typeface="Times New Roman" panose="02020603050405020304" pitchFamily="18" charset="0"/>
+                <a:cs typeface="Times New Roman" panose="02020603050405020304" pitchFamily="18" charset="0"/>
+              </a:rPr>
+              <a:t> -&gt; CLP Fonte </a:t>
+            </a:r>
+            <a:r>
+              <a:rPr lang="pt-BR" sz="2200" b="1" dirty="0" err="1">
+                <a:solidFill>
+                  <a:srgbClr val="FF0000"/>
+                </a:solidFill>
+                <a:latin typeface="Times New Roman" panose="02020603050405020304" pitchFamily="18" charset="0"/>
+                <a:cs typeface="Times New Roman" panose="02020603050405020304" pitchFamily="18" charset="0"/>
+              </a:rPr>
+              <a:t>Sinking</a:t>
+            </a:r>
+            <a:r>
+              <a:rPr lang="pt-BR" sz="2200" b="1" dirty="0">
+                <a:solidFill>
+                  <a:srgbClr val="FF0000"/>
+                </a:solidFill>
+                <a:latin typeface="Times New Roman" panose="02020603050405020304" pitchFamily="18" charset="0"/>
+                <a:cs typeface="Times New Roman" panose="02020603050405020304" pitchFamily="18" charset="0"/>
+              </a:rPr>
+              <a:t> (-) M</a:t>
+            </a:r>
+          </a:p>
+          <a:p>
+            <a:pPr marL="0" indent="0" algn="just">
+              <a:buNone/>
+            </a:pPr>
+            <a:endParaRPr lang="pt-BR" sz="2200" dirty="0">
+              <a:solidFill>
+                <a:schemeClr val="tx1"/>
+              </a:solidFill>
+              <a:latin typeface="Times New Roman" panose="02020603050405020304" pitchFamily="18" charset="0"/>
+              <a:cs typeface="Times New Roman" panose="02020603050405020304" pitchFamily="18" charset="0"/>
+            </a:endParaRPr>
+          </a:p>
+          <a:p>
+            <a:pPr marL="0" indent="0" algn="just">
+              <a:buNone/>
+            </a:pPr>
+            <a:r>
+              <a:rPr lang="pt-BR" sz="2200">
+                <a:solidFill>
+                  <a:schemeClr val="tx1"/>
+                </a:solidFill>
+                <a:latin typeface="Times New Roman" panose="02020603050405020304" pitchFamily="18" charset="0"/>
+                <a:cs typeface="Times New Roman" panose="02020603050405020304" pitchFamily="18" charset="0"/>
+              </a:rPr>
+              <a:t>Os </a:t>
+            </a:r>
+            <a:r>
+              <a:rPr lang="pt-BR" sz="2200" dirty="0">
+                <a:solidFill>
+                  <a:schemeClr val="tx1"/>
+                </a:solidFill>
+                <a:latin typeface="Times New Roman" panose="02020603050405020304" pitchFamily="18" charset="0"/>
+                <a:cs typeface="Times New Roman" panose="02020603050405020304" pitchFamily="18" charset="0"/>
+              </a:rPr>
+              <a:t>alunos deverão pesquisar e montar um roteiro de prática com LADDER para ser aplicado no Laboratório de Circuitos Elétricos.</a:t>
+            </a:r>
+          </a:p>
+        </p:txBody>
+      </p:sp>
+    </p:spTree>
+    <p:extLst>
+      <p:ext uri="{BB962C8B-B14F-4D97-AF65-F5344CB8AC3E}">
+        <p14:creationId xmlns:p14="http://schemas.microsoft.com/office/powerpoint/2010/main" val="2976682751"/>
+      </p:ext>
+    </p:extLst>
+  </p:cSld>
+  <p:clrMapOvr>
+    <a:masterClrMapping/>
+  </p:clrMapOvr>
+  <p:transition spd="med"/>
+</p:sld>
+</file>
+
+<file path=ppt/slides/slide13.xml><?xml version="1.0" encoding="utf-8"?>
+<p:sld xmlns:a="http://schemas.openxmlformats.org/drawingml/2006/main" xmlns:r="http://schemas.openxmlformats.org/officeDocument/2006/relationships" xmlns:p="http://schemas.openxmlformats.org/presentationml/2006/main">
+  <p:cSld>
+    <p:spTree>
+      <p:nvGrpSpPr>
+        <p:cNvPr id="1" name=""/>
+        <p:cNvGrpSpPr/>
+        <p:nvPr/>
+      </p:nvGrpSpPr>
+      <p:grpSpPr>
+        <a:xfrm>
+          <a:off x="0" y="0"/>
+          <a:ext cx="0" cy="0"/>
+          <a:chOff x="0" y="0"/>
+          <a:chExt cx="0" cy="0"/>
+        </a:xfrm>
+      </p:grpSpPr>
+      <p:sp>
+        <p:nvSpPr>
+          <p:cNvPr id="6" name="Title 1"/>
+          <p:cNvSpPr>
+            <a:spLocks noGrp="1"/>
+          </p:cNvSpPr>
+          <p:nvPr>
+            <p:ph type="title"/>
+          </p:nvPr>
+        </p:nvSpPr>
+        <p:spPr>
+          <a:xfrm>
+            <a:off x="457200" y="205980"/>
+            <a:ext cx="8229600" cy="857251"/>
+          </a:xfrm>
+        </p:spPr>
+        <p:txBody>
+          <a:bodyPr>
+            <a:normAutofit/>
+          </a:bodyPr>
+          <a:lstStyle/>
+          <a:p>
+            <a:r>
+              <a:rPr lang="en-US" b="1" dirty="0" err="1">
+                <a:solidFill>
+                  <a:srgbClr val="0070C0"/>
+                </a:solidFill>
+              </a:rPr>
               <a:t>Referências</a:t>
             </a:r>
             <a:r>
@@ -4637,7 +5612,7 @@
 </p:sld>
 </file>
 
-<file path=ppt/slides/slide12.xml><?xml version="1.0" encoding="utf-8"?>
+<file path=ppt/slides/slide14.xml><?xml version="1.0" encoding="utf-8"?>
 <p:sld xmlns:a="http://schemas.openxmlformats.org/drawingml/2006/main" xmlns:r="http://schemas.openxmlformats.org/officeDocument/2006/relationships" xmlns:p="http://schemas.openxmlformats.org/presentationml/2006/main">
   <p:cSld>
     <p:spTree>
@@ -6689,7 +7664,13 @@
   <p:cSld>
     <p:spTree>
       <p:nvGrpSpPr>
-        <p:cNvPr id="1" name=""/>
+        <p:cNvPr id="1" name="">
+          <a:extLst>
+            <a:ext uri="{FF2B5EF4-FFF2-40B4-BE49-F238E27FC236}">
+              <a16:creationId xmlns:a16="http://schemas.microsoft.com/office/drawing/2014/main" id="{8F773C40-03C0-DA0B-07D8-1C57455461E3}"/>
+            </a:ext>
+          </a:extLst>
+        </p:cNvPr>
         <p:cNvGrpSpPr/>
         <p:nvPr/>
       </p:nvGrpSpPr>
@@ -6703,7 +7684,13 @@
       </p:grpSpPr>
       <p:sp>
         <p:nvSpPr>
-          <p:cNvPr id="6" name="Title 1"/>
+          <p:cNvPr id="6" name="Title 1">
+            <a:extLst>
+              <a:ext uri="{FF2B5EF4-FFF2-40B4-BE49-F238E27FC236}">
+                <a16:creationId xmlns:a16="http://schemas.microsoft.com/office/drawing/2014/main" id="{76340D4F-8221-8907-1A52-E187C4F50BDC}"/>
+              </a:ext>
+            </a:extLst>
+          </p:cNvPr>
           <p:cNvSpPr>
             <a:spLocks noGrp="1"/>
           </p:cNvSpPr>
@@ -6724,40 +7711,25 @@
           <a:lstStyle/>
           <a:p>
             <a:r>
-              <a:rPr lang="en-US" b="1" dirty="0" err="1">
+              <a:rPr lang="en-US" b="1" dirty="0">
                 <a:solidFill>
                   <a:srgbClr val="0070C0"/>
                 </a:solidFill>
               </a:rPr>
-              <a:t>Leitura</a:t>
-            </a:r>
-            <a:r>
-              <a:rPr lang="en-US" b="1" dirty="0">
-                <a:solidFill>
-                  <a:srgbClr val="0070C0"/>
-                </a:solidFill>
-              </a:rPr>
-              <a:t> </a:t>
-            </a:r>
-            <a:r>
-              <a:rPr lang="en-US" b="1" dirty="0" err="1">
-                <a:solidFill>
-                  <a:srgbClr val="0070C0"/>
-                </a:solidFill>
-              </a:rPr>
-              <a:t>Específica</a:t>
-            </a:r>
-            <a:endParaRPr lang="en-US" b="1" dirty="0">
-              <a:solidFill>
-                <a:srgbClr val="0070C0"/>
-              </a:solidFill>
-            </a:endParaRPr>
+              <a:t>CLP – Sinking vs Sourcing</a:t>
+            </a:r>
           </a:p>
         </p:txBody>
       </p:sp>
       <p:sp>
         <p:nvSpPr>
-          <p:cNvPr id="8" name="Text Placeholder 2"/>
+          <p:cNvPr id="8" name="Text Placeholder 2">
+            <a:extLst>
+              <a:ext uri="{FF2B5EF4-FFF2-40B4-BE49-F238E27FC236}">
+                <a16:creationId xmlns:a16="http://schemas.microsoft.com/office/drawing/2014/main" id="{BDBB951A-712D-A4AA-65F5-1AD9C7C98052}"/>
+              </a:ext>
+            </a:extLst>
+          </p:cNvPr>
           <p:cNvSpPr>
             <a:spLocks noGrp="1"/>
           </p:cNvSpPr>
@@ -6767,8 +7739,8 @@
         </p:nvSpPr>
         <p:spPr>
           <a:xfrm>
-            <a:off x="142865" y="1200150"/>
-            <a:ext cx="8865056" cy="3737369"/>
+            <a:off x="142865" y="1035050"/>
+            <a:ext cx="8865056" cy="3994150"/>
           </a:xfrm>
         </p:spPr>
         <p:txBody>
@@ -6781,156 +7753,298 @@
               <a:buNone/>
             </a:pPr>
             <a:r>
-              <a:rPr lang="pt-BR" sz="2200" dirty="0">
-                <a:latin typeface="Times New Roman" panose="02020603050405020304" pitchFamily="18" charset="0"/>
-                <a:cs typeface="Times New Roman" panose="02020603050405020304" pitchFamily="18" charset="0"/>
-              </a:rPr>
-              <a:t>[1] </a:t>
-            </a:r>
-            <a:r>
-              <a:rPr lang="pt-BR" sz="2200" b="1" dirty="0">
-                <a:latin typeface="Times New Roman" panose="02020603050405020304" pitchFamily="18" charset="0"/>
-                <a:cs typeface="Times New Roman" panose="02020603050405020304" pitchFamily="18" charset="0"/>
-              </a:rPr>
-              <a:t>CLP - Aplicação/Prática 1</a:t>
-            </a:r>
-            <a:r>
-              <a:rPr lang="pt-BR" sz="2200" dirty="0">
-                <a:latin typeface="Times New Roman" panose="02020603050405020304" pitchFamily="18" charset="0"/>
-                <a:cs typeface="Times New Roman" panose="02020603050405020304" pitchFamily="18" charset="0"/>
-              </a:rPr>
-              <a:t>.</a:t>
+              <a:rPr lang="pt-BR" sz="2000" dirty="0">
+                <a:latin typeface="Times New Roman" panose="02020603050405020304" pitchFamily="18" charset="0"/>
+                <a:cs typeface="Times New Roman" panose="02020603050405020304" pitchFamily="18" charset="0"/>
+              </a:rPr>
+              <a:t>Em </a:t>
+            </a:r>
+            <a:r>
+              <a:rPr lang="pt-BR" sz="2000" b="1" dirty="0">
+                <a:latin typeface="Times New Roman" panose="02020603050405020304" pitchFamily="18" charset="0"/>
+                <a:cs typeface="Times New Roman" panose="02020603050405020304" pitchFamily="18" charset="0"/>
+              </a:rPr>
+              <a:t>CLP I/O</a:t>
+            </a:r>
+            <a:r>
+              <a:rPr lang="pt-BR" sz="2000" dirty="0">
+                <a:latin typeface="Times New Roman" panose="02020603050405020304" pitchFamily="18" charset="0"/>
+                <a:cs typeface="Times New Roman" panose="02020603050405020304" pitchFamily="18" charset="0"/>
+              </a:rPr>
+              <a:t> e em sensores </a:t>
+            </a:r>
+            <a:r>
+              <a:rPr lang="pt-BR" sz="2000" b="1" dirty="0">
+                <a:latin typeface="Times New Roman" panose="02020603050405020304" pitchFamily="18" charset="0"/>
+                <a:cs typeface="Times New Roman" panose="02020603050405020304" pitchFamily="18" charset="0"/>
+              </a:rPr>
+              <a:t>NPN</a:t>
+            </a:r>
+            <a:r>
+              <a:rPr lang="pt-BR" sz="2000" dirty="0">
+                <a:latin typeface="Times New Roman" panose="02020603050405020304" pitchFamily="18" charset="0"/>
+                <a:cs typeface="Times New Roman" panose="02020603050405020304" pitchFamily="18" charset="0"/>
+              </a:rPr>
+              <a:t> e </a:t>
+            </a:r>
+            <a:r>
+              <a:rPr lang="pt-BR" sz="2000" b="1" dirty="0">
+                <a:latin typeface="Times New Roman" panose="02020603050405020304" pitchFamily="18" charset="0"/>
+                <a:cs typeface="Times New Roman" panose="02020603050405020304" pitchFamily="18" charset="0"/>
+              </a:rPr>
+              <a:t>PNP</a:t>
+            </a:r>
+            <a:r>
+              <a:rPr lang="pt-BR" sz="2000" dirty="0">
+                <a:latin typeface="Times New Roman" panose="02020603050405020304" pitchFamily="18" charset="0"/>
+                <a:cs typeface="Times New Roman" panose="02020603050405020304" pitchFamily="18" charset="0"/>
+              </a:rPr>
+              <a:t>, os termos "</a:t>
+            </a:r>
+            <a:r>
+              <a:rPr lang="pt-BR" sz="2000" b="1" dirty="0" err="1">
+                <a:solidFill>
+                  <a:srgbClr val="FF0000"/>
+                </a:solidFill>
+                <a:latin typeface="Times New Roman" panose="02020603050405020304" pitchFamily="18" charset="0"/>
+                <a:cs typeface="Times New Roman" panose="02020603050405020304" pitchFamily="18" charset="0"/>
+              </a:rPr>
+              <a:t>Sinking</a:t>
+            </a:r>
+            <a:r>
+              <a:rPr lang="pt-BR" sz="2000" dirty="0">
+                <a:latin typeface="Times New Roman" panose="02020603050405020304" pitchFamily="18" charset="0"/>
+                <a:cs typeface="Times New Roman" panose="02020603050405020304" pitchFamily="18" charset="0"/>
+              </a:rPr>
+              <a:t>" e "</a:t>
+            </a:r>
+            <a:r>
+              <a:rPr lang="pt-BR" sz="2000" b="1" dirty="0" err="1">
+                <a:solidFill>
+                  <a:srgbClr val="FF0000"/>
+                </a:solidFill>
+                <a:latin typeface="Times New Roman" panose="02020603050405020304" pitchFamily="18" charset="0"/>
+                <a:cs typeface="Times New Roman" panose="02020603050405020304" pitchFamily="18" charset="0"/>
+              </a:rPr>
+              <a:t>Sourcing</a:t>
+            </a:r>
+            <a:r>
+              <a:rPr lang="pt-BR" sz="2000" dirty="0">
+                <a:latin typeface="Times New Roman" panose="02020603050405020304" pitchFamily="18" charset="0"/>
+                <a:cs typeface="Times New Roman" panose="02020603050405020304" pitchFamily="18" charset="0"/>
+              </a:rPr>
+              <a:t>" referem-se ao tipo de configuração de circuito e à maneira como o sensor e o CLP interagem com o sinal.</a:t>
             </a:r>
           </a:p>
           <a:p>
             <a:pPr marL="0" indent="0" algn="just">
               <a:buNone/>
             </a:pPr>
-            <a:r>
-              <a:rPr lang="pt-BR" sz="2200" b="1" dirty="0">
+            <a:endParaRPr lang="pt-BR" sz="2000" dirty="0">
+              <a:latin typeface="Times New Roman" panose="02020603050405020304" pitchFamily="18" charset="0"/>
+              <a:cs typeface="Times New Roman" panose="02020603050405020304" pitchFamily="18" charset="0"/>
+            </a:endParaRPr>
+          </a:p>
+          <a:p>
+            <a:pPr algn="just">
+              <a:buNone/>
+            </a:pPr>
+            <a:r>
+              <a:rPr lang="pt-BR" sz="2000" b="1" dirty="0">
+                <a:solidFill>
+                  <a:srgbClr val="0070C0"/>
+                </a:solidFill>
+                <a:latin typeface="Times New Roman" panose="02020603050405020304" pitchFamily="18" charset="0"/>
+                <a:cs typeface="Times New Roman" panose="02020603050405020304" pitchFamily="18" charset="0"/>
+              </a:rPr>
+              <a:t>NPN (</a:t>
+            </a:r>
+            <a:r>
+              <a:rPr lang="pt-BR" sz="2000" b="1" dirty="0" err="1">
+                <a:solidFill>
+                  <a:srgbClr val="0070C0"/>
+                </a:solidFill>
+                <a:latin typeface="Times New Roman" panose="02020603050405020304" pitchFamily="18" charset="0"/>
+                <a:cs typeface="Times New Roman" panose="02020603050405020304" pitchFamily="18" charset="0"/>
+              </a:rPr>
+              <a:t>Sinking</a:t>
+            </a:r>
+            <a:r>
+              <a:rPr lang="pt-BR" sz="2000" b="1" dirty="0">
+                <a:solidFill>
+                  <a:srgbClr val="0070C0"/>
+                </a:solidFill>
+                <a:latin typeface="Times New Roman" panose="02020603050405020304" pitchFamily="18" charset="0"/>
+                <a:cs typeface="Times New Roman" panose="02020603050405020304" pitchFamily="18" charset="0"/>
+              </a:rPr>
+              <a:t>) - </a:t>
+            </a:r>
+            <a:r>
+              <a:rPr lang="pt-BR" sz="2000" dirty="0">
+                <a:solidFill>
+                  <a:srgbClr val="0070C0"/>
+                </a:solidFill>
+                <a:latin typeface="Times New Roman" panose="02020603050405020304" pitchFamily="18" charset="0"/>
+                <a:cs typeface="Times New Roman" panose="02020603050405020304" pitchFamily="18" charset="0"/>
+              </a:rPr>
+              <a:t>Sensor NPN </a:t>
+            </a:r>
+            <a:r>
+              <a:rPr lang="pt-BR" sz="2000" b="1" dirty="0" err="1">
+                <a:solidFill>
+                  <a:srgbClr val="0070C0"/>
+                </a:solidFill>
+                <a:latin typeface="Times New Roman" panose="02020603050405020304" pitchFamily="18" charset="0"/>
+                <a:cs typeface="Times New Roman" panose="02020603050405020304" pitchFamily="18" charset="0"/>
+              </a:rPr>
+              <a:t>Sinking</a:t>
+            </a:r>
+            <a:r>
+              <a:rPr lang="pt-BR" sz="2000" dirty="0">
+                <a:solidFill>
+                  <a:srgbClr val="0070C0"/>
+                </a:solidFill>
+                <a:latin typeface="Times New Roman" panose="02020603050405020304" pitchFamily="18" charset="0"/>
+                <a:cs typeface="Times New Roman" panose="02020603050405020304" pitchFamily="18" charset="0"/>
+              </a:rPr>
+              <a:t> -&gt; CLP </a:t>
+            </a:r>
+            <a:r>
+              <a:rPr lang="pt-BR" sz="2000" b="1" dirty="0">
+                <a:solidFill>
+                  <a:srgbClr val="0070C0"/>
+                </a:solidFill>
+                <a:latin typeface="Times New Roman" panose="02020603050405020304" pitchFamily="18" charset="0"/>
+                <a:cs typeface="Times New Roman" panose="02020603050405020304" pitchFamily="18" charset="0"/>
+              </a:rPr>
+              <a:t>Fonte </a:t>
+            </a:r>
+            <a:r>
+              <a:rPr lang="pt-BR" sz="2000" b="1" dirty="0" err="1">
+                <a:solidFill>
+                  <a:srgbClr val="0070C0"/>
+                </a:solidFill>
+                <a:latin typeface="Times New Roman" panose="02020603050405020304" pitchFamily="18" charset="0"/>
+                <a:cs typeface="Times New Roman" panose="02020603050405020304" pitchFamily="18" charset="0"/>
+              </a:rPr>
+              <a:t>Sourcing</a:t>
+            </a:r>
+            <a:r>
+              <a:rPr lang="pt-BR" sz="2000" b="1" dirty="0">
+                <a:solidFill>
+                  <a:srgbClr val="0070C0"/>
+                </a:solidFill>
+                <a:latin typeface="Times New Roman" panose="02020603050405020304" pitchFamily="18" charset="0"/>
+                <a:cs typeface="Times New Roman" panose="02020603050405020304" pitchFamily="18" charset="0"/>
+              </a:rPr>
+              <a:t> (+)</a:t>
+            </a:r>
+          </a:p>
+          <a:p>
+            <a:pPr algn="just">
+              <a:buFont typeface="Arial" panose="020B0604020202020204" pitchFamily="34" charset="0"/>
+              <a:buChar char="•"/>
+            </a:pPr>
+            <a:r>
+              <a:rPr lang="pt-BR" sz="2000" b="1" dirty="0" err="1">
+                <a:latin typeface="Times New Roman" panose="02020603050405020304" pitchFamily="18" charset="0"/>
+                <a:cs typeface="Times New Roman" panose="02020603050405020304" pitchFamily="18" charset="0"/>
+              </a:rPr>
+              <a:t>Sinking</a:t>
+            </a:r>
+            <a:r>
+              <a:rPr lang="pt-BR" sz="2000" dirty="0">
+                <a:latin typeface="Times New Roman" panose="02020603050405020304" pitchFamily="18" charset="0"/>
+                <a:cs typeface="Times New Roman" panose="02020603050405020304" pitchFamily="18" charset="0"/>
+              </a:rPr>
+              <a:t>: Um </a:t>
+            </a:r>
+            <a:r>
+              <a:rPr lang="pt-BR" sz="2000" b="1" dirty="0">
                 <a:solidFill>
                   <a:srgbClr val="FF0000"/>
                 </a:solidFill>
                 <a:latin typeface="Times New Roman" panose="02020603050405020304" pitchFamily="18" charset="0"/>
                 <a:cs typeface="Times New Roman" panose="02020603050405020304" pitchFamily="18" charset="0"/>
               </a:rPr>
-              <a:t>Disponível em: </a:t>
-            </a:r>
-            <a:r>
-              <a:rPr lang="pt-BR" sz="2200" dirty="0">
+              <a:t>sensor NPN </a:t>
+            </a:r>
+            <a:r>
+              <a:rPr lang="pt-BR" sz="2000" dirty="0">
+                <a:latin typeface="Times New Roman" panose="02020603050405020304" pitchFamily="18" charset="0"/>
+                <a:cs typeface="Times New Roman" panose="02020603050405020304" pitchFamily="18" charset="0"/>
+              </a:rPr>
+              <a:t>é um dispositivo de tipo </a:t>
+            </a:r>
+            <a:r>
+              <a:rPr lang="pt-BR" sz="2000" b="1" dirty="0" err="1">
+                <a:latin typeface="Times New Roman" panose="02020603050405020304" pitchFamily="18" charset="0"/>
+                <a:cs typeface="Times New Roman" panose="02020603050405020304" pitchFamily="18" charset="0"/>
+              </a:rPr>
+              <a:t>sinking</a:t>
+            </a:r>
+            <a:r>
+              <a:rPr lang="pt-BR" sz="2000" dirty="0">
+                <a:latin typeface="Times New Roman" panose="02020603050405020304" pitchFamily="18" charset="0"/>
+                <a:cs typeface="Times New Roman" panose="02020603050405020304" pitchFamily="18" charset="0"/>
+              </a:rPr>
+              <a:t>, ou seja, ele "puxa" a corrente para terra. Quando o sensor NPN é ativado, ele fecha o circuito para a terra (GND).</a:t>
+            </a:r>
+          </a:p>
+          <a:p>
+            <a:pPr algn="just">
+              <a:buFont typeface="Arial" panose="020B0604020202020204" pitchFamily="34" charset="0"/>
+              <a:buChar char="•"/>
+            </a:pPr>
+            <a:r>
+              <a:rPr lang="pt-BR" sz="2000" b="1" dirty="0">
+                <a:latin typeface="Times New Roman" panose="02020603050405020304" pitchFamily="18" charset="0"/>
+                <a:cs typeface="Times New Roman" panose="02020603050405020304" pitchFamily="18" charset="0"/>
+              </a:rPr>
+              <a:t>Fonte de Alimentação</a:t>
+            </a:r>
+            <a:r>
+              <a:rPr lang="pt-BR" sz="2000" dirty="0">
+                <a:latin typeface="Times New Roman" panose="02020603050405020304" pitchFamily="18" charset="0"/>
+                <a:cs typeface="Times New Roman" panose="02020603050405020304" pitchFamily="18" charset="0"/>
+              </a:rPr>
+              <a:t>: Para esse tipo de sensor, o dispositivo de controle ou CLP precisa ser configurado como </a:t>
+            </a:r>
+            <a:r>
+              <a:rPr lang="pt-BR" sz="2000" b="1" dirty="0">
                 <a:solidFill>
                   <a:srgbClr val="FF0000"/>
                 </a:solidFill>
                 <a:latin typeface="Times New Roman" panose="02020603050405020304" pitchFamily="18" charset="0"/>
                 <a:cs typeface="Times New Roman" panose="02020603050405020304" pitchFamily="18" charset="0"/>
-                <a:hlinkClick r:id="rId3"/>
-              </a:rPr>
-              <a:t>https://groupmaxi.com.br/parker/produtos-omrom-plc.pdf</a:t>
-            </a:r>
-            <a:r>
-              <a:rPr lang="pt-BR" sz="2200" dirty="0">
+              </a:rPr>
+              <a:t>Fonte </a:t>
+            </a:r>
+            <a:r>
+              <a:rPr lang="pt-BR" sz="2000" b="1" dirty="0" err="1">
                 <a:solidFill>
                   <a:srgbClr val="FF0000"/>
                 </a:solidFill>
                 <a:latin typeface="Times New Roman" panose="02020603050405020304" pitchFamily="18" charset="0"/>
                 <a:cs typeface="Times New Roman" panose="02020603050405020304" pitchFamily="18" charset="0"/>
               </a:rPr>
-              <a:t> </a:t>
+              <a:t>Sourcing</a:t>
+            </a:r>
+            <a:r>
+              <a:rPr lang="pt-BR" sz="2000" dirty="0">
+                <a:latin typeface="Times New Roman" panose="02020603050405020304" pitchFamily="18" charset="0"/>
+                <a:cs typeface="Times New Roman" panose="02020603050405020304" pitchFamily="18" charset="0"/>
+              </a:rPr>
+              <a:t>. Ou seja, o CLP fornecerá a corrente positiva (+) para o sensor, e o sensor "puxa" essa corrente para o GND quando detecta o sinal.</a:t>
             </a:r>
           </a:p>
           <a:p>
             <a:pPr marL="0" indent="0" algn="just">
               <a:buNone/>
             </a:pPr>
-            <a:endParaRPr lang="pt-BR" sz="2200" b="1" dirty="0">
-              <a:solidFill>
-                <a:srgbClr val="FF0000"/>
-              </a:solidFill>
+            <a:endParaRPr lang="pt-BR" sz="2000" dirty="0">
               <a:latin typeface="Times New Roman" panose="02020603050405020304" pitchFamily="18" charset="0"/>
               <a:cs typeface="Times New Roman" panose="02020603050405020304" pitchFamily="18" charset="0"/>
-            </a:endParaRPr>
-          </a:p>
-          <a:p>
-            <a:pPr marL="0" indent="0" algn="just">
-              <a:buNone/>
-            </a:pPr>
-            <a:endParaRPr lang="pt-BR" sz="2200">
-              <a:latin typeface="Times New Roman" panose="02020603050405020304" pitchFamily="18" charset="0"/>
-              <a:cs typeface="Times New Roman" panose="02020603050405020304" pitchFamily="18" charset="0"/>
-            </a:endParaRPr>
-          </a:p>
-          <a:p>
-            <a:pPr marL="0" indent="0" algn="just">
-              <a:buNone/>
-            </a:pPr>
-            <a:endParaRPr lang="pt-BR" sz="2200" dirty="0">
-              <a:latin typeface="Times New Roman" panose="02020603050405020304" pitchFamily="18" charset="0"/>
-              <a:cs typeface="Times New Roman" panose="02020603050405020304" pitchFamily="18" charset="0"/>
-            </a:endParaRPr>
-          </a:p>
-          <a:p>
-            <a:pPr marL="0" indent="0" algn="just">
-              <a:buNone/>
-            </a:pPr>
-            <a:r>
-              <a:rPr lang="pt-BR" sz="2200" dirty="0">
-                <a:latin typeface="Times New Roman" panose="02020603050405020304" pitchFamily="18" charset="0"/>
-                <a:cs typeface="Times New Roman" panose="02020603050405020304" pitchFamily="18" charset="0"/>
-              </a:rPr>
-              <a:t>[2] </a:t>
-            </a:r>
-            <a:r>
-              <a:rPr lang="pt-BR" sz="2200" b="1" dirty="0">
-                <a:latin typeface="Times New Roman" panose="02020603050405020304" pitchFamily="18" charset="0"/>
-                <a:cs typeface="Times New Roman" panose="02020603050405020304" pitchFamily="18" charset="0"/>
-              </a:rPr>
-              <a:t>CLP - Aplicação/Prática 2</a:t>
-            </a:r>
-            <a:r>
-              <a:rPr lang="pt-BR" sz="2200" dirty="0">
-                <a:latin typeface="Times New Roman" panose="02020603050405020304" pitchFamily="18" charset="0"/>
-                <a:cs typeface="Times New Roman" panose="02020603050405020304" pitchFamily="18" charset="0"/>
-              </a:rPr>
-              <a:t>. </a:t>
-            </a:r>
-          </a:p>
-          <a:p>
-            <a:pPr marL="0" indent="0" algn="just">
-              <a:buNone/>
-            </a:pPr>
-            <a:r>
-              <a:rPr lang="pt-BR" sz="2200" b="1" dirty="0">
-                <a:solidFill>
-                  <a:srgbClr val="FF0000"/>
-                </a:solidFill>
-                <a:latin typeface="Times New Roman" panose="02020603050405020304" pitchFamily="18" charset="0"/>
-                <a:cs typeface="Times New Roman" panose="02020603050405020304" pitchFamily="18" charset="0"/>
-              </a:rPr>
-              <a:t>Disponível em: </a:t>
-            </a:r>
-            <a:r>
-              <a:rPr lang="pt-BR" sz="2200" dirty="0">
-                <a:solidFill>
-                  <a:srgbClr val="FF0000"/>
-                </a:solidFill>
-                <a:latin typeface="Times New Roman" panose="02020603050405020304" pitchFamily="18" charset="0"/>
-                <a:cs typeface="Times New Roman" panose="02020603050405020304" pitchFamily="18" charset="0"/>
-                <a:hlinkClick r:id="rId4"/>
-              </a:rPr>
-              <a:t>http://repositorio.ifba.edu.br/jspui/handle/123456789/603</a:t>
-            </a:r>
-            <a:r>
-              <a:rPr lang="pt-BR" sz="2200" dirty="0">
-                <a:solidFill>
-                  <a:srgbClr val="FF0000"/>
-                </a:solidFill>
-                <a:latin typeface="Times New Roman" panose="02020603050405020304" pitchFamily="18" charset="0"/>
-                <a:cs typeface="Times New Roman" panose="02020603050405020304" pitchFamily="18" charset="0"/>
-              </a:rPr>
-              <a:t>  </a:t>
-            </a:r>
-            <a:endParaRPr lang="pt-BR" sz="2200" dirty="0">
-              <a:latin typeface="Calibri" panose="020F0502020204030204" pitchFamily="34" charset="0"/>
             </a:endParaRPr>
           </a:p>
         </p:txBody>
@@ -6938,7 +8052,7 @@
     </p:spTree>
     <p:extLst>
       <p:ext uri="{BB962C8B-B14F-4D97-AF65-F5344CB8AC3E}">
-        <p14:creationId xmlns:p14="http://schemas.microsoft.com/office/powerpoint/2010/main" val="3680270425"/>
+        <p14:creationId xmlns:p14="http://schemas.microsoft.com/office/powerpoint/2010/main" val="662742143"/>
       </p:ext>
     </p:extLst>
   </p:cSld>
@@ -6954,7 +8068,13 @@
   <p:cSld>
     <p:spTree>
       <p:nvGrpSpPr>
-        <p:cNvPr id="1" name=""/>
+        <p:cNvPr id="1" name="">
+          <a:extLst>
+            <a:ext uri="{FF2B5EF4-FFF2-40B4-BE49-F238E27FC236}">
+              <a16:creationId xmlns:a16="http://schemas.microsoft.com/office/drawing/2014/main" id="{1124150F-A9C1-D470-9FBB-980B7A9446B2}"/>
+            </a:ext>
+          </a:extLst>
+        </p:cNvPr>
         <p:cNvGrpSpPr/>
         <p:nvPr/>
       </p:nvGrpSpPr>
@@ -6968,7 +8088,13 @@
       </p:grpSpPr>
       <p:sp>
         <p:nvSpPr>
-          <p:cNvPr id="6" name="Title 1"/>
+          <p:cNvPr id="6" name="Title 1">
+            <a:extLst>
+              <a:ext uri="{FF2B5EF4-FFF2-40B4-BE49-F238E27FC236}">
+                <a16:creationId xmlns:a16="http://schemas.microsoft.com/office/drawing/2014/main" id="{E752F37E-3C4C-7D13-8BB5-0E9308168AA5}"/>
+              </a:ext>
+            </a:extLst>
+          </p:cNvPr>
           <p:cNvSpPr>
             <a:spLocks noGrp="1"/>
           </p:cNvSpPr>
@@ -6989,27 +8115,25 @@
           <a:lstStyle/>
           <a:p>
             <a:r>
-              <a:rPr lang="en-US" b="1" dirty="0" err="1">
+              <a:rPr lang="en-US" b="1" dirty="0">
                 <a:solidFill>
                   <a:srgbClr val="0070C0"/>
                 </a:solidFill>
               </a:rPr>
-              <a:t>Aprenda</a:t>
-            </a:r>
-            <a:r>
-              <a:rPr lang="en-US" b="1" dirty="0">
-                <a:solidFill>
-                  <a:srgbClr val="0070C0"/>
-                </a:solidFill>
-              </a:rPr>
-              <a:t>+</a:t>
+              <a:t>CLP – Sinking vs Sourcing</a:t>
             </a:r>
           </a:p>
         </p:txBody>
       </p:sp>
       <p:sp>
         <p:nvSpPr>
-          <p:cNvPr id="8" name="Text Placeholder 2"/>
+          <p:cNvPr id="8" name="Text Placeholder 2">
+            <a:extLst>
+              <a:ext uri="{FF2B5EF4-FFF2-40B4-BE49-F238E27FC236}">
+                <a16:creationId xmlns:a16="http://schemas.microsoft.com/office/drawing/2014/main" id="{819C1770-7561-6733-B65C-3ADA5A78065C}"/>
+              </a:ext>
+            </a:extLst>
+          </p:cNvPr>
           <p:cNvSpPr>
             <a:spLocks noGrp="1"/>
           </p:cNvSpPr>
@@ -7019,8 +8143,8 @@
         </p:nvSpPr>
         <p:spPr>
           <a:xfrm>
-            <a:off x="142865" y="1052233"/>
-            <a:ext cx="8865056" cy="3990414"/>
+            <a:off x="142865" y="1035050"/>
+            <a:ext cx="8865056" cy="3994150"/>
           </a:xfrm>
         </p:spPr>
         <p:txBody>
@@ -7033,56 +8157,186 @@
               <a:buNone/>
             </a:pPr>
             <a:r>
-              <a:rPr lang="pt-BR" sz="2000" dirty="0">
-                <a:latin typeface="Times New Roman" panose="02020603050405020304" pitchFamily="18" charset="0"/>
-                <a:cs typeface="Times New Roman" panose="02020603050405020304" pitchFamily="18" charset="0"/>
-              </a:rPr>
-              <a:t>[1] </a:t>
-            </a:r>
-            <a:r>
-              <a:rPr lang="pt-BR" sz="2000" b="1" dirty="0">
-                <a:latin typeface="Times New Roman" panose="02020603050405020304" pitchFamily="18" charset="0"/>
-                <a:cs typeface="Times New Roman" panose="02020603050405020304" pitchFamily="18" charset="0"/>
-              </a:rPr>
-              <a:t>CLP - Aplicação/Prática 1.</a:t>
+              <a:rPr lang="pt-BR" sz="1900" b="1" dirty="0">
+                <a:solidFill>
+                  <a:srgbClr val="0070C0"/>
+                </a:solidFill>
+                <a:latin typeface="Times New Roman" panose="02020603050405020304" pitchFamily="18" charset="0"/>
+                <a:cs typeface="Times New Roman" panose="02020603050405020304" pitchFamily="18" charset="0"/>
+              </a:rPr>
+              <a:t>PNP (</a:t>
+            </a:r>
+            <a:r>
+              <a:rPr lang="pt-BR" sz="1900" b="1" dirty="0" err="1">
+                <a:solidFill>
+                  <a:srgbClr val="0070C0"/>
+                </a:solidFill>
+                <a:latin typeface="Times New Roman" panose="02020603050405020304" pitchFamily="18" charset="0"/>
+                <a:cs typeface="Times New Roman" panose="02020603050405020304" pitchFamily="18" charset="0"/>
+              </a:rPr>
+              <a:t>Sourcing</a:t>
+            </a:r>
+            <a:r>
+              <a:rPr lang="pt-BR" sz="1900" b="1" dirty="0">
+                <a:solidFill>
+                  <a:srgbClr val="0070C0"/>
+                </a:solidFill>
+                <a:latin typeface="Times New Roman" panose="02020603050405020304" pitchFamily="18" charset="0"/>
+                <a:cs typeface="Times New Roman" panose="02020603050405020304" pitchFamily="18" charset="0"/>
+              </a:rPr>
+              <a:t>) - </a:t>
+            </a:r>
+            <a:r>
+              <a:rPr lang="en-US" sz="1900" dirty="0">
+                <a:solidFill>
+                  <a:srgbClr val="0070C0"/>
+                </a:solidFill>
+                <a:latin typeface="Times New Roman" panose="02020603050405020304" pitchFamily="18" charset="0"/>
+                <a:cs typeface="Times New Roman" panose="02020603050405020304" pitchFamily="18" charset="0"/>
+              </a:rPr>
+              <a:t>Sensor PNP </a:t>
+            </a:r>
+            <a:r>
+              <a:rPr lang="en-US" sz="1900" b="1" dirty="0">
+                <a:solidFill>
+                  <a:srgbClr val="0070C0"/>
+                </a:solidFill>
+                <a:latin typeface="Times New Roman" panose="02020603050405020304" pitchFamily="18" charset="0"/>
+                <a:cs typeface="Times New Roman" panose="02020603050405020304" pitchFamily="18" charset="0"/>
+              </a:rPr>
+              <a:t>Sourcing -&gt; </a:t>
+            </a:r>
+            <a:r>
+              <a:rPr lang="en-US" sz="1900" dirty="0">
+                <a:solidFill>
+                  <a:srgbClr val="0070C0"/>
+                </a:solidFill>
+                <a:latin typeface="Times New Roman" panose="02020603050405020304" pitchFamily="18" charset="0"/>
+                <a:cs typeface="Times New Roman" panose="02020603050405020304" pitchFamily="18" charset="0"/>
+              </a:rPr>
+              <a:t>CLP</a:t>
+            </a:r>
+            <a:r>
+              <a:rPr lang="en-US" sz="1900" b="1" dirty="0">
+                <a:solidFill>
+                  <a:srgbClr val="0070C0"/>
+                </a:solidFill>
+                <a:latin typeface="Times New Roman" panose="02020603050405020304" pitchFamily="18" charset="0"/>
+                <a:cs typeface="Times New Roman" panose="02020603050405020304" pitchFamily="18" charset="0"/>
+              </a:rPr>
+              <a:t> Fonte Sinking (-).</a:t>
+            </a:r>
+            <a:endParaRPr lang="pt-BR" sz="1900" b="1" dirty="0">
+              <a:solidFill>
+                <a:srgbClr val="0070C0"/>
+              </a:solidFill>
+              <a:latin typeface="Times New Roman" panose="02020603050405020304" pitchFamily="18" charset="0"/>
+              <a:cs typeface="Times New Roman" panose="02020603050405020304" pitchFamily="18" charset="0"/>
+            </a:endParaRPr>
+          </a:p>
+          <a:p>
+            <a:pPr algn="just">
+              <a:buFont typeface="Wingdings" panose="05000000000000000000" pitchFamily="2" charset="2"/>
+              <a:buChar char="§"/>
+            </a:pPr>
+            <a:r>
+              <a:rPr lang="pt-BR" sz="1900" b="1" dirty="0" err="1">
+                <a:latin typeface="Times New Roman" panose="02020603050405020304" pitchFamily="18" charset="0"/>
+                <a:cs typeface="Times New Roman" panose="02020603050405020304" pitchFamily="18" charset="0"/>
+              </a:rPr>
+              <a:t>Sourcing</a:t>
+            </a:r>
+            <a:r>
+              <a:rPr lang="pt-BR" sz="1900" dirty="0">
+                <a:latin typeface="Times New Roman" panose="02020603050405020304" pitchFamily="18" charset="0"/>
+                <a:cs typeface="Times New Roman" panose="02020603050405020304" pitchFamily="18" charset="0"/>
+              </a:rPr>
+              <a:t>: Um </a:t>
+            </a:r>
+            <a:r>
+              <a:rPr lang="pt-BR" sz="1900" b="1" dirty="0">
+                <a:solidFill>
+                  <a:srgbClr val="FF0000"/>
+                </a:solidFill>
+                <a:latin typeface="Times New Roman" panose="02020603050405020304" pitchFamily="18" charset="0"/>
+                <a:cs typeface="Times New Roman" panose="02020603050405020304" pitchFamily="18" charset="0"/>
+              </a:rPr>
+              <a:t>sensor PNP </a:t>
+            </a:r>
+            <a:r>
+              <a:rPr lang="pt-BR" sz="1900" dirty="0">
+                <a:latin typeface="Times New Roman" panose="02020603050405020304" pitchFamily="18" charset="0"/>
+                <a:cs typeface="Times New Roman" panose="02020603050405020304" pitchFamily="18" charset="0"/>
+              </a:rPr>
+              <a:t>é um dispositivo de tipo </a:t>
+            </a:r>
+            <a:r>
+              <a:rPr lang="pt-BR" sz="1900" dirty="0" err="1">
+                <a:latin typeface="Times New Roman" panose="02020603050405020304" pitchFamily="18" charset="0"/>
+                <a:cs typeface="Times New Roman" panose="02020603050405020304" pitchFamily="18" charset="0"/>
+              </a:rPr>
+              <a:t>sourcing</a:t>
+            </a:r>
+            <a:r>
+              <a:rPr lang="pt-BR" sz="1900" dirty="0">
+                <a:latin typeface="Times New Roman" panose="02020603050405020304" pitchFamily="18" charset="0"/>
+                <a:cs typeface="Times New Roman" panose="02020603050405020304" pitchFamily="18" charset="0"/>
+              </a:rPr>
+              <a:t>, ou seja, ele "fornece" corrente ao dispositivo de controle. Quando o sensor PNP é ativado, ele conecta a alimentação positiva (+) ao CLP ou outro dispositivo de controle.</a:t>
+            </a:r>
+          </a:p>
+          <a:p>
+            <a:pPr algn="just">
+              <a:buFont typeface="Wingdings" panose="05000000000000000000" pitchFamily="2" charset="2"/>
+              <a:buChar char="§"/>
+            </a:pPr>
+            <a:r>
+              <a:rPr lang="pt-BR" sz="1900" b="1" dirty="0">
+                <a:latin typeface="Times New Roman" panose="02020603050405020304" pitchFamily="18" charset="0"/>
+                <a:cs typeface="Times New Roman" panose="02020603050405020304" pitchFamily="18" charset="0"/>
+              </a:rPr>
+              <a:t>Fonte de Alimentação</a:t>
+            </a:r>
+            <a:r>
+              <a:rPr lang="pt-BR" sz="1900" dirty="0">
+                <a:latin typeface="Times New Roman" panose="02020603050405020304" pitchFamily="18" charset="0"/>
+                <a:cs typeface="Times New Roman" panose="02020603050405020304" pitchFamily="18" charset="0"/>
+              </a:rPr>
+              <a:t>: Para esse tipo de sensor, o CLP deve ser configurado como </a:t>
+            </a:r>
+            <a:r>
+              <a:rPr lang="pt-BR" sz="1900" b="1" dirty="0">
+                <a:solidFill>
+                  <a:srgbClr val="FF0000"/>
+                </a:solidFill>
+                <a:latin typeface="Times New Roman" panose="02020603050405020304" pitchFamily="18" charset="0"/>
+                <a:cs typeface="Times New Roman" panose="02020603050405020304" pitchFamily="18" charset="0"/>
+              </a:rPr>
+              <a:t>Fonte </a:t>
+            </a:r>
+            <a:r>
+              <a:rPr lang="pt-BR" sz="1900" b="1" dirty="0" err="1">
+                <a:solidFill>
+                  <a:srgbClr val="FF0000"/>
+                </a:solidFill>
+                <a:latin typeface="Times New Roman" panose="02020603050405020304" pitchFamily="18" charset="0"/>
+                <a:cs typeface="Times New Roman" panose="02020603050405020304" pitchFamily="18" charset="0"/>
+              </a:rPr>
+              <a:t>Sinking</a:t>
+            </a:r>
+            <a:r>
+              <a:rPr lang="pt-BR" sz="1900" dirty="0">
+                <a:latin typeface="Times New Roman" panose="02020603050405020304" pitchFamily="18" charset="0"/>
+                <a:cs typeface="Times New Roman" panose="02020603050405020304" pitchFamily="18" charset="0"/>
+              </a:rPr>
+              <a:t>. O CLP recebe a corrente positiva (+) do sensor e faz o controle ao fornecer a corrente negativa (-) ao sensor quando necessário.</a:t>
             </a:r>
           </a:p>
           <a:p>
             <a:pPr marL="0" indent="0" algn="just">
               <a:buNone/>
             </a:pPr>
-            <a:r>
-              <a:rPr lang="pt-BR" sz="2000" b="1" dirty="0">
-                <a:solidFill>
-                  <a:srgbClr val="FF0000"/>
-                </a:solidFill>
-                <a:latin typeface="Times New Roman" panose="02020603050405020304" pitchFamily="18" charset="0"/>
-                <a:cs typeface="Times New Roman" panose="02020603050405020304" pitchFamily="18" charset="0"/>
-              </a:rPr>
-              <a:t>Disponível em: </a:t>
-            </a:r>
-            <a:r>
-              <a:rPr lang="pt-BR" sz="2000" dirty="0">
-                <a:solidFill>
-                  <a:srgbClr val="FF0000"/>
-                </a:solidFill>
-                <a:latin typeface="Times New Roman" panose="02020603050405020304" pitchFamily="18" charset="0"/>
-                <a:cs typeface="Times New Roman" panose="02020603050405020304" pitchFamily="18" charset="0"/>
-                <a:hlinkClick r:id="rId3"/>
-              </a:rPr>
-              <a:t>https://youtu.be/HbMCIrJxFiw</a:t>
-            </a:r>
-            <a:r>
-              <a:rPr lang="pt-BR" sz="2000" dirty="0">
-                <a:solidFill>
-                  <a:srgbClr val="FF0000"/>
-                </a:solidFill>
-                <a:latin typeface="Times New Roman" panose="02020603050405020304" pitchFamily="18" charset="0"/>
-                <a:cs typeface="Times New Roman" panose="02020603050405020304" pitchFamily="18" charset="0"/>
-              </a:rPr>
-              <a:t> </a:t>
-            </a:r>
-            <a:endParaRPr lang="pt-BR" sz="2000" dirty="0">
+            <a:endParaRPr lang="pt-BR" sz="1900" b="1" dirty="0">
               <a:latin typeface="Times New Roman" panose="02020603050405020304" pitchFamily="18" charset="0"/>
               <a:cs typeface="Times New Roman" panose="02020603050405020304" pitchFamily="18" charset="0"/>
             </a:endParaRPr>
@@ -7092,282 +8346,246 @@
               <a:buNone/>
             </a:pPr>
             <a:r>
-              <a:rPr lang="pt-BR" sz="2000" dirty="0">
-                <a:latin typeface="Times New Roman" panose="02020603050405020304" pitchFamily="18" charset="0"/>
-                <a:cs typeface="Times New Roman" panose="02020603050405020304" pitchFamily="18" charset="0"/>
-              </a:rPr>
-              <a:t>[2] </a:t>
-            </a:r>
-            <a:r>
-              <a:rPr lang="pt-BR" sz="2000" b="1" dirty="0">
-                <a:latin typeface="Times New Roman" panose="02020603050405020304" pitchFamily="18" charset="0"/>
-                <a:cs typeface="Times New Roman" panose="02020603050405020304" pitchFamily="18" charset="0"/>
-              </a:rPr>
-              <a:t>CLP - Aplicação/Prática 2.</a:t>
-            </a:r>
-          </a:p>
-          <a:p>
-            <a:pPr marL="0" indent="0" algn="just">
-              <a:buNone/>
+              <a:rPr lang="pt-BR" sz="1900" b="1" dirty="0">
+                <a:solidFill>
+                  <a:srgbClr val="0070C0"/>
+                </a:solidFill>
+                <a:latin typeface="Times New Roman" panose="02020603050405020304" pitchFamily="18" charset="0"/>
+                <a:cs typeface="Times New Roman" panose="02020603050405020304" pitchFamily="18" charset="0"/>
+              </a:rPr>
+              <a:t>Resumo</a:t>
+            </a:r>
+          </a:p>
+          <a:p>
+            <a:pPr algn="just">
+              <a:buFont typeface="Wingdings" panose="05000000000000000000" pitchFamily="2" charset="2"/>
+              <a:buChar char="ü"/>
             </a:pPr>
             <a:r>
-              <a:rPr lang="pt-BR" sz="2000" b="1" dirty="0">
+              <a:rPr lang="pt-BR" sz="1900" b="1" dirty="0">
+                <a:latin typeface="Times New Roman" panose="02020603050405020304" pitchFamily="18" charset="0"/>
+                <a:cs typeface="Times New Roman" panose="02020603050405020304" pitchFamily="18" charset="0"/>
+              </a:rPr>
+              <a:t>NPN</a:t>
+            </a:r>
+            <a:r>
+              <a:rPr lang="pt-BR" sz="1900" dirty="0">
+                <a:latin typeface="Times New Roman" panose="02020603050405020304" pitchFamily="18" charset="0"/>
+                <a:cs typeface="Times New Roman" panose="02020603050405020304" pitchFamily="18" charset="0"/>
+              </a:rPr>
+              <a:t> (</a:t>
+            </a:r>
+            <a:r>
+              <a:rPr lang="pt-BR" sz="1900" b="1" dirty="0" err="1">
                 <a:solidFill>
                   <a:srgbClr val="FF0000"/>
                 </a:solidFill>
                 <a:latin typeface="Times New Roman" panose="02020603050405020304" pitchFamily="18" charset="0"/>
                 <a:cs typeface="Times New Roman" panose="02020603050405020304" pitchFamily="18" charset="0"/>
               </a:rPr>
-              <a:t>Disponível em: </a:t>
-            </a:r>
-            <a:r>
-              <a:rPr lang="pt-BR" sz="2000" dirty="0">
+              <a:t>Sinking</a:t>
+            </a:r>
+            <a:r>
+              <a:rPr lang="pt-BR" sz="1900" dirty="0">
+                <a:latin typeface="Times New Roman" panose="02020603050405020304" pitchFamily="18" charset="0"/>
+                <a:cs typeface="Times New Roman" panose="02020603050405020304" pitchFamily="18" charset="0"/>
+              </a:rPr>
+              <a:t>): </a:t>
+            </a:r>
+            <a:r>
+              <a:rPr lang="pt-BR" sz="1900" b="1" dirty="0">
+                <a:latin typeface="Times New Roman" panose="02020603050405020304" pitchFamily="18" charset="0"/>
+                <a:cs typeface="Times New Roman" panose="02020603050405020304" pitchFamily="18" charset="0"/>
+              </a:rPr>
+              <a:t>Sensor</a:t>
+            </a:r>
+            <a:r>
+              <a:rPr lang="pt-BR" sz="1900" dirty="0">
+                <a:latin typeface="Times New Roman" panose="02020603050405020304" pitchFamily="18" charset="0"/>
+                <a:cs typeface="Times New Roman" panose="02020603050405020304" pitchFamily="18" charset="0"/>
+              </a:rPr>
+              <a:t> puxa a </a:t>
+            </a:r>
+            <a:r>
+              <a:rPr lang="pt-BR" sz="1900" b="1" dirty="0">
+                <a:latin typeface="Times New Roman" panose="02020603050405020304" pitchFamily="18" charset="0"/>
+                <a:cs typeface="Times New Roman" panose="02020603050405020304" pitchFamily="18" charset="0"/>
+              </a:rPr>
+              <a:t>corrente</a:t>
+            </a:r>
+            <a:r>
+              <a:rPr lang="pt-BR" sz="1900" dirty="0">
+                <a:latin typeface="Times New Roman" panose="02020603050405020304" pitchFamily="18" charset="0"/>
+                <a:cs typeface="Times New Roman" panose="02020603050405020304" pitchFamily="18" charset="0"/>
+              </a:rPr>
+              <a:t> para o </a:t>
+            </a:r>
+            <a:r>
+              <a:rPr lang="pt-BR" sz="1900" b="1" dirty="0">
                 <a:solidFill>
                   <a:srgbClr val="FF0000"/>
                 </a:solidFill>
                 <a:latin typeface="Times New Roman" panose="02020603050405020304" pitchFamily="18" charset="0"/>
                 <a:cs typeface="Times New Roman" panose="02020603050405020304" pitchFamily="18" charset="0"/>
-                <a:hlinkClick r:id="rId4"/>
-              </a:rPr>
-              <a:t>https://youtu.be/3vtTGEXRJkk</a:t>
-            </a:r>
-            <a:r>
-              <a:rPr lang="pt-BR" sz="2000" dirty="0">
+              </a:rPr>
+              <a:t>GND</a:t>
+            </a:r>
+            <a:r>
+              <a:rPr lang="pt-BR" sz="1900" dirty="0">
+                <a:latin typeface="Times New Roman" panose="02020603050405020304" pitchFamily="18" charset="0"/>
+                <a:cs typeface="Times New Roman" panose="02020603050405020304" pitchFamily="18" charset="0"/>
+              </a:rPr>
+              <a:t>. O CLP, </a:t>
+            </a:r>
+            <a:r>
+              <a:rPr lang="pt-BR" sz="1900" b="1" dirty="0">
                 <a:solidFill>
                   <a:srgbClr val="FF0000"/>
                 </a:solidFill>
                 <a:latin typeface="Times New Roman" panose="02020603050405020304" pitchFamily="18" charset="0"/>
                 <a:cs typeface="Times New Roman" panose="02020603050405020304" pitchFamily="18" charset="0"/>
               </a:rPr>
+              <a:t>Fonte </a:t>
+            </a:r>
+            <a:r>
+              <a:rPr lang="pt-BR" sz="1900" b="1" dirty="0" err="1">
+                <a:solidFill>
+                  <a:srgbClr val="FF0000"/>
+                </a:solidFill>
+                <a:latin typeface="Times New Roman" panose="02020603050405020304" pitchFamily="18" charset="0"/>
+                <a:cs typeface="Times New Roman" panose="02020603050405020304" pitchFamily="18" charset="0"/>
+              </a:rPr>
+              <a:t>Sourcing</a:t>
+            </a:r>
+            <a:r>
+              <a:rPr lang="pt-BR" sz="1900" b="1" dirty="0">
+                <a:solidFill>
+                  <a:srgbClr val="FF0000"/>
+                </a:solidFill>
+                <a:latin typeface="Times New Roman" panose="02020603050405020304" pitchFamily="18" charset="0"/>
+                <a:cs typeface="Times New Roman" panose="02020603050405020304" pitchFamily="18" charset="0"/>
+              </a:rPr>
+              <a:t> (+).</a:t>
+            </a:r>
+          </a:p>
+          <a:p>
+            <a:pPr algn="just">
+              <a:buFont typeface="Wingdings" panose="05000000000000000000" pitchFamily="2" charset="2"/>
+              <a:buChar char="ü"/>
+            </a:pPr>
+            <a:r>
+              <a:rPr lang="pt-BR" sz="1900" b="1" dirty="0">
+                <a:latin typeface="Times New Roman" panose="02020603050405020304" pitchFamily="18" charset="0"/>
+                <a:cs typeface="Times New Roman" panose="02020603050405020304" pitchFamily="18" charset="0"/>
+              </a:rPr>
+              <a:t>PNP</a:t>
+            </a:r>
+            <a:r>
+              <a:rPr lang="pt-BR" sz="1900" dirty="0">
+                <a:latin typeface="Times New Roman" panose="02020603050405020304" pitchFamily="18" charset="0"/>
+                <a:cs typeface="Times New Roman" panose="02020603050405020304" pitchFamily="18" charset="0"/>
+              </a:rPr>
+              <a:t> (</a:t>
+            </a:r>
+            <a:r>
+              <a:rPr lang="pt-BR" sz="1900" b="1" dirty="0" err="1">
+                <a:solidFill>
+                  <a:srgbClr val="FF0000"/>
+                </a:solidFill>
+                <a:latin typeface="Times New Roman" panose="02020603050405020304" pitchFamily="18" charset="0"/>
+                <a:cs typeface="Times New Roman" panose="02020603050405020304" pitchFamily="18" charset="0"/>
+              </a:rPr>
+              <a:t>Sourcing</a:t>
+            </a:r>
+            <a:r>
+              <a:rPr lang="pt-BR" sz="1900" dirty="0">
+                <a:latin typeface="Times New Roman" panose="02020603050405020304" pitchFamily="18" charset="0"/>
+                <a:cs typeface="Times New Roman" panose="02020603050405020304" pitchFamily="18" charset="0"/>
+              </a:rPr>
+              <a:t>): </a:t>
+            </a:r>
+            <a:r>
+              <a:rPr lang="pt-BR" sz="1900" b="1" dirty="0">
+                <a:latin typeface="Times New Roman" panose="02020603050405020304" pitchFamily="18" charset="0"/>
+                <a:cs typeface="Times New Roman" panose="02020603050405020304" pitchFamily="18" charset="0"/>
+              </a:rPr>
+              <a:t>Sensor</a:t>
+            </a:r>
+            <a:r>
+              <a:rPr lang="pt-BR" sz="1900" dirty="0">
+                <a:latin typeface="Times New Roman" panose="02020603050405020304" pitchFamily="18" charset="0"/>
+                <a:cs typeface="Times New Roman" panose="02020603050405020304" pitchFamily="18" charset="0"/>
+              </a:rPr>
+              <a:t> fornece a </a:t>
+            </a:r>
+            <a:r>
+              <a:rPr lang="pt-BR" sz="1900" b="1" dirty="0">
+                <a:latin typeface="Times New Roman" panose="02020603050405020304" pitchFamily="18" charset="0"/>
+                <a:cs typeface="Times New Roman" panose="02020603050405020304" pitchFamily="18" charset="0"/>
+              </a:rPr>
+              <a:t>corrente</a:t>
+            </a:r>
+            <a:r>
+              <a:rPr lang="pt-BR" sz="1900" dirty="0">
+                <a:latin typeface="Times New Roman" panose="02020603050405020304" pitchFamily="18" charset="0"/>
+                <a:cs typeface="Times New Roman" panose="02020603050405020304" pitchFamily="18" charset="0"/>
+              </a:rPr>
               <a:t> </a:t>
             </a:r>
-          </a:p>
-          <a:p>
-            <a:pPr marL="0" indent="0" algn="just">
-              <a:buNone/>
-            </a:pPr>
-            <a:r>
-              <a:rPr lang="pt-BR" sz="2000" dirty="0">
-                <a:latin typeface="Times New Roman" panose="02020603050405020304" pitchFamily="18" charset="0"/>
-                <a:cs typeface="Times New Roman" panose="02020603050405020304" pitchFamily="18" charset="0"/>
-              </a:rPr>
-              <a:t>[3] </a:t>
-            </a:r>
-            <a:r>
-              <a:rPr lang="pt-BR" sz="2000" b="1" dirty="0">
-                <a:latin typeface="Times New Roman" panose="02020603050405020304" pitchFamily="18" charset="0"/>
-                <a:cs typeface="Times New Roman" panose="02020603050405020304" pitchFamily="18" charset="0"/>
-              </a:rPr>
-              <a:t>CLP - Aplicação/Prática 3 (</a:t>
-            </a:r>
-            <a:r>
-              <a:rPr lang="pt-BR" sz="2000" b="1" dirty="0">
+            <a:r>
+              <a:rPr lang="pt-BR" sz="1900" b="1" dirty="0">
                 <a:solidFill>
                   <a:srgbClr val="FF0000"/>
                 </a:solidFill>
                 <a:latin typeface="Times New Roman" panose="02020603050405020304" pitchFamily="18" charset="0"/>
                 <a:cs typeface="Times New Roman" panose="02020603050405020304" pitchFamily="18" charset="0"/>
               </a:rPr>
-              <a:t>Inglês</a:t>
-            </a:r>
-            <a:r>
-              <a:rPr lang="pt-BR" sz="2000" b="1" dirty="0">
-                <a:latin typeface="Times New Roman" panose="02020603050405020304" pitchFamily="18" charset="0"/>
-                <a:cs typeface="Times New Roman" panose="02020603050405020304" pitchFamily="18" charset="0"/>
-              </a:rPr>
-              <a:t>).</a:t>
-            </a:r>
-          </a:p>
-          <a:p>
-            <a:pPr marL="0" indent="0" algn="just">
-              <a:buNone/>
-            </a:pPr>
-            <a:r>
-              <a:rPr lang="pt-BR" sz="2000" b="1" dirty="0">
+              <a:t>positiva</a:t>
+            </a:r>
+            <a:r>
+              <a:rPr lang="pt-BR" sz="1900" dirty="0">
+                <a:latin typeface="Times New Roman" panose="02020603050405020304" pitchFamily="18" charset="0"/>
+                <a:cs typeface="Times New Roman" panose="02020603050405020304" pitchFamily="18" charset="0"/>
+              </a:rPr>
+              <a:t>. O CLP, </a:t>
+            </a:r>
+            <a:r>
+              <a:rPr lang="pt-BR" sz="1900" b="1" dirty="0">
                 <a:solidFill>
                   <a:srgbClr val="FF0000"/>
                 </a:solidFill>
                 <a:latin typeface="Times New Roman" panose="02020603050405020304" pitchFamily="18" charset="0"/>
                 <a:cs typeface="Times New Roman" panose="02020603050405020304" pitchFamily="18" charset="0"/>
               </a:rPr>
-              <a:t>Disponível em: </a:t>
-            </a:r>
-            <a:r>
-              <a:rPr lang="pt-BR" sz="2000" dirty="0">
+              <a:t>Fonte </a:t>
+            </a:r>
+            <a:r>
+              <a:rPr lang="pt-BR" sz="1900" b="1" dirty="0" err="1">
                 <a:solidFill>
                   <a:srgbClr val="FF0000"/>
                 </a:solidFill>
                 <a:latin typeface="Times New Roman" panose="02020603050405020304" pitchFamily="18" charset="0"/>
                 <a:cs typeface="Times New Roman" panose="02020603050405020304" pitchFamily="18" charset="0"/>
-                <a:hlinkClick r:id="rId5"/>
-              </a:rPr>
-              <a:t>https://youtu.be/1WQ70KJu6EY</a:t>
-            </a:r>
-            <a:r>
-              <a:rPr lang="pt-BR" sz="2000" dirty="0">
+              </a:rPr>
+              <a:t>Sinking</a:t>
+            </a:r>
+            <a:r>
+              <a:rPr lang="pt-BR" sz="1900" b="1" dirty="0">
                 <a:solidFill>
                   <a:srgbClr val="FF0000"/>
                 </a:solidFill>
                 <a:latin typeface="Times New Roman" panose="02020603050405020304" pitchFamily="18" charset="0"/>
                 <a:cs typeface="Times New Roman" panose="02020603050405020304" pitchFamily="18" charset="0"/>
               </a:rPr>
-              <a:t> </a:t>
-            </a:r>
-          </a:p>
-          <a:p>
-            <a:pPr marL="0" indent="0" algn="just">
-              <a:buNone/>
-            </a:pPr>
-            <a:r>
-              <a:rPr lang="pt-BR" sz="2000" dirty="0">
-                <a:latin typeface="Times New Roman" panose="02020603050405020304" pitchFamily="18" charset="0"/>
-                <a:cs typeface="Times New Roman" panose="02020603050405020304" pitchFamily="18" charset="0"/>
-              </a:rPr>
-              <a:t>[4] </a:t>
-            </a:r>
-            <a:r>
-              <a:rPr lang="pt-BR" sz="2000" b="1" dirty="0">
-                <a:latin typeface="Times New Roman" panose="02020603050405020304" pitchFamily="18" charset="0"/>
-                <a:cs typeface="Times New Roman" panose="02020603050405020304" pitchFamily="18" charset="0"/>
-              </a:rPr>
-              <a:t>CLP - Aplicação/Prática 4 (</a:t>
-            </a:r>
-            <a:r>
-              <a:rPr lang="pt-BR" sz="2000" b="1" dirty="0">
-                <a:solidFill>
-                  <a:srgbClr val="FF0000"/>
-                </a:solidFill>
-                <a:latin typeface="Times New Roman" panose="02020603050405020304" pitchFamily="18" charset="0"/>
-                <a:cs typeface="Times New Roman" panose="02020603050405020304" pitchFamily="18" charset="0"/>
-              </a:rPr>
-              <a:t>Inglês</a:t>
-            </a:r>
-            <a:r>
-              <a:rPr lang="pt-BR" sz="2000" b="1" dirty="0">
-                <a:latin typeface="Times New Roman" panose="02020603050405020304" pitchFamily="18" charset="0"/>
-                <a:cs typeface="Times New Roman" panose="02020603050405020304" pitchFamily="18" charset="0"/>
-              </a:rPr>
-              <a:t>).</a:t>
-            </a:r>
-          </a:p>
-          <a:p>
-            <a:pPr marL="0" indent="0" algn="just">
-              <a:buNone/>
-            </a:pPr>
-            <a:r>
-              <a:rPr lang="pt-BR" sz="2000" b="1" dirty="0">
-                <a:solidFill>
-                  <a:srgbClr val="FF0000"/>
-                </a:solidFill>
-                <a:latin typeface="Times New Roman" panose="02020603050405020304" pitchFamily="18" charset="0"/>
-                <a:cs typeface="Times New Roman" panose="02020603050405020304" pitchFamily="18" charset="0"/>
-              </a:rPr>
-              <a:t>Disponível em: </a:t>
-            </a:r>
-            <a:r>
-              <a:rPr lang="pt-BR" sz="2000" dirty="0">
-                <a:solidFill>
-                  <a:srgbClr val="FF0000"/>
-                </a:solidFill>
-                <a:latin typeface="Times New Roman" panose="02020603050405020304" pitchFamily="18" charset="0"/>
-                <a:cs typeface="Times New Roman" panose="02020603050405020304" pitchFamily="18" charset="0"/>
-                <a:hlinkClick r:id="rId6"/>
-              </a:rPr>
-              <a:t>https://youtu.be/CM6DntkoYyQ</a:t>
-            </a:r>
-            <a:r>
-              <a:rPr lang="pt-BR" sz="2000" dirty="0">
-                <a:solidFill>
-                  <a:srgbClr val="FF0000"/>
-                </a:solidFill>
-                <a:latin typeface="Times New Roman" panose="02020603050405020304" pitchFamily="18" charset="0"/>
-                <a:cs typeface="Times New Roman" panose="02020603050405020304" pitchFamily="18" charset="0"/>
-              </a:rPr>
-              <a:t> </a:t>
-            </a:r>
-          </a:p>
-          <a:p>
-            <a:pPr marL="0" indent="0" algn="just">
-              <a:buNone/>
-            </a:pPr>
-            <a:r>
-              <a:rPr lang="pt-BR" sz="2000" dirty="0">
-                <a:latin typeface="Times New Roman" panose="02020603050405020304" pitchFamily="18" charset="0"/>
-                <a:cs typeface="Times New Roman" panose="02020603050405020304" pitchFamily="18" charset="0"/>
-              </a:rPr>
-              <a:t>[5] </a:t>
-            </a:r>
-            <a:r>
-              <a:rPr lang="pt-BR" sz="2000" b="1" dirty="0">
-                <a:latin typeface="Times New Roman" panose="02020603050405020304" pitchFamily="18" charset="0"/>
-                <a:cs typeface="Times New Roman" panose="02020603050405020304" pitchFamily="18" charset="0"/>
-              </a:rPr>
-              <a:t>CLP - Aplicação/Prática 5 (</a:t>
-            </a:r>
-            <a:r>
-              <a:rPr lang="pt-BR" sz="2000" b="1" dirty="0">
-                <a:solidFill>
-                  <a:srgbClr val="FF0000"/>
-                </a:solidFill>
-                <a:latin typeface="Times New Roman" panose="02020603050405020304" pitchFamily="18" charset="0"/>
-                <a:cs typeface="Times New Roman" panose="02020603050405020304" pitchFamily="18" charset="0"/>
-              </a:rPr>
-              <a:t>Inglês</a:t>
-            </a:r>
-            <a:r>
-              <a:rPr lang="pt-BR" sz="2000" b="1" dirty="0">
-                <a:latin typeface="Times New Roman" panose="02020603050405020304" pitchFamily="18" charset="0"/>
-                <a:cs typeface="Times New Roman" panose="02020603050405020304" pitchFamily="18" charset="0"/>
-              </a:rPr>
-              <a:t>).</a:t>
-            </a:r>
-          </a:p>
-          <a:p>
-            <a:pPr marL="0" indent="0" algn="just">
-              <a:buNone/>
-            </a:pPr>
-            <a:r>
-              <a:rPr lang="pt-BR" sz="2000" b="1" dirty="0">
-                <a:solidFill>
-                  <a:srgbClr val="FF0000"/>
-                </a:solidFill>
-                <a:latin typeface="Times New Roman" panose="02020603050405020304" pitchFamily="18" charset="0"/>
-                <a:cs typeface="Times New Roman" panose="02020603050405020304" pitchFamily="18" charset="0"/>
-              </a:rPr>
-              <a:t>Disponível em: </a:t>
-            </a:r>
-            <a:r>
-              <a:rPr lang="pt-BR" sz="2000" dirty="0">
-                <a:solidFill>
-                  <a:srgbClr val="FF0000"/>
-                </a:solidFill>
-                <a:latin typeface="Times New Roman" panose="02020603050405020304" pitchFamily="18" charset="0"/>
-                <a:cs typeface="Times New Roman" panose="02020603050405020304" pitchFamily="18" charset="0"/>
-                <a:hlinkClick r:id="rId7"/>
-              </a:rPr>
-              <a:t>https://youtu.be/wN9cKSTeedM</a:t>
-            </a:r>
-            <a:r>
-              <a:rPr lang="pt-BR" sz="2000" dirty="0">
-                <a:solidFill>
-                  <a:srgbClr val="FF0000"/>
-                </a:solidFill>
-                <a:latin typeface="Times New Roman" panose="02020603050405020304" pitchFamily="18" charset="0"/>
-                <a:cs typeface="Times New Roman" panose="02020603050405020304" pitchFamily="18" charset="0"/>
-              </a:rPr>
-              <a:t> </a:t>
-            </a:r>
-            <a:endParaRPr lang="pt-BR" sz="2000" dirty="0">
-              <a:latin typeface="Times New Roman" panose="02020603050405020304" pitchFamily="18" charset="0"/>
-              <a:cs typeface="Times New Roman" panose="02020603050405020304" pitchFamily="18" charset="0"/>
-            </a:endParaRPr>
+              <a:t> (-).</a:t>
+            </a:r>
           </a:p>
         </p:txBody>
       </p:sp>
     </p:spTree>
     <p:extLst>
       <p:ext uri="{BB962C8B-B14F-4D97-AF65-F5344CB8AC3E}">
-        <p14:creationId xmlns:p14="http://schemas.microsoft.com/office/powerpoint/2010/main" val="2747596967"/>
+        <p14:creationId xmlns:p14="http://schemas.microsoft.com/office/powerpoint/2010/main" val="3331541028"/>
       </p:ext>
     </p:extLst>
   </p:cSld>

--- a/01 Classes/Aula5 - CLP - Programação - Ling LADER Aplicações e Prática.pptx
+++ b/01 Classes/Aula5 - CLP - Programação - Ling LADER Aplicações e Prática.pptx
@@ -5184,7 +5184,7 @@
               <a:buNone/>
             </a:pPr>
             <a:r>
-              <a:rPr lang="pt-BR" sz="2200" b="1" dirty="0">
+              <a:rPr lang="pt-BR" sz="2000" b="1" dirty="0">
                 <a:solidFill>
                   <a:srgbClr val="0070C0"/>
                 </a:solidFill>
@@ -5199,7 +5199,7 @@
               <a:buAutoNum type="arabicPeriod"/>
             </a:pPr>
             <a:r>
-              <a:rPr lang="pt-BR" sz="2200" b="1" dirty="0">
+              <a:rPr lang="pt-BR" sz="2000" b="1" dirty="0">
                 <a:solidFill>
                   <a:schemeClr val="tx1"/>
                 </a:solidFill>
@@ -5209,7 +5209,7 @@
               <a:t>NPN sensor </a:t>
             </a:r>
             <a:r>
-              <a:rPr lang="pt-BR" sz="2200" b="1" dirty="0" err="1">
+              <a:rPr lang="pt-BR" sz="2000" b="1" dirty="0" err="1">
                 <a:solidFill>
                   <a:schemeClr val="tx1"/>
                 </a:solidFill>
@@ -5219,7 +5219,7 @@
               <a:t>Sinking</a:t>
             </a:r>
             <a:r>
-              <a:rPr lang="pt-BR" sz="2200" b="1" dirty="0">
+              <a:rPr lang="pt-BR" sz="2000" b="1" dirty="0">
                 <a:solidFill>
                   <a:schemeClr val="tx1"/>
                 </a:solidFill>
@@ -5229,7 +5229,7 @@
               <a:t> -&gt; CLP Fonte </a:t>
             </a:r>
             <a:r>
-              <a:rPr lang="pt-BR" sz="2200" b="1" dirty="0" err="1">
+              <a:rPr lang="pt-BR" sz="2000" b="1" dirty="0" err="1">
                 <a:solidFill>
                   <a:schemeClr val="tx1"/>
                 </a:solidFill>
@@ -5239,7 +5239,7 @@
               <a:t>Sourcing</a:t>
             </a:r>
             <a:r>
-              <a:rPr lang="pt-BR" sz="2200" b="1" dirty="0">
+              <a:rPr lang="pt-BR" sz="2000" b="1" dirty="0">
                 <a:solidFill>
                   <a:schemeClr val="tx1"/>
                 </a:solidFill>
@@ -5254,7 +5254,7 @@
               <a:buAutoNum type="arabicPeriod"/>
             </a:pPr>
             <a:r>
-              <a:rPr lang="pt-BR" sz="2200" b="1" dirty="0">
+              <a:rPr lang="pt-BR" sz="2000" b="1" dirty="0">
                 <a:solidFill>
                   <a:srgbClr val="FF0000"/>
                 </a:solidFill>
@@ -5264,7 +5264,7 @@
               <a:t>PNP  sensor </a:t>
             </a:r>
             <a:r>
-              <a:rPr lang="pt-BR" sz="2200" b="1" dirty="0" err="1">
+              <a:rPr lang="pt-BR" sz="2000" b="1" dirty="0" err="1">
                 <a:solidFill>
                   <a:srgbClr val="FF0000"/>
                 </a:solidFill>
@@ -5274,7 +5274,7 @@
               <a:t>Sourcing</a:t>
             </a:r>
             <a:r>
-              <a:rPr lang="pt-BR" sz="2200" b="1" dirty="0">
+              <a:rPr lang="pt-BR" sz="2000" b="1" dirty="0">
                 <a:solidFill>
                   <a:srgbClr val="FF0000"/>
                 </a:solidFill>
@@ -5284,7 +5284,7 @@
               <a:t> -&gt; CLP Fonte </a:t>
             </a:r>
             <a:r>
-              <a:rPr lang="pt-BR" sz="2200" b="1" dirty="0" err="1">
+              <a:rPr lang="pt-BR" sz="2000" b="1" dirty="0" err="1">
                 <a:solidFill>
                   <a:srgbClr val="FF0000"/>
                 </a:solidFill>
@@ -5294,7 +5294,7 @@
               <a:t>Sinking</a:t>
             </a:r>
             <a:r>
-              <a:rPr lang="pt-BR" sz="2200" b="1" dirty="0">
+              <a:rPr lang="pt-BR" sz="2000" b="1" dirty="0">
                 <a:solidFill>
                   <a:srgbClr val="FF0000"/>
                 </a:solidFill>
@@ -5308,7 +5308,7 @@
             <a:pPr marL="0" indent="0" algn="just">
               <a:buNone/>
             </a:pPr>
-            <a:endParaRPr lang="pt-BR" sz="2200" dirty="0">
+            <a:endParaRPr lang="pt-BR" sz="2000" dirty="0">
               <a:solidFill>
                 <a:schemeClr val="tx1"/>
               </a:solidFill>
@@ -5317,28 +5317,140 @@
             </a:endParaRPr>
           </a:p>
           <a:p>
+            <a:pPr marL="0" indent="0" algn="ctr">
+              <a:buNone/>
+            </a:pPr>
+            <a:r>
+              <a:rPr lang="pt-BR" sz="2000" b="1" dirty="0">
+                <a:solidFill>
+                  <a:srgbClr val="FF0000"/>
+                </a:solidFill>
+                <a:latin typeface="Times New Roman" panose="02020603050405020304" pitchFamily="18" charset="0"/>
+                <a:cs typeface="Times New Roman" panose="02020603050405020304" pitchFamily="18" charset="0"/>
+              </a:rPr>
+              <a:t>Simulador da WEG – CLIC02 </a:t>
+            </a:r>
+            <a:r>
+              <a:rPr lang="pt-BR" sz="2000" b="1" dirty="0" err="1">
+                <a:solidFill>
+                  <a:srgbClr val="FF0000"/>
+                </a:solidFill>
+                <a:latin typeface="Times New Roman" panose="02020603050405020304" pitchFamily="18" charset="0"/>
+                <a:cs typeface="Times New Roman" panose="02020603050405020304" pitchFamily="18" charset="0"/>
+              </a:rPr>
+              <a:t>Edit</a:t>
+            </a:r>
+            <a:endParaRPr lang="pt-BR" sz="2000" b="1" dirty="0">
+              <a:solidFill>
+                <a:srgbClr val="FF0000"/>
+              </a:solidFill>
+              <a:latin typeface="Times New Roman" panose="02020603050405020304" pitchFamily="18" charset="0"/>
+              <a:cs typeface="Times New Roman" panose="02020603050405020304" pitchFamily="18" charset="0"/>
+            </a:endParaRPr>
+          </a:p>
+          <a:p>
             <a:pPr marL="0" indent="0" algn="just">
               <a:buNone/>
             </a:pPr>
             <a:r>
-              <a:rPr lang="pt-BR" sz="2200">
+              <a:rPr lang="pt-BR" sz="2000" dirty="0">
                 <a:solidFill>
                   <a:schemeClr val="tx1"/>
                 </a:solidFill>
                 <a:latin typeface="Times New Roman" panose="02020603050405020304" pitchFamily="18" charset="0"/>
                 <a:cs typeface="Times New Roman" panose="02020603050405020304" pitchFamily="18" charset="0"/>
               </a:rPr>
-              <a:t>Os </a:t>
-            </a:r>
-            <a:r>
-              <a:rPr lang="pt-BR" sz="2200" dirty="0">
+              <a:t>					</a:t>
+            </a:r>
+            <a:r>
+              <a:rPr lang="pt-BR" sz="2000" dirty="0">
                 <a:solidFill>
                   <a:schemeClr val="tx1"/>
                 </a:solidFill>
                 <a:latin typeface="Times New Roman" panose="02020603050405020304" pitchFamily="18" charset="0"/>
                 <a:cs typeface="Times New Roman" panose="02020603050405020304" pitchFamily="18" charset="0"/>
-              </a:rPr>
-              <a:t>alunos deverão pesquisar e montar um roteiro de prática com LADDER para ser aplicado no Laboratório de Circuitos Elétricos.</a:t>
+                <a:hlinkClick r:id="rId3"/>
+              </a:rPr>
+              <a:t>https://www.weg.net/institutional/BR/pt/</a:t>
+            </a:r>
+            <a:endParaRPr lang="pt-BR" sz="2000" dirty="0">
+              <a:solidFill>
+                <a:schemeClr val="tx1"/>
+              </a:solidFill>
+              <a:latin typeface="Times New Roman" panose="02020603050405020304" pitchFamily="18" charset="0"/>
+              <a:cs typeface="Times New Roman" panose="02020603050405020304" pitchFamily="18" charset="0"/>
+            </a:endParaRPr>
+          </a:p>
+          <a:p>
+            <a:pPr marL="0" indent="0" algn="just">
+              <a:buNone/>
+            </a:pPr>
+            <a:r>
+              <a:rPr lang="pt-BR" sz="2000" dirty="0">
+                <a:solidFill>
+                  <a:schemeClr val="tx1"/>
+                </a:solidFill>
+                <a:latin typeface="Times New Roman" panose="02020603050405020304" pitchFamily="18" charset="0"/>
+                <a:cs typeface="Times New Roman" panose="02020603050405020304" pitchFamily="18" charset="0"/>
+              </a:rPr>
+              <a:t>	</a:t>
+            </a:r>
+            <a:r>
+              <a:rPr lang="pt-BR" sz="1600" dirty="0">
+                <a:solidFill>
+                  <a:schemeClr val="tx1"/>
+                </a:solidFill>
+                <a:latin typeface="Times New Roman" panose="02020603050405020304" pitchFamily="18" charset="0"/>
+                <a:cs typeface="Times New Roman" panose="02020603050405020304" pitchFamily="18" charset="0"/>
+              </a:rPr>
+              <a:t>(</a:t>
+            </a:r>
+            <a:r>
+              <a:rPr lang="pt-BR" sz="1600" b="1" dirty="0">
+                <a:solidFill>
+                  <a:srgbClr val="FF0000"/>
+                </a:solidFill>
+                <a:latin typeface="Times New Roman" panose="02020603050405020304" pitchFamily="18" charset="0"/>
+                <a:cs typeface="Times New Roman" panose="02020603050405020304" pitchFamily="18" charset="0"/>
+              </a:rPr>
+              <a:t>Menu</a:t>
+            </a:r>
+            <a:r>
+              <a:rPr lang="pt-BR" sz="1600" b="1" dirty="0">
+                <a:solidFill>
+                  <a:schemeClr val="tx1"/>
+                </a:solidFill>
+                <a:latin typeface="Times New Roman" panose="02020603050405020304" pitchFamily="18" charset="0"/>
+                <a:cs typeface="Times New Roman" panose="02020603050405020304" pitchFamily="18" charset="0"/>
+              </a:rPr>
+              <a:t>: Produtos-&gt;Automação e Controle Industrial-&gt; Controladores Lógicos e Programáveis)</a:t>
+            </a:r>
+          </a:p>
+          <a:p>
+            <a:pPr marL="0" indent="0" algn="just">
+              <a:buNone/>
+            </a:pPr>
+            <a:endParaRPr lang="pt-BR" sz="2000" dirty="0">
+              <a:solidFill>
+                <a:schemeClr val="tx1"/>
+              </a:solidFill>
+              <a:latin typeface="Times New Roman" panose="02020603050405020304" pitchFamily="18" charset="0"/>
+              <a:cs typeface="Times New Roman" panose="02020603050405020304" pitchFamily="18" charset="0"/>
+            </a:endParaRPr>
+          </a:p>
+          <a:p>
+            <a:pPr marL="0" indent="0" algn="just">
+              <a:buNone/>
+            </a:pPr>
+            <a:r>
+              <a:rPr lang="pt-BR" sz="2000" dirty="0">
+                <a:solidFill>
+                  <a:schemeClr val="tx1"/>
+                </a:solidFill>
+                <a:latin typeface="Times New Roman" panose="02020603050405020304" pitchFamily="18" charset="0"/>
+                <a:cs typeface="Times New Roman" panose="02020603050405020304" pitchFamily="18" charset="0"/>
+              </a:rPr>
+              <a:t>Os alunos deverão pesquisar e montar um roteiro de prática com LADDER para ser aplicado no Laboratório de Circuitos Elétricos.</a:t>
             </a:r>
           </a:p>
         </p:txBody>
